--- a/doc/higo_forcoder.pptx
+++ b/doc/higo_forcoder.pptx
@@ -5,7 +5,7 @@
     <p:sldMasterId id="2147483648" r:id="rId1"/>
   </p:sldMasterIdLst>
   <p:notesMasterIdLst>
-    <p:notesMasterId r:id="rId26"/>
+    <p:notesMasterId r:id="rId25"/>
   </p:notesMasterIdLst>
   <p:sldIdLst>
     <p:sldId id="256" r:id="rId2"/>
@@ -29,9 +29,8 @@
     <p:sldId id="382" r:id="rId20"/>
     <p:sldId id="381" r:id="rId21"/>
     <p:sldId id="369" r:id="rId22"/>
-    <p:sldId id="388" r:id="rId23"/>
-    <p:sldId id="374" r:id="rId24"/>
-    <p:sldId id="375" r:id="rId25"/>
+    <p:sldId id="374" r:id="rId23"/>
+    <p:sldId id="375" r:id="rId24"/>
   </p:sldIdLst>
   <p:sldSz cx="9144000" cy="6858000" type="screen4x3"/>
   <p:notesSz cx="6858000" cy="9144000"/>
@@ -34141,190 +34140,6 @@
             <p:ph type="title"/>
           </p:nvPr>
         </p:nvSpPr>
-        <p:spPr/>
-        <p:txBody>
-          <a:bodyPr/>
-          <a:lstStyle/>
-          <a:p>
-            <a:r>
-              <a:rPr lang="zh-CN" altLang="en-US" dirty="0" smtClean="0"/>
-              <a:t>注意事项</a:t>
-            </a:r>
-            <a:endParaRPr lang="zh-CN" altLang="en-US" dirty="0"/>
-          </a:p>
-        </p:txBody>
-      </p:sp>
-      <p:sp>
-        <p:nvSpPr>
-          <p:cNvPr id="3" name="内容占位符 2"/>
-          <p:cNvSpPr>
-            <a:spLocks noGrp="1"/>
-          </p:cNvSpPr>
-          <p:nvPr>
-            <p:ph idx="1"/>
-          </p:nvPr>
-        </p:nvSpPr>
-        <p:spPr/>
-        <p:txBody>
-          <a:bodyPr/>
-          <a:lstStyle/>
-          <a:p>
-            <a:r>
-              <a:rPr lang="zh-CN" altLang="zh-CN" sz="1600" dirty="0"/>
-              <a:t>我再总结一下</a:t>
-            </a:r>
-            <a:r>
-              <a:rPr lang="en-US" altLang="zh-CN" sz="1600" dirty="0"/>
-              <a:t>HIVE</a:t>
-            </a:r>
-            <a:r>
-              <a:rPr lang="zh-CN" altLang="zh-CN" sz="1600" dirty="0"/>
-              <a:t>开发要注意的</a:t>
-            </a:r>
-            <a:r>
-              <a:rPr lang="zh-CN" altLang="zh-CN" sz="1600" dirty="0" smtClean="0"/>
-              <a:t>事情</a:t>
-            </a:r>
-            <a:endParaRPr lang="en-US" altLang="zh-CN" sz="1600" dirty="0"/>
-          </a:p>
-          <a:p>
-            <a:r>
-              <a:rPr lang="en-US" altLang="zh-CN" dirty="0" smtClean="0"/>
-              <a:t>1</a:t>
-            </a:r>
-            <a:r>
-              <a:rPr lang="en-US" altLang="zh-CN" dirty="0"/>
-              <a:t>. </a:t>
-            </a:r>
-            <a:r>
-              <a:rPr lang="zh-CN" altLang="zh-CN" dirty="0"/>
-              <a:t>表格里必须有</a:t>
-            </a:r>
-            <a:r>
-              <a:rPr lang="en-US" altLang="zh-CN" dirty="0" err="1"/>
-              <a:t>thedate</a:t>
-            </a:r>
-            <a:r>
-              <a:rPr lang="zh-CN" altLang="zh-CN" dirty="0"/>
-              <a:t>字段，且日期格式为</a:t>
-            </a:r>
-            <a:r>
-              <a:rPr lang="en-US" altLang="zh-CN" dirty="0" err="1"/>
-              <a:t>yyyyMMdd</a:t>
-            </a:r>
-            <a:endParaRPr lang="zh-CN" altLang="zh-CN" dirty="0"/>
-          </a:p>
-          <a:p>
-            <a:r>
-              <a:rPr lang="en-US" altLang="zh-CN" dirty="0"/>
-              <a:t>2. </a:t>
-            </a:r>
-            <a:r>
-              <a:rPr lang="zh-CN" altLang="zh-CN" dirty="0"/>
-              <a:t>表格以</a:t>
-            </a:r>
-            <a:r>
-              <a:rPr lang="en-US" altLang="zh-CN" dirty="0" err="1"/>
-              <a:t>dt</a:t>
-            </a:r>
-            <a:r>
-              <a:rPr lang="zh-CN" altLang="zh-CN" dirty="0"/>
-              <a:t>字段分区</a:t>
-            </a:r>
-          </a:p>
-          <a:p>
-            <a:r>
-              <a:rPr lang="en-US" altLang="zh-CN" dirty="0"/>
-              <a:t>3. </a:t>
-            </a:r>
-            <a:r>
-              <a:rPr lang="zh-CN" altLang="zh-CN" dirty="0"/>
-              <a:t>涉及到钱的字段，单位都是元</a:t>
-            </a:r>
-          </a:p>
-          <a:p>
-            <a:r>
-              <a:rPr lang="en-US" altLang="zh-CN" dirty="0"/>
-              <a:t>4. </a:t>
-            </a:r>
-            <a:r>
-              <a:rPr lang="zh-CN" altLang="zh-CN" dirty="0"/>
-              <a:t>状态变量转换为中文。如： 是否商城，字段值为“是”或“否”，不要设置成</a:t>
-            </a:r>
-            <a:r>
-              <a:rPr lang="en-US" altLang="zh-CN" dirty="0"/>
-              <a:t>0,1</a:t>
-            </a:r>
-            <a:endParaRPr lang="zh-CN" altLang="zh-CN" dirty="0"/>
-          </a:p>
-          <a:p>
-            <a:r>
-              <a:rPr lang="en-US" altLang="zh-CN" dirty="0"/>
-              <a:t>5. hive</a:t>
-            </a:r>
-            <a:r>
-              <a:rPr lang="zh-CN" altLang="zh-CN" dirty="0"/>
-              <a:t>空值用空字符</a:t>
-            </a:r>
-            <a:r>
-              <a:rPr lang="en-US" altLang="zh-CN" dirty="0"/>
-              <a:t>""</a:t>
-            </a:r>
-            <a:r>
-              <a:rPr lang="zh-CN" altLang="zh-CN" dirty="0"/>
-              <a:t>表示，不要使用</a:t>
-            </a:r>
-            <a:r>
-              <a:rPr lang="en-US" altLang="zh-CN" dirty="0"/>
-              <a:t>\N</a:t>
-            </a:r>
-            <a:endParaRPr lang="zh-CN" altLang="zh-CN" dirty="0"/>
-          </a:p>
-          <a:p>
-            <a:endParaRPr lang="zh-CN" altLang="en-US" dirty="0"/>
-          </a:p>
-        </p:txBody>
-      </p:sp>
-    </p:spTree>
-    <p:extLst>
-      <p:ext uri="{BB962C8B-B14F-4D97-AF65-F5344CB8AC3E}">
-        <p14:creationId xmlns:p14="http://schemas.microsoft.com/office/powerpoint/2010/main" val="1310503286"/>
-      </p:ext>
-    </p:extLst>
-  </p:cSld>
-  <p:clrMapOvr>
-    <a:masterClrMapping/>
-  </p:clrMapOvr>
-</p:sld>
-</file>
-
-<file path=ppt/slides/slide23.xml><?xml version="1.0" encoding="utf-8"?>
-<p:sld xmlns:a="http://schemas.openxmlformats.org/drawingml/2006/main" xmlns:r="http://schemas.openxmlformats.org/officeDocument/2006/relationships" xmlns:p="http://schemas.openxmlformats.org/presentationml/2006/main">
-  <p:cSld>
-    <p:spTree>
-      <p:nvGrpSpPr>
-        <p:cNvPr id="1" name=""/>
-        <p:cNvGrpSpPr/>
-        <p:nvPr/>
-      </p:nvGrpSpPr>
-      <p:grpSpPr>
-        <a:xfrm>
-          <a:off x="0" y="0"/>
-          <a:ext cx="0" cy="0"/>
-          <a:chOff x="0" y="0"/>
-          <a:chExt cx="0" cy="0"/>
-        </a:xfrm>
-      </p:grpSpPr>
-      <p:sp>
-        <p:nvSpPr>
-          <p:cNvPr id="2" name="标题 1"/>
-          <p:cNvSpPr>
-            <a:spLocks noGrp="1"/>
-          </p:cNvSpPr>
-          <p:nvPr>
-            <p:ph type="title"/>
-          </p:nvPr>
-        </p:nvSpPr>
         <p:spPr>
           <a:xfrm>
             <a:off x="323528" y="2636912"/>
@@ -34363,7 +34178,7 @@
 </p:sld>
 </file>
 
-<file path=ppt/slides/slide24.xml><?xml version="1.0" encoding="utf-8"?>
+<file path=ppt/slides/slide23.xml><?xml version="1.0" encoding="utf-8"?>
 <p:sld xmlns:a="http://schemas.openxmlformats.org/drawingml/2006/main" xmlns:r="http://schemas.openxmlformats.org/officeDocument/2006/relationships" xmlns:p="http://schemas.openxmlformats.org/presentationml/2006/main">
   <p:cSld>
     <p:spTree>

--- a/doc/higo_forcoder.pptx
+++ b/doc/higo_forcoder.pptx
@@ -5,32 +5,31 @@
     <p:sldMasterId id="2147483648" r:id="rId1"/>
   </p:sldMasterIdLst>
   <p:notesMasterIdLst>
-    <p:notesMasterId r:id="rId25"/>
+    <p:notesMasterId r:id="rId24"/>
   </p:notesMasterIdLst>
   <p:sldIdLst>
     <p:sldId id="256" r:id="rId2"/>
-    <p:sldId id="376" r:id="rId3"/>
-    <p:sldId id="361" r:id="rId4"/>
-    <p:sldId id="257" r:id="rId5"/>
-    <p:sldId id="307" r:id="rId6"/>
-    <p:sldId id="387" r:id="rId7"/>
-    <p:sldId id="313" r:id="rId8"/>
-    <p:sldId id="362" r:id="rId9"/>
-    <p:sldId id="364" r:id="rId10"/>
-    <p:sldId id="363" r:id="rId11"/>
-    <p:sldId id="366" r:id="rId12"/>
-    <p:sldId id="367" r:id="rId13"/>
-    <p:sldId id="372" r:id="rId14"/>
-    <p:sldId id="385" r:id="rId15"/>
-    <p:sldId id="379" r:id="rId16"/>
-    <p:sldId id="368" r:id="rId17"/>
-    <p:sldId id="373" r:id="rId18"/>
-    <p:sldId id="378" r:id="rId19"/>
-    <p:sldId id="382" r:id="rId20"/>
-    <p:sldId id="381" r:id="rId21"/>
-    <p:sldId id="369" r:id="rId22"/>
-    <p:sldId id="374" r:id="rId23"/>
-    <p:sldId id="375" r:id="rId24"/>
+    <p:sldId id="361" r:id="rId3"/>
+    <p:sldId id="257" r:id="rId4"/>
+    <p:sldId id="307" r:id="rId5"/>
+    <p:sldId id="387" r:id="rId6"/>
+    <p:sldId id="313" r:id="rId7"/>
+    <p:sldId id="362" r:id="rId8"/>
+    <p:sldId id="364" r:id="rId9"/>
+    <p:sldId id="363" r:id="rId10"/>
+    <p:sldId id="366" r:id="rId11"/>
+    <p:sldId id="367" r:id="rId12"/>
+    <p:sldId id="372" r:id="rId13"/>
+    <p:sldId id="385" r:id="rId14"/>
+    <p:sldId id="379" r:id="rId15"/>
+    <p:sldId id="368" r:id="rId16"/>
+    <p:sldId id="373" r:id="rId17"/>
+    <p:sldId id="378" r:id="rId18"/>
+    <p:sldId id="382" r:id="rId19"/>
+    <p:sldId id="381" r:id="rId20"/>
+    <p:sldId id="369" r:id="rId21"/>
+    <p:sldId id="374" r:id="rId22"/>
+    <p:sldId id="375" r:id="rId23"/>
   </p:sldIdLst>
   <p:sldSz cx="9144000" cy="6858000" type="screen4x3"/>
   <p:notesSz cx="6858000" cy="9144000"/>
@@ -3910,334 +3909,6 @@
       <dsp:cNvGrpSpPr/>
     </dsp:nvGrpSpPr>
     <dsp:grpSpPr/>
-    <dsp:sp modelId="{1A32A10F-9B1B-436D-A614-20F9B53E066E}">
-      <dsp:nvSpPr>
-        <dsp:cNvPr id="0" name=""/>
-        <dsp:cNvSpPr/>
-      </dsp:nvSpPr>
-      <dsp:spPr>
-        <a:xfrm>
-          <a:off x="38833" y="2033"/>
-          <a:ext cx="318376" cy="978296"/>
-        </a:xfrm>
-        <a:prstGeom prst="rect">
-          <a:avLst/>
-        </a:prstGeom>
-        <a:solidFill>
-          <a:schemeClr val="accent2">
-            <a:shade val="50000"/>
-            <a:hueOff val="0"/>
-            <a:satOff val="0"/>
-            <a:lumOff val="0"/>
-            <a:alphaOff val="0"/>
-          </a:schemeClr>
-        </a:solidFill>
-        <a:ln w="25400" cap="flat" cmpd="sng" algn="ctr">
-          <a:solidFill>
-            <a:schemeClr val="lt1">
-              <a:hueOff val="0"/>
-              <a:satOff val="0"/>
-              <a:lumOff val="0"/>
-              <a:alphaOff val="0"/>
-            </a:schemeClr>
-          </a:solidFill>
-          <a:prstDash val="solid"/>
-        </a:ln>
-        <a:effectLst/>
-      </dsp:spPr>
-      <dsp:style>
-        <a:lnRef idx="2">
-          <a:scrgbClr r="0" g="0" b="0"/>
-        </a:lnRef>
-        <a:fillRef idx="1">
-          <a:scrgbClr r="0" g="0" b="0"/>
-        </a:fillRef>
-        <a:effectRef idx="0">
-          <a:scrgbClr r="0" g="0" b="0"/>
-        </a:effectRef>
-        <a:fontRef idx="minor">
-          <a:schemeClr val="lt1"/>
-        </a:fontRef>
-      </dsp:style>
-      <dsp:txBody>
-        <a:bodyPr spcFirstLastPara="0" vert="horz" wrap="square" lIns="40640" tIns="40640" rIns="40640" bIns="40640" numCol="1" spcCol="1270" anchor="ctr" anchorCtr="0">
-          <a:noAutofit/>
-        </a:bodyPr>
-        <a:lstStyle/>
-        <a:p>
-          <a:pPr lvl="0" algn="ctr" defTabSz="711200">
-            <a:lnSpc>
-              <a:spcPct val="90000"/>
-            </a:lnSpc>
-            <a:spcBef>
-              <a:spcPct val="0"/>
-            </a:spcBef>
-            <a:spcAft>
-              <a:spcPct val="35000"/>
-            </a:spcAft>
-          </a:pPr>
-          <a:r>
-            <a:rPr lang="zh-CN" altLang="en-US" sz="1600" kern="1200" dirty="0" smtClean="0"/>
-            <a:t>列</a:t>
-          </a:r>
-          <a:r>
-            <a:rPr lang="en-US" altLang="zh-CN" sz="1600" kern="1200" dirty="0" smtClean="0"/>
-            <a:t>1</a:t>
-          </a:r>
-          <a:endParaRPr lang="zh-CN" altLang="en-US" sz="1600" kern="1200" dirty="0"/>
-        </a:p>
-      </dsp:txBody>
-      <dsp:txXfrm>
-        <a:off x="38833" y="2033"/>
-        <a:ext cx="318376" cy="978296"/>
-      </dsp:txXfrm>
-    </dsp:sp>
-    <dsp:sp modelId="{14407EC2-6BBE-41AE-B959-D195A65C2964}">
-      <dsp:nvSpPr>
-        <dsp:cNvPr id="0" name=""/>
-        <dsp:cNvSpPr/>
-      </dsp:nvSpPr>
-      <dsp:spPr>
-        <a:xfrm>
-          <a:off x="38833" y="1029245"/>
-          <a:ext cx="318376" cy="978296"/>
-        </a:xfrm>
-        <a:prstGeom prst="rect">
-          <a:avLst/>
-        </a:prstGeom>
-        <a:solidFill>
-          <a:schemeClr val="accent2">
-            <a:shade val="50000"/>
-            <a:hueOff val="0"/>
-            <a:satOff val="-16266"/>
-            <a:lumOff val="26389"/>
-            <a:alphaOff val="0"/>
-          </a:schemeClr>
-        </a:solidFill>
-        <a:ln w="25400" cap="flat" cmpd="sng" algn="ctr">
-          <a:solidFill>
-            <a:schemeClr val="lt1">
-              <a:hueOff val="0"/>
-              <a:satOff val="0"/>
-              <a:lumOff val="0"/>
-              <a:alphaOff val="0"/>
-            </a:schemeClr>
-          </a:solidFill>
-          <a:prstDash val="solid"/>
-        </a:ln>
-        <a:effectLst/>
-      </dsp:spPr>
-      <dsp:style>
-        <a:lnRef idx="2">
-          <a:scrgbClr r="0" g="0" b="0"/>
-        </a:lnRef>
-        <a:fillRef idx="1">
-          <a:scrgbClr r="0" g="0" b="0"/>
-        </a:fillRef>
-        <a:effectRef idx="0">
-          <a:scrgbClr r="0" g="0" b="0"/>
-        </a:effectRef>
-        <a:fontRef idx="minor">
-          <a:schemeClr val="lt1"/>
-        </a:fontRef>
-      </dsp:style>
-      <dsp:txBody>
-        <a:bodyPr spcFirstLastPara="0" vert="horz" wrap="square" lIns="25400" tIns="25400" rIns="25400" bIns="25400" numCol="1" spcCol="1270" anchor="ctr" anchorCtr="0">
-          <a:noAutofit/>
-        </a:bodyPr>
-        <a:lstStyle/>
-        <a:p>
-          <a:pPr lvl="0" algn="ctr" defTabSz="444500">
-            <a:lnSpc>
-              <a:spcPct val="90000"/>
-            </a:lnSpc>
-            <a:spcBef>
-              <a:spcPct val="0"/>
-            </a:spcBef>
-            <a:spcAft>
-              <a:spcPct val="35000"/>
-            </a:spcAft>
-          </a:pPr>
-          <a:r>
-            <a:rPr lang="zh-CN" altLang="en-US" sz="1000" kern="1200" dirty="0" smtClean="0"/>
-            <a:t>列</a:t>
-          </a:r>
-          <a:r>
-            <a:rPr lang="en-US" altLang="zh-CN" sz="1000" kern="1200" dirty="0" smtClean="0"/>
-            <a:t>2</a:t>
-          </a:r>
-          <a:endParaRPr lang="zh-CN" altLang="en-US" sz="1000" kern="1200" dirty="0"/>
-        </a:p>
-      </dsp:txBody>
-      <dsp:txXfrm>
-        <a:off x="38833" y="1029245"/>
-        <a:ext cx="318376" cy="978296"/>
-      </dsp:txXfrm>
-    </dsp:sp>
-    <dsp:sp modelId="{2766CE1A-14A7-4314-A143-42BDD394FB1C}">
-      <dsp:nvSpPr>
-        <dsp:cNvPr id="0" name=""/>
-        <dsp:cNvSpPr/>
-      </dsp:nvSpPr>
-      <dsp:spPr>
-        <a:xfrm>
-          <a:off x="33858" y="2056457"/>
-          <a:ext cx="328326" cy="978296"/>
-        </a:xfrm>
-        <a:prstGeom prst="rect">
-          <a:avLst/>
-        </a:prstGeom>
-        <a:solidFill>
-          <a:schemeClr val="accent2">
-            <a:shade val="50000"/>
-            <a:hueOff val="0"/>
-            <a:satOff val="-32532"/>
-            <a:lumOff val="52778"/>
-            <a:alphaOff val="0"/>
-          </a:schemeClr>
-        </a:solidFill>
-        <a:ln w="25400" cap="flat" cmpd="sng" algn="ctr">
-          <a:solidFill>
-            <a:schemeClr val="lt1">
-              <a:hueOff val="0"/>
-              <a:satOff val="0"/>
-              <a:lumOff val="0"/>
-              <a:alphaOff val="0"/>
-            </a:schemeClr>
-          </a:solidFill>
-          <a:prstDash val="solid"/>
-        </a:ln>
-        <a:effectLst/>
-      </dsp:spPr>
-      <dsp:style>
-        <a:lnRef idx="2">
-          <a:scrgbClr r="0" g="0" b="0"/>
-        </a:lnRef>
-        <a:fillRef idx="1">
-          <a:scrgbClr r="0" g="0" b="0"/>
-        </a:fillRef>
-        <a:effectRef idx="0">
-          <a:scrgbClr r="0" g="0" b="0"/>
-        </a:effectRef>
-        <a:fontRef idx="minor">
-          <a:schemeClr val="lt1"/>
-        </a:fontRef>
-      </dsp:style>
-      <dsp:txBody>
-        <a:bodyPr spcFirstLastPara="0" vert="horz" wrap="square" lIns="25400" tIns="25400" rIns="25400" bIns="25400" numCol="1" spcCol="1270" anchor="ctr" anchorCtr="0">
-          <a:noAutofit/>
-        </a:bodyPr>
-        <a:lstStyle/>
-        <a:p>
-          <a:pPr lvl="0" algn="ctr" defTabSz="444500">
-            <a:lnSpc>
-              <a:spcPct val="90000"/>
-            </a:lnSpc>
-            <a:spcBef>
-              <a:spcPct val="0"/>
-            </a:spcBef>
-            <a:spcAft>
-              <a:spcPct val="35000"/>
-            </a:spcAft>
-          </a:pPr>
-          <a:r>
-            <a:rPr lang="zh-CN" altLang="en-US" sz="1000" kern="1200" dirty="0" smtClean="0"/>
-            <a:t>列</a:t>
-          </a:r>
-          <a:r>
-            <a:rPr lang="en-US" altLang="zh-CN" sz="1000" kern="1200" dirty="0" smtClean="0"/>
-            <a:t>…</a:t>
-          </a:r>
-          <a:endParaRPr lang="zh-CN" altLang="en-US" sz="1000" kern="1200" dirty="0"/>
-        </a:p>
-      </dsp:txBody>
-      <dsp:txXfrm>
-        <a:off x="33858" y="2056457"/>
-        <a:ext cx="328326" cy="978296"/>
-      </dsp:txXfrm>
-    </dsp:sp>
-    <dsp:sp modelId="{6622071B-A5D3-459E-90B2-67A70508E830}">
-      <dsp:nvSpPr>
-        <dsp:cNvPr id="0" name=""/>
-        <dsp:cNvSpPr/>
-      </dsp:nvSpPr>
-      <dsp:spPr>
-        <a:xfrm>
-          <a:off x="38833" y="3083669"/>
-          <a:ext cx="318376" cy="978296"/>
-        </a:xfrm>
-        <a:prstGeom prst="rect">
-          <a:avLst/>
-        </a:prstGeom>
-        <a:solidFill>
-          <a:schemeClr val="accent2">
-            <a:shade val="50000"/>
-            <a:hueOff val="0"/>
-            <a:satOff val="-16266"/>
-            <a:lumOff val="26389"/>
-            <a:alphaOff val="0"/>
-          </a:schemeClr>
-        </a:solidFill>
-        <a:ln w="25400" cap="flat" cmpd="sng" algn="ctr">
-          <a:solidFill>
-            <a:schemeClr val="lt1">
-              <a:hueOff val="0"/>
-              <a:satOff val="0"/>
-              <a:lumOff val="0"/>
-              <a:alphaOff val="0"/>
-            </a:schemeClr>
-          </a:solidFill>
-          <a:prstDash val="solid"/>
-        </a:ln>
-        <a:effectLst/>
-      </dsp:spPr>
-      <dsp:style>
-        <a:lnRef idx="2">
-          <a:scrgbClr r="0" g="0" b="0"/>
-        </a:lnRef>
-        <a:fillRef idx="1">
-          <a:scrgbClr r="0" g="0" b="0"/>
-        </a:fillRef>
-        <a:effectRef idx="0">
-          <a:scrgbClr r="0" g="0" b="0"/>
-        </a:effectRef>
-        <a:fontRef idx="minor">
-          <a:schemeClr val="lt1"/>
-        </a:fontRef>
-      </dsp:style>
-      <dsp:txBody>
-        <a:bodyPr spcFirstLastPara="0" vert="horz" wrap="square" lIns="25400" tIns="25400" rIns="25400" bIns="25400" numCol="1" spcCol="1270" anchor="ctr" anchorCtr="0">
-          <a:noAutofit/>
-        </a:bodyPr>
-        <a:lstStyle/>
-        <a:p>
-          <a:pPr lvl="0" algn="ctr" defTabSz="444500">
-            <a:lnSpc>
-              <a:spcPct val="90000"/>
-            </a:lnSpc>
-            <a:spcBef>
-              <a:spcPct val="0"/>
-            </a:spcBef>
-            <a:spcAft>
-              <a:spcPct val="35000"/>
-            </a:spcAft>
-          </a:pPr>
-          <a:r>
-            <a:rPr lang="zh-CN" altLang="en-US" sz="1000" kern="1200" dirty="0" smtClean="0"/>
-            <a:t>列</a:t>
-          </a:r>
-          <a:r>
-            <a:rPr lang="en-US" altLang="zh-CN" sz="1000" kern="1200" dirty="0" smtClean="0"/>
-            <a:t>N</a:t>
-          </a:r>
-          <a:endParaRPr lang="zh-CN" altLang="en-US" sz="1000" kern="1200" dirty="0"/>
-        </a:p>
-      </dsp:txBody>
-      <dsp:txXfrm>
-        <a:off x="38833" y="3083669"/>
-        <a:ext cx="318376" cy="978296"/>
-      </dsp:txXfrm>
-    </dsp:sp>
   </dsp:spTree>
 </dsp:drawing>
 </file>
@@ -7039,7 +6710,7 @@
           <a:p>
             <a:fld id="{DE914C13-989A-477A-9CB3-5348B7845306}" type="datetimeFigureOut">
               <a:rPr lang="zh-CN" altLang="en-US" smtClean="0"/>
-              <a:t>2013/4/27</a:t>
+              <a:t>2013/5/16</a:t>
             </a:fld>
             <a:endParaRPr lang="zh-CN" altLang="en-US"/>
           </a:p>
@@ -7372,7 +7043,7 @@
           <a:p>
             <a:fld id="{F97F956F-0FB0-49A7-9A65-ECFE7CD21C1F}" type="slidenum">
               <a:rPr lang="zh-CN" altLang="en-US" smtClean="0"/>
-              <a:t>4</a:t>
+              <a:t>3</a:t>
             </a:fld>
             <a:endParaRPr lang="zh-CN" altLang="en-US"/>
           </a:p>
@@ -8069,7 +7740,7 @@
           <a:p>
             <a:fld id="{F97F956F-0FB0-49A7-9A65-ECFE7CD21C1F}" type="slidenum">
               <a:rPr lang="zh-CN" altLang="en-US" smtClean="0"/>
-              <a:t>6</a:t>
+              <a:t>5</a:t>
             </a:fld>
             <a:endParaRPr lang="zh-CN" altLang="en-US"/>
           </a:p>
@@ -8153,7 +7824,7 @@
           <a:p>
             <a:fld id="{F97F956F-0FB0-49A7-9A65-ECFE7CD21C1F}" type="slidenum">
               <a:rPr lang="zh-CN" altLang="en-US" smtClean="0"/>
-              <a:t>13</a:t>
+              <a:t>12</a:t>
             </a:fld>
             <a:endParaRPr lang="zh-CN" altLang="en-US"/>
           </a:p>
@@ -8237,7 +7908,7 @@
           <a:p>
             <a:fld id="{F97F956F-0FB0-49A7-9A65-ECFE7CD21C1F}" type="slidenum">
               <a:rPr lang="zh-CN" altLang="en-US" smtClean="0"/>
-              <a:t>16</a:t>
+              <a:t>15</a:t>
             </a:fld>
             <a:endParaRPr lang="zh-CN" altLang="en-US"/>
           </a:p>
@@ -8321,7 +7992,7 @@
           <a:p>
             <a:fld id="{F97F956F-0FB0-49A7-9A65-ECFE7CD21C1F}" type="slidenum">
               <a:rPr lang="zh-CN" altLang="en-US" smtClean="0"/>
-              <a:t>17</a:t>
+              <a:t>16</a:t>
             </a:fld>
             <a:endParaRPr lang="zh-CN" altLang="en-US"/>
           </a:p>
@@ -12537,571 +12208,6 @@
           <a:chExt cx="0" cy="0"/>
         </a:xfrm>
       </p:grpSpPr>
-      <p:pic>
-        <p:nvPicPr>
-          <p:cNvPr id="2051" name="Picture 3"/>
-          <p:cNvPicPr>
-            <a:picLocks noChangeAspect="1" noChangeArrowheads="1"/>
-          </p:cNvPicPr>
-          <p:nvPr/>
-        </p:nvPicPr>
-        <p:blipFill>
-          <a:blip r:embed="rId2">
-            <a:extLst>
-              <a:ext uri="{28A0092B-C50C-407E-A947-70E740481C1C}">
-                <a14:useLocalDpi xmlns:a14="http://schemas.microsoft.com/office/drawing/2010/main" val="0"/>
-              </a:ext>
-            </a:extLst>
-          </a:blip>
-          <a:srcRect/>
-          <a:stretch>
-            <a:fillRect/>
-          </a:stretch>
-        </p:blipFill>
-        <p:spPr bwMode="auto">
-          <a:xfrm>
-            <a:off x="409575" y="2039516"/>
-            <a:ext cx="8324850" cy="3238500"/>
-          </a:xfrm>
-          <a:prstGeom prst="rect">
-            <a:avLst/>
-          </a:prstGeom>
-          <a:noFill/>
-          <a:ln>
-            <a:noFill/>
-          </a:ln>
-          <a:effectLst/>
-          <a:extLst>
-            <a:ext uri="{909E8E84-426E-40DD-AFC4-6F175D3DCCD1}">
-              <a14:hiddenFill xmlns:a14="http://schemas.microsoft.com/office/drawing/2010/main">
-                <a:solidFill>
-                  <a:schemeClr val="accent1"/>
-                </a:solidFill>
-              </a14:hiddenFill>
-            </a:ext>
-            <a:ext uri="{91240B29-F687-4F45-9708-019B960494DF}">
-              <a14:hiddenLine xmlns:a14="http://schemas.microsoft.com/office/drawing/2010/main" w="9525">
-                <a:solidFill>
-                  <a:schemeClr val="tx1"/>
-                </a:solidFill>
-                <a:miter lim="800000"/>
-                <a:headEnd/>
-                <a:tailEnd/>
-              </a14:hiddenLine>
-            </a:ext>
-            <a:ext uri="{AF507438-7753-43E0-B8FC-AC1667EBCBE1}">
-              <a14:hiddenEffects xmlns:a14="http://schemas.microsoft.com/office/drawing/2010/main">
-                <a:effectLst>
-                  <a:outerShdw dist="35921" dir="2700000" algn="ctr" rotWithShape="0">
-                    <a:schemeClr val="bg2"/>
-                  </a:outerShdw>
-                </a:effectLst>
-              </a14:hiddenEffects>
-            </a:ext>
-          </a:extLst>
-        </p:spPr>
-      </p:pic>
-      <p:sp>
-        <p:nvSpPr>
-          <p:cNvPr id="2" name="标题 1"/>
-          <p:cNvSpPr>
-            <a:spLocks noGrp="1"/>
-          </p:cNvSpPr>
-          <p:nvPr>
-            <p:ph type="title"/>
-          </p:nvPr>
-        </p:nvSpPr>
-        <p:spPr/>
-        <p:txBody>
-          <a:bodyPr/>
-          <a:lstStyle/>
-          <a:p>
-            <a:r>
-              <a:rPr lang="zh-CN" altLang="en-US" dirty="0" smtClean="0"/>
-              <a:t>查询部分之分区</a:t>
-            </a:r>
-            <a:endParaRPr lang="zh-CN" altLang="en-US" dirty="0"/>
-          </a:p>
-        </p:txBody>
-      </p:sp>
-      <p:sp>
-        <p:nvSpPr>
-          <p:cNvPr id="3" name="云形标注 2"/>
-          <p:cNvSpPr/>
-          <p:nvPr/>
-        </p:nvSpPr>
-        <p:spPr>
-          <a:xfrm>
-            <a:off x="1347788" y="2039516"/>
-            <a:ext cx="4968552" cy="1080120"/>
-          </a:xfrm>
-          <a:prstGeom prst="cloudCallout">
-            <a:avLst/>
-          </a:prstGeom>
-        </p:spPr>
-        <p:style>
-          <a:lnRef idx="1">
-            <a:schemeClr val="accent2"/>
-          </a:lnRef>
-          <a:fillRef idx="2">
-            <a:schemeClr val="accent2"/>
-          </a:fillRef>
-          <a:effectRef idx="1">
-            <a:schemeClr val="accent2"/>
-          </a:effectRef>
-          <a:fontRef idx="minor">
-            <a:schemeClr val="dk1"/>
-          </a:fontRef>
-        </p:style>
-        <p:txBody>
-          <a:bodyPr rtlCol="0" anchor="ctr"/>
-          <a:lstStyle/>
-          <a:p>
-            <a:pPr algn="ctr"/>
-            <a:r>
-              <a:rPr lang="zh-CN" altLang="en-US" dirty="0" smtClean="0"/>
-              <a:t>每个</a:t>
-            </a:r>
-            <a:r>
-              <a:rPr lang="en-US" altLang="zh-CN" dirty="0" smtClean="0"/>
-              <a:t>shard</a:t>
-            </a:r>
-            <a:r>
-              <a:rPr lang="zh-CN" altLang="en-US" dirty="0" smtClean="0"/>
-              <a:t>下是有多个分区的，每次查询，根据时间范围不同，使用的分区也不同</a:t>
-            </a:r>
-            <a:endParaRPr lang="zh-CN" altLang="en-US" dirty="0"/>
-          </a:p>
-        </p:txBody>
-      </p:sp>
-      <p:sp>
-        <p:nvSpPr>
-          <p:cNvPr id="5" name="云形标注 4"/>
-          <p:cNvSpPr/>
-          <p:nvPr/>
-        </p:nvSpPr>
-        <p:spPr>
-          <a:xfrm>
-            <a:off x="1171352" y="3119636"/>
-            <a:ext cx="6120680" cy="1067420"/>
-          </a:xfrm>
-          <a:prstGeom prst="cloudCallout">
-            <a:avLst/>
-          </a:prstGeom>
-        </p:spPr>
-        <p:style>
-          <a:lnRef idx="1">
-            <a:schemeClr val="accent2"/>
-          </a:lnRef>
-          <a:fillRef idx="2">
-            <a:schemeClr val="accent2"/>
-          </a:fillRef>
-          <a:effectRef idx="1">
-            <a:schemeClr val="accent2"/>
-          </a:effectRef>
-          <a:fontRef idx="minor">
-            <a:schemeClr val="dk1"/>
-          </a:fontRef>
-        </p:style>
-        <p:txBody>
-          <a:bodyPr rtlCol="0" anchor="ctr"/>
-          <a:lstStyle/>
-          <a:p>
-            <a:pPr algn="ctr"/>
-            <a:r>
-              <a:rPr lang="zh-CN" altLang="en-US" dirty="0" smtClean="0"/>
-              <a:t>每次只查询一个分区，</a:t>
-            </a:r>
-            <a:endParaRPr lang="en-US" altLang="zh-CN" dirty="0" smtClean="0"/>
-          </a:p>
-          <a:p>
-            <a:pPr algn="ctr"/>
-            <a:r>
-              <a:rPr lang="zh-CN" altLang="en-US" dirty="0" smtClean="0"/>
-              <a:t>如果跨多个分区查询，实际上是查询多次，然后经过</a:t>
-            </a:r>
-            <a:r>
-              <a:rPr lang="en-US" altLang="zh-CN" dirty="0" smtClean="0"/>
-              <a:t>merge server</a:t>
-            </a:r>
-            <a:r>
-              <a:rPr lang="zh-CN" altLang="en-US" dirty="0" smtClean="0"/>
-              <a:t>合并</a:t>
-            </a:r>
-            <a:endParaRPr lang="zh-CN" altLang="en-US" dirty="0"/>
-          </a:p>
-        </p:txBody>
-      </p:sp>
-    </p:spTree>
-    <p:extLst>
-      <p:ext uri="{BB962C8B-B14F-4D97-AF65-F5344CB8AC3E}">
-        <p14:creationId xmlns:p14="http://schemas.microsoft.com/office/powerpoint/2010/main" val="2950440262"/>
-      </p:ext>
-    </p:extLst>
-  </p:cSld>
-  <p:clrMapOvr>
-    <a:masterClrMapping/>
-  </p:clrMapOvr>
-  <p:timing>
-    <p:tnLst>
-      <p:par>
-        <p:cTn id="1" dur="indefinite" restart="never" nodeType="tmRoot">
-          <p:childTnLst>
-            <p:seq concurrent="1" nextAc="seek">
-              <p:cTn id="2" dur="indefinite" nodeType="mainSeq">
-                <p:childTnLst>
-                  <p:par>
-                    <p:cTn id="3" fill="hold">
-                      <p:stCondLst>
-                        <p:cond delay="indefinite"/>
-                      </p:stCondLst>
-                      <p:childTnLst>
-                        <p:par>
-                          <p:cTn id="4" fill="hold">
-                            <p:stCondLst>
-                              <p:cond delay="0"/>
-                            </p:stCondLst>
-                            <p:childTnLst>
-                              <p:par>
-                                <p:cTn id="5" presetID="53" presetClass="entr" presetSubtype="16" fill="hold" grpId="0" nodeType="clickEffect">
-                                  <p:stCondLst>
-                                    <p:cond delay="0"/>
-                                  </p:stCondLst>
-                                  <p:childTnLst>
-                                    <p:set>
-                                      <p:cBhvr>
-                                        <p:cTn id="6" dur="1" fill="hold">
-                                          <p:stCondLst>
-                                            <p:cond delay="0"/>
-                                          </p:stCondLst>
-                                        </p:cTn>
-                                        <p:tgtEl>
-                                          <p:spTgt spid="3"/>
-                                        </p:tgtEl>
-                                        <p:attrNameLst>
-                                          <p:attrName>style.visibility</p:attrName>
-                                        </p:attrNameLst>
-                                      </p:cBhvr>
-                                      <p:to>
-                                        <p:strVal val="visible"/>
-                                      </p:to>
-                                    </p:set>
-                                    <p:anim calcmode="lin" valueType="num">
-                                      <p:cBhvr>
-                                        <p:cTn id="7" dur="500" fill="hold"/>
-                                        <p:tgtEl>
-                                          <p:spTgt spid="3"/>
-                                        </p:tgtEl>
-                                        <p:attrNameLst>
-                                          <p:attrName>ppt_w</p:attrName>
-                                        </p:attrNameLst>
-                                      </p:cBhvr>
-                                      <p:tavLst>
-                                        <p:tav tm="0">
-                                          <p:val>
-                                            <p:fltVal val="0"/>
-                                          </p:val>
-                                        </p:tav>
-                                        <p:tav tm="100000">
-                                          <p:val>
-                                            <p:strVal val="#ppt_w"/>
-                                          </p:val>
-                                        </p:tav>
-                                      </p:tavLst>
-                                    </p:anim>
-                                    <p:anim calcmode="lin" valueType="num">
-                                      <p:cBhvr>
-                                        <p:cTn id="8" dur="500" fill="hold"/>
-                                        <p:tgtEl>
-                                          <p:spTgt spid="3"/>
-                                        </p:tgtEl>
-                                        <p:attrNameLst>
-                                          <p:attrName>ppt_h</p:attrName>
-                                        </p:attrNameLst>
-                                      </p:cBhvr>
-                                      <p:tavLst>
-                                        <p:tav tm="0">
-                                          <p:val>
-                                            <p:fltVal val="0"/>
-                                          </p:val>
-                                        </p:tav>
-                                        <p:tav tm="100000">
-                                          <p:val>
-                                            <p:strVal val="#ppt_h"/>
-                                          </p:val>
-                                        </p:tav>
-                                      </p:tavLst>
-                                    </p:anim>
-                                    <p:animEffect transition="in" filter="fade">
-                                      <p:cBhvr>
-                                        <p:cTn id="9" dur="500"/>
-                                        <p:tgtEl>
-                                          <p:spTgt spid="3"/>
-                                        </p:tgtEl>
-                                      </p:cBhvr>
-                                    </p:animEffect>
-                                  </p:childTnLst>
-                                </p:cTn>
-                              </p:par>
-                            </p:childTnLst>
-                          </p:cTn>
-                        </p:par>
-                      </p:childTnLst>
-                    </p:cTn>
-                  </p:par>
-                  <p:par>
-                    <p:cTn id="10" fill="hold">
-                      <p:stCondLst>
-                        <p:cond delay="indefinite"/>
-                      </p:stCondLst>
-                      <p:childTnLst>
-                        <p:par>
-                          <p:cTn id="11" fill="hold">
-                            <p:stCondLst>
-                              <p:cond delay="0"/>
-                            </p:stCondLst>
-                            <p:childTnLst>
-                              <p:par>
-                                <p:cTn id="12" presetID="16" presetClass="exit" presetSubtype="21" fill="hold" grpId="1" nodeType="clickEffect">
-                                  <p:stCondLst>
-                                    <p:cond delay="0"/>
-                                  </p:stCondLst>
-                                  <p:childTnLst>
-                                    <p:animEffect transition="out" filter="barn(inVertical)">
-                                      <p:cBhvr>
-                                        <p:cTn id="13" dur="500"/>
-                                        <p:tgtEl>
-                                          <p:spTgt spid="3"/>
-                                        </p:tgtEl>
-                                      </p:cBhvr>
-                                    </p:animEffect>
-                                    <p:set>
-                                      <p:cBhvr>
-                                        <p:cTn id="14" dur="1" fill="hold">
-                                          <p:stCondLst>
-                                            <p:cond delay="499"/>
-                                          </p:stCondLst>
-                                        </p:cTn>
-                                        <p:tgtEl>
-                                          <p:spTgt spid="3"/>
-                                        </p:tgtEl>
-                                        <p:attrNameLst>
-                                          <p:attrName>style.visibility</p:attrName>
-                                        </p:attrNameLst>
-                                      </p:cBhvr>
-                                      <p:to>
-                                        <p:strVal val="hidden"/>
-                                      </p:to>
-                                    </p:set>
-                                  </p:childTnLst>
-                                </p:cTn>
-                              </p:par>
-                            </p:childTnLst>
-                          </p:cTn>
-                        </p:par>
-                      </p:childTnLst>
-                    </p:cTn>
-                  </p:par>
-                  <p:par>
-                    <p:cTn id="15" fill="hold">
-                      <p:stCondLst>
-                        <p:cond delay="indefinite"/>
-                      </p:stCondLst>
-                      <p:childTnLst>
-                        <p:par>
-                          <p:cTn id="16" fill="hold">
-                            <p:stCondLst>
-                              <p:cond delay="0"/>
-                            </p:stCondLst>
-                            <p:childTnLst>
-                              <p:par>
-                                <p:cTn id="17" presetID="53" presetClass="entr" presetSubtype="16" fill="hold" grpId="0" nodeType="clickEffect">
-                                  <p:stCondLst>
-                                    <p:cond delay="0"/>
-                                  </p:stCondLst>
-                                  <p:childTnLst>
-                                    <p:set>
-                                      <p:cBhvr>
-                                        <p:cTn id="18" dur="1" fill="hold">
-                                          <p:stCondLst>
-                                            <p:cond delay="0"/>
-                                          </p:stCondLst>
-                                        </p:cTn>
-                                        <p:tgtEl>
-                                          <p:spTgt spid="5"/>
-                                        </p:tgtEl>
-                                        <p:attrNameLst>
-                                          <p:attrName>style.visibility</p:attrName>
-                                        </p:attrNameLst>
-                                      </p:cBhvr>
-                                      <p:to>
-                                        <p:strVal val="visible"/>
-                                      </p:to>
-                                    </p:set>
-                                    <p:anim calcmode="lin" valueType="num">
-                                      <p:cBhvr>
-                                        <p:cTn id="19" dur="500" fill="hold"/>
-                                        <p:tgtEl>
-                                          <p:spTgt spid="5"/>
-                                        </p:tgtEl>
-                                        <p:attrNameLst>
-                                          <p:attrName>ppt_w</p:attrName>
-                                        </p:attrNameLst>
-                                      </p:cBhvr>
-                                      <p:tavLst>
-                                        <p:tav tm="0">
-                                          <p:val>
-                                            <p:fltVal val="0"/>
-                                          </p:val>
-                                        </p:tav>
-                                        <p:tav tm="100000">
-                                          <p:val>
-                                            <p:strVal val="#ppt_w"/>
-                                          </p:val>
-                                        </p:tav>
-                                      </p:tavLst>
-                                    </p:anim>
-                                    <p:anim calcmode="lin" valueType="num">
-                                      <p:cBhvr>
-                                        <p:cTn id="20" dur="500" fill="hold"/>
-                                        <p:tgtEl>
-                                          <p:spTgt spid="5"/>
-                                        </p:tgtEl>
-                                        <p:attrNameLst>
-                                          <p:attrName>ppt_h</p:attrName>
-                                        </p:attrNameLst>
-                                      </p:cBhvr>
-                                      <p:tavLst>
-                                        <p:tav tm="0">
-                                          <p:val>
-                                            <p:fltVal val="0"/>
-                                          </p:val>
-                                        </p:tav>
-                                        <p:tav tm="100000">
-                                          <p:val>
-                                            <p:strVal val="#ppt_h"/>
-                                          </p:val>
-                                        </p:tav>
-                                      </p:tavLst>
-                                    </p:anim>
-                                    <p:animEffect transition="in" filter="fade">
-                                      <p:cBhvr>
-                                        <p:cTn id="21" dur="500"/>
-                                        <p:tgtEl>
-                                          <p:spTgt spid="5"/>
-                                        </p:tgtEl>
-                                      </p:cBhvr>
-                                    </p:animEffect>
-                                  </p:childTnLst>
-                                </p:cTn>
-                              </p:par>
-                            </p:childTnLst>
-                          </p:cTn>
-                        </p:par>
-                      </p:childTnLst>
-                    </p:cTn>
-                  </p:par>
-                  <p:par>
-                    <p:cTn id="22" fill="hold">
-                      <p:stCondLst>
-                        <p:cond delay="indefinite"/>
-                      </p:stCondLst>
-                      <p:childTnLst>
-                        <p:par>
-                          <p:cTn id="23" fill="hold">
-                            <p:stCondLst>
-                              <p:cond delay="0"/>
-                            </p:stCondLst>
-                            <p:childTnLst>
-                              <p:par>
-                                <p:cTn id="24" presetID="16" presetClass="exit" presetSubtype="21" fill="hold" grpId="1" nodeType="clickEffect">
-                                  <p:stCondLst>
-                                    <p:cond delay="0"/>
-                                  </p:stCondLst>
-                                  <p:childTnLst>
-                                    <p:animEffect transition="out" filter="barn(inVertical)">
-                                      <p:cBhvr>
-                                        <p:cTn id="25" dur="500"/>
-                                        <p:tgtEl>
-                                          <p:spTgt spid="5"/>
-                                        </p:tgtEl>
-                                      </p:cBhvr>
-                                    </p:animEffect>
-                                    <p:set>
-                                      <p:cBhvr>
-                                        <p:cTn id="26" dur="1" fill="hold">
-                                          <p:stCondLst>
-                                            <p:cond delay="499"/>
-                                          </p:stCondLst>
-                                        </p:cTn>
-                                        <p:tgtEl>
-                                          <p:spTgt spid="5"/>
-                                        </p:tgtEl>
-                                        <p:attrNameLst>
-                                          <p:attrName>style.visibility</p:attrName>
-                                        </p:attrNameLst>
-                                      </p:cBhvr>
-                                      <p:to>
-                                        <p:strVal val="hidden"/>
-                                      </p:to>
-                                    </p:set>
-                                  </p:childTnLst>
-                                </p:cTn>
-                              </p:par>
-                            </p:childTnLst>
-                          </p:cTn>
-                        </p:par>
-                      </p:childTnLst>
-                    </p:cTn>
-                  </p:par>
-                </p:childTnLst>
-              </p:cTn>
-              <p:prevCondLst>
-                <p:cond evt="onPrev" delay="0">
-                  <p:tgtEl>
-                    <p:sldTgt/>
-                  </p:tgtEl>
-                </p:cond>
-              </p:prevCondLst>
-              <p:nextCondLst>
-                <p:cond evt="onNext" delay="0">
-                  <p:tgtEl>
-                    <p:sldTgt/>
-                  </p:tgtEl>
-                </p:cond>
-              </p:nextCondLst>
-            </p:seq>
-          </p:childTnLst>
-        </p:cTn>
-      </p:par>
-    </p:tnLst>
-    <p:bldLst>
-      <p:bldP spid="3" grpId="0" animBg="1"/>
-      <p:bldP spid="3" grpId="1" animBg="1"/>
-      <p:bldP spid="5" grpId="0" animBg="1"/>
-      <p:bldP spid="5" grpId="1" animBg="1"/>
-    </p:bldLst>
-  </p:timing>
-</p:sld>
-</file>
-
-<file path=ppt/slides/slide11.xml><?xml version="1.0" encoding="utf-8"?>
-<p:sld xmlns:a="http://schemas.openxmlformats.org/drawingml/2006/main" xmlns:r="http://schemas.openxmlformats.org/officeDocument/2006/relationships" xmlns:p="http://schemas.openxmlformats.org/presentationml/2006/main">
-  <p:cSld>
-    <p:spTree>
-      <p:nvGrpSpPr>
-        <p:cNvPr id="1" name=""/>
-        <p:cNvGrpSpPr/>
-        <p:nvPr/>
-      </p:nvGrpSpPr>
-      <p:grpSpPr>
-        <a:xfrm>
-          <a:off x="0" y="0"/>
-          <a:ext cx="0" cy="0"/>
-          <a:chOff x="0" y="0"/>
-          <a:chExt cx="0" cy="0"/>
-        </a:xfrm>
-      </p:grpSpPr>
       <p:sp>
         <p:nvSpPr>
           <p:cNvPr id="2" name="标题 1"/>
@@ -15096,7 +14202,7 @@
 </p:sld>
 </file>
 
-<file path=ppt/slides/slide12.xml><?xml version="1.0" encoding="utf-8"?>
+<file path=ppt/slides/slide11.xml><?xml version="1.0" encoding="utf-8"?>
 <p:sld xmlns:a="http://schemas.openxmlformats.org/drawingml/2006/main" xmlns:r="http://schemas.openxmlformats.org/officeDocument/2006/relationships" xmlns:p="http://schemas.openxmlformats.org/presentationml/2006/main">
   <p:cSld>
     <p:spTree>
@@ -17070,7 +16176,7 @@
 </p:sld>
 </file>
 
-<file path=ppt/slides/slide13.xml><?xml version="1.0" encoding="utf-8"?>
+<file path=ppt/slides/slide12.xml><?xml version="1.0" encoding="utf-8"?>
 <p:sld xmlns:a="http://schemas.openxmlformats.org/drawingml/2006/main" xmlns:r="http://schemas.openxmlformats.org/officeDocument/2006/relationships" xmlns:p="http://schemas.openxmlformats.org/presentationml/2006/main">
   <p:cSld>
     <p:spTree>
@@ -19000,7 +18106,7 @@
 </p:sld>
 </file>
 
-<file path=ppt/slides/slide14.xml><?xml version="1.0" encoding="utf-8"?>
+<file path=ppt/slides/slide13.xml><?xml version="1.0" encoding="utf-8"?>
 <p:sld xmlns:a="http://schemas.openxmlformats.org/drawingml/2006/main" xmlns:r="http://schemas.openxmlformats.org/officeDocument/2006/relationships" xmlns:p="http://schemas.openxmlformats.org/presentationml/2006/main">
   <p:cSld>
     <p:spTree>
@@ -19950,7 +19056,7 @@
 </p:sld>
 </file>
 
-<file path=ppt/slides/slide15.xml><?xml version="1.0" encoding="utf-8"?>
+<file path=ppt/slides/slide14.xml><?xml version="1.0" encoding="utf-8"?>
 <p:sld xmlns:a="http://schemas.openxmlformats.org/drawingml/2006/main" xmlns:r="http://schemas.openxmlformats.org/officeDocument/2006/relationships" xmlns:p="http://schemas.openxmlformats.org/presentationml/2006/main">
   <p:cSld>
     <p:spTree>
@@ -22059,7 +21165,7 @@
 </p:sld>
 </file>
 
-<file path=ppt/slides/slide16.xml><?xml version="1.0" encoding="utf-8"?>
+<file path=ppt/slides/slide15.xml><?xml version="1.0" encoding="utf-8"?>
 <p:sld xmlns:a="http://schemas.openxmlformats.org/drawingml/2006/main" xmlns:r="http://schemas.openxmlformats.org/officeDocument/2006/relationships" xmlns:p="http://schemas.openxmlformats.org/presentationml/2006/main">
   <p:cSld>
     <p:spTree>
@@ -24916,7 +24022,7 @@
 </p:sld>
 </file>
 
-<file path=ppt/slides/slide17.xml><?xml version="1.0" encoding="utf-8"?>
+<file path=ppt/slides/slide16.xml><?xml version="1.0" encoding="utf-8"?>
 <p:sld xmlns:a="http://schemas.openxmlformats.org/drawingml/2006/main" xmlns:r="http://schemas.openxmlformats.org/officeDocument/2006/relationships" xmlns:p="http://schemas.openxmlformats.org/presentationml/2006/main">
   <p:cSld>
     <p:spTree>
@@ -28304,7 +27410,7 @@
 </p:sld>
 </file>
 
-<file path=ppt/slides/slide18.xml><?xml version="1.0" encoding="utf-8"?>
+<file path=ppt/slides/slide17.xml><?xml version="1.0" encoding="utf-8"?>
 <p:sld xmlns:a="http://schemas.openxmlformats.org/drawingml/2006/main" xmlns:r="http://schemas.openxmlformats.org/officeDocument/2006/relationships" xmlns:p="http://schemas.openxmlformats.org/presentationml/2006/main">
   <p:cSld>
     <p:spTree>
@@ -28533,7 +27639,7 @@
 </p:sld>
 </file>
 
-<file path=ppt/slides/slide19.xml><?xml version="1.0" encoding="utf-8"?>
+<file path=ppt/slides/slide18.xml><?xml version="1.0" encoding="utf-8"?>
 <p:sld xmlns:a="http://schemas.openxmlformats.org/drawingml/2006/main" xmlns:r="http://schemas.openxmlformats.org/officeDocument/2006/relationships" xmlns:p="http://schemas.openxmlformats.org/presentationml/2006/main">
   <p:cSld>
     <p:spTree>
@@ -29540,284 +28646,7 @@
 </p:sld>
 </file>
 
-<file path=ppt/slides/slide2.xml><?xml version="1.0" encoding="utf-8"?>
-<p:sld xmlns:a="http://schemas.openxmlformats.org/drawingml/2006/main" xmlns:r="http://schemas.openxmlformats.org/officeDocument/2006/relationships" xmlns:p="http://schemas.openxmlformats.org/presentationml/2006/main">
-  <p:cSld>
-    <p:spTree>
-      <p:nvGrpSpPr>
-        <p:cNvPr id="1" name=""/>
-        <p:cNvGrpSpPr/>
-        <p:nvPr/>
-      </p:nvGrpSpPr>
-      <p:grpSpPr>
-        <a:xfrm>
-          <a:off x="0" y="0"/>
-          <a:ext cx="0" cy="0"/>
-          <a:chOff x="0" y="0"/>
-          <a:chExt cx="0" cy="0"/>
-        </a:xfrm>
-      </p:grpSpPr>
-      <p:sp>
-        <p:nvSpPr>
-          <p:cNvPr id="2" name="标题 1"/>
-          <p:cNvSpPr>
-            <a:spLocks noGrp="1"/>
-          </p:cNvSpPr>
-          <p:nvPr>
-            <p:ph type="title"/>
-          </p:nvPr>
-        </p:nvSpPr>
-        <p:spPr/>
-        <p:txBody>
-          <a:bodyPr/>
-          <a:lstStyle/>
-          <a:p>
-            <a:r>
-              <a:rPr lang="zh-CN" altLang="en-US" dirty="0" smtClean="0"/>
-              <a:t>讲者简介</a:t>
-            </a:r>
-            <a:endParaRPr lang="zh-CN" altLang="en-US" dirty="0"/>
-          </a:p>
-        </p:txBody>
-      </p:sp>
-      <p:sp>
-        <p:nvSpPr>
-          <p:cNvPr id="3" name="内容占位符 2"/>
-          <p:cNvSpPr>
-            <a:spLocks noGrp="1"/>
-          </p:cNvSpPr>
-          <p:nvPr>
-            <p:ph idx="1"/>
-          </p:nvPr>
-        </p:nvSpPr>
-        <p:spPr>
-          <a:xfrm>
-            <a:off x="3203848" y="1600200"/>
-            <a:ext cx="5482952" cy="4525963"/>
-          </a:xfrm>
-        </p:spPr>
-        <p:txBody>
-          <a:bodyPr/>
-          <a:lstStyle/>
-          <a:p>
-            <a:pPr marL="0" indent="0">
-              <a:buNone/>
-            </a:pPr>
-            <a:r>
-              <a:rPr lang="zh-CN" altLang="en-US" sz="2400" u="sng" dirty="0" smtClean="0"/>
-              <a:t>花名 ：子落</a:t>
-            </a:r>
-            <a:endParaRPr lang="en-US" altLang="zh-CN" sz="2400" u="sng" dirty="0" smtClean="0"/>
-          </a:p>
-          <a:p>
-            <a:pPr marL="0" indent="0">
-              <a:buNone/>
-            </a:pPr>
-            <a:r>
-              <a:rPr lang="zh-CN" altLang="en-US" sz="2400" u="sng" dirty="0" smtClean="0"/>
-              <a:t>真实姓名：母延年</a:t>
-            </a:r>
-            <a:endParaRPr lang="en-US" altLang="zh-CN" sz="2400" u="sng" dirty="0" smtClean="0"/>
-          </a:p>
-          <a:p>
-            <a:pPr marL="0" indent="0">
-              <a:buNone/>
-            </a:pPr>
-            <a:r>
-              <a:rPr lang="zh-CN" altLang="en-US" sz="2400" u="sng" dirty="0" smtClean="0"/>
-              <a:t>个人邮箱：</a:t>
-            </a:r>
-            <a:r>
-              <a:rPr lang="en-US" altLang="zh-CN" sz="2400" u="sng" dirty="0" smtClean="0"/>
-              <a:t>myn@163.com</a:t>
-            </a:r>
-            <a:endParaRPr lang="en-US" altLang="zh-CN" sz="2400" u="sng" dirty="0"/>
-          </a:p>
-          <a:p>
-            <a:pPr marL="0" indent="0">
-              <a:buNone/>
-            </a:pPr>
-            <a:r>
-              <a:rPr lang="zh-CN" altLang="zh-CN" sz="2400" u="sng" dirty="0" smtClean="0"/>
-              <a:t>海狗</a:t>
-            </a:r>
-            <a:r>
-              <a:rPr lang="zh-CN" altLang="zh-CN" sz="2400" u="sng" dirty="0"/>
-              <a:t>的</a:t>
-            </a:r>
-            <a:r>
-              <a:rPr lang="en-US" altLang="zh-CN" sz="2400" u="sng" dirty="0"/>
-              <a:t>coder</a:t>
-            </a:r>
-            <a:r>
-              <a:rPr lang="zh-CN" altLang="zh-CN" sz="2400" u="sng" dirty="0" smtClean="0"/>
-              <a:t>之一</a:t>
-            </a:r>
-            <a:endParaRPr lang="en-US" altLang="zh-CN" sz="2400" u="sng" dirty="0" smtClean="0"/>
-          </a:p>
-          <a:p>
-            <a:pPr marL="0" indent="0">
-              <a:buNone/>
-            </a:pPr>
-            <a:r>
-              <a:rPr lang="en-US" altLang="zh-CN" sz="2400" u="sng" dirty="0"/>
-              <a:t>11</a:t>
-            </a:r>
-            <a:r>
-              <a:rPr lang="zh-CN" altLang="zh-CN" sz="2400" u="sng" dirty="0"/>
-              <a:t>年加入支付</a:t>
-            </a:r>
-            <a:r>
-              <a:rPr lang="zh-CN" altLang="zh-CN" sz="2400" u="sng" dirty="0" smtClean="0"/>
-              <a:t>宝</a:t>
-            </a:r>
-            <a:endParaRPr lang="en-US" altLang="zh-CN" sz="2400" u="sng" dirty="0" smtClean="0"/>
-          </a:p>
-          <a:p>
-            <a:pPr marL="0" indent="0">
-              <a:buNone/>
-            </a:pPr>
-            <a:r>
-              <a:rPr lang="zh-CN" altLang="zh-CN" sz="2400" u="sng" dirty="0" smtClean="0"/>
-              <a:t>一直</a:t>
-            </a:r>
-            <a:r>
-              <a:rPr lang="zh-CN" altLang="zh-CN" sz="2400" u="sng" dirty="0"/>
-              <a:t>做跟大数据分析与搜索相关的</a:t>
-            </a:r>
-            <a:r>
-              <a:rPr lang="zh-CN" altLang="zh-CN" sz="2400" u="sng" dirty="0" smtClean="0"/>
-              <a:t>工作</a:t>
-            </a:r>
-            <a:endParaRPr lang="en-US" altLang="zh-CN" sz="2400" u="sng" dirty="0" smtClean="0"/>
-          </a:p>
-          <a:p>
-            <a:pPr marL="0" indent="0">
-              <a:buNone/>
-            </a:pPr>
-            <a:r>
-              <a:rPr lang="zh-CN" altLang="zh-CN" sz="2400" u="sng" dirty="0" smtClean="0"/>
-              <a:t>曾</a:t>
-            </a:r>
-            <a:r>
-              <a:rPr lang="zh-CN" altLang="zh-CN" sz="2400" u="sng" dirty="0"/>
-              <a:t>任职于新浪，腾讯，酷六等</a:t>
-            </a:r>
-            <a:r>
-              <a:rPr lang="zh-CN" altLang="zh-CN" sz="2400" u="sng" dirty="0" smtClean="0"/>
-              <a:t>公司</a:t>
-            </a:r>
-            <a:endParaRPr lang="en-US" altLang="zh-CN" sz="2400" u="sng" dirty="0" smtClean="0"/>
-          </a:p>
-          <a:p>
-            <a:pPr marL="0" indent="0">
-              <a:buNone/>
-            </a:pPr>
-            <a:r>
-              <a:rPr lang="zh-CN" altLang="zh-CN" sz="2400" u="sng" dirty="0" smtClean="0"/>
-              <a:t>熟悉</a:t>
-            </a:r>
-            <a:r>
-              <a:rPr lang="en-US" altLang="zh-CN" sz="2400" u="sng" dirty="0" err="1"/>
-              <a:t>hadoop,storm,solr,lucene</a:t>
-            </a:r>
-            <a:r>
-              <a:rPr lang="zh-CN" altLang="zh-CN" sz="2400" u="sng" dirty="0"/>
-              <a:t>等系统的</a:t>
-            </a:r>
-            <a:r>
-              <a:rPr lang="zh-CN" altLang="zh-CN" sz="2400" u="sng" dirty="0" smtClean="0"/>
-              <a:t>源码</a:t>
-            </a:r>
-            <a:endParaRPr lang="zh-CN" altLang="zh-CN" sz="2400" dirty="0"/>
-          </a:p>
-        </p:txBody>
-      </p:sp>
-      <p:pic>
-        <p:nvPicPr>
-          <p:cNvPr id="1026" name="Picture 2"/>
-          <p:cNvPicPr>
-            <a:picLocks noChangeAspect="1" noChangeArrowheads="1"/>
-          </p:cNvPicPr>
-          <p:nvPr/>
-        </p:nvPicPr>
-        <p:blipFill>
-          <a:blip r:embed="rId2">
-            <a:extLst>
-              <a:ext uri="{28A0092B-C50C-407E-A947-70E740481C1C}">
-                <a14:useLocalDpi xmlns:a14="http://schemas.microsoft.com/office/drawing/2010/main" val="0"/>
-              </a:ext>
-            </a:extLst>
-          </a:blip>
-          <a:srcRect/>
-          <a:stretch>
-            <a:fillRect/>
-          </a:stretch>
-        </p:blipFill>
-        <p:spPr bwMode="auto">
-          <a:xfrm>
-            <a:off x="539552" y="1624012"/>
-            <a:ext cx="2376264" cy="4181252"/>
-          </a:xfrm>
-          <a:prstGeom prst="rect">
-            <a:avLst/>
-          </a:prstGeom>
-          <a:noFill/>
-          <a:ln>
-            <a:noFill/>
-          </a:ln>
-          <a:effectLst/>
-          <a:extLst>
-            <a:ext uri="{909E8E84-426E-40DD-AFC4-6F175D3DCCD1}">
-              <a14:hiddenFill xmlns:a14="http://schemas.microsoft.com/office/drawing/2010/main">
-                <a:solidFill>
-                  <a:schemeClr val="accent1"/>
-                </a:solidFill>
-              </a14:hiddenFill>
-            </a:ext>
-            <a:ext uri="{91240B29-F687-4F45-9708-019B960494DF}">
-              <a14:hiddenLine xmlns:a14="http://schemas.microsoft.com/office/drawing/2010/main" w="9525">
-                <a:solidFill>
-                  <a:schemeClr val="tx1"/>
-                </a:solidFill>
-                <a:miter lim="800000"/>
-                <a:headEnd/>
-                <a:tailEnd/>
-              </a14:hiddenLine>
-            </a:ext>
-            <a:ext uri="{AF507438-7753-43E0-B8FC-AC1667EBCBE1}">
-              <a14:hiddenEffects xmlns:a14="http://schemas.microsoft.com/office/drawing/2010/main">
-                <a:effectLst>
-                  <a:outerShdw dist="35921" dir="2700000" algn="ctr" rotWithShape="0">
-                    <a:schemeClr val="bg2"/>
-                  </a:outerShdw>
-                </a:effectLst>
-              </a14:hiddenEffects>
-            </a:ext>
-          </a:extLst>
-        </p:spPr>
-      </p:pic>
-    </p:spTree>
-    <p:extLst>
-      <p:ext uri="{BB962C8B-B14F-4D97-AF65-F5344CB8AC3E}">
-        <p14:creationId xmlns:p14="http://schemas.microsoft.com/office/powerpoint/2010/main" val="1639446318"/>
-      </p:ext>
-    </p:extLst>
-  </p:cSld>
-  <p:clrMapOvr>
-    <a:masterClrMapping/>
-  </p:clrMapOvr>
-  <p:timing>
-    <p:tnLst>
-      <p:par>
-        <p:cTn id="1" dur="indefinite" restart="never" nodeType="tmRoot"/>
-      </p:par>
-    </p:tnLst>
-  </p:timing>
-</p:sld>
-</file>
-
-<file path=ppt/slides/slide20.xml><?xml version="1.0" encoding="utf-8"?>
+<file path=ppt/slides/slide19.xml><?xml version="1.0" encoding="utf-8"?>
 <p:sld xmlns:a="http://schemas.openxmlformats.org/drawingml/2006/main" xmlns:r="http://schemas.openxmlformats.org/officeDocument/2006/relationships" xmlns:p="http://schemas.openxmlformats.org/presentationml/2006/main">
   <p:cSld>
     <p:spTree>
@@ -34030,220 +32859,7 @@
 </p:sld>
 </file>
 
-<file path=ppt/slides/slide21.xml><?xml version="1.0" encoding="utf-8"?>
-<p:sld xmlns:a="http://schemas.openxmlformats.org/drawingml/2006/main" xmlns:r="http://schemas.openxmlformats.org/officeDocument/2006/relationships" xmlns:p="http://schemas.openxmlformats.org/presentationml/2006/main">
-  <p:cSld>
-    <p:spTree>
-      <p:nvGrpSpPr>
-        <p:cNvPr id="1" name=""/>
-        <p:cNvGrpSpPr/>
-        <p:nvPr/>
-      </p:nvGrpSpPr>
-      <p:grpSpPr>
-        <a:xfrm>
-          <a:off x="0" y="0"/>
-          <a:ext cx="0" cy="0"/>
-          <a:chOff x="0" y="0"/>
-          <a:chExt cx="0" cy="0"/>
-        </a:xfrm>
-      </p:grpSpPr>
-      <p:sp>
-        <p:nvSpPr>
-          <p:cNvPr id="2" name="标题 1"/>
-          <p:cNvSpPr>
-            <a:spLocks noGrp="1"/>
-          </p:cNvSpPr>
-          <p:nvPr>
-            <p:ph type="title"/>
-          </p:nvPr>
-        </p:nvSpPr>
-        <p:spPr/>
-        <p:txBody>
-          <a:bodyPr/>
-          <a:lstStyle/>
-          <a:p>
-            <a:r>
-              <a:rPr lang="zh-CN" altLang="en-US" dirty="0" smtClean="0"/>
-              <a:t>相关资源</a:t>
-            </a:r>
-            <a:endParaRPr lang="zh-CN" altLang="en-US" dirty="0"/>
-          </a:p>
-        </p:txBody>
-      </p:sp>
-      <p:sp>
-        <p:nvSpPr>
-          <p:cNvPr id="3" name="内容占位符 2"/>
-          <p:cNvSpPr>
-            <a:spLocks noGrp="1"/>
-          </p:cNvSpPr>
-          <p:nvPr>
-            <p:ph idx="1"/>
-          </p:nvPr>
-        </p:nvSpPr>
-        <p:spPr/>
-        <p:txBody>
-          <a:bodyPr/>
-          <a:lstStyle/>
-          <a:p>
-            <a:r>
-              <a:rPr lang="en-US" altLang="zh-CN" dirty="0"/>
-              <a:t>https://github.com/muyannian/higo/wiki</a:t>
-            </a:r>
-            <a:endParaRPr lang="zh-CN" altLang="en-US" dirty="0"/>
-          </a:p>
-        </p:txBody>
-      </p:sp>
-    </p:spTree>
-    <p:extLst>
-      <p:ext uri="{BB962C8B-B14F-4D97-AF65-F5344CB8AC3E}">
-        <p14:creationId xmlns:p14="http://schemas.microsoft.com/office/powerpoint/2010/main" val="1393238710"/>
-      </p:ext>
-    </p:extLst>
-  </p:cSld>
-  <p:clrMapOvr>
-    <a:masterClrMapping/>
-  </p:clrMapOvr>
-  <p:timing>
-    <p:tnLst>
-      <p:par>
-        <p:cTn id="1" dur="indefinite" restart="never" nodeType="tmRoot"/>
-      </p:par>
-    </p:tnLst>
-  </p:timing>
-</p:sld>
-</file>
-
-<file path=ppt/slides/slide22.xml><?xml version="1.0" encoding="utf-8"?>
-<p:sld xmlns:a="http://schemas.openxmlformats.org/drawingml/2006/main" xmlns:r="http://schemas.openxmlformats.org/officeDocument/2006/relationships" xmlns:p="http://schemas.openxmlformats.org/presentationml/2006/main">
-  <p:cSld>
-    <p:spTree>
-      <p:nvGrpSpPr>
-        <p:cNvPr id="1" name=""/>
-        <p:cNvGrpSpPr/>
-        <p:nvPr/>
-      </p:nvGrpSpPr>
-      <p:grpSpPr>
-        <a:xfrm>
-          <a:off x="0" y="0"/>
-          <a:ext cx="0" cy="0"/>
-          <a:chOff x="0" y="0"/>
-          <a:chExt cx="0" cy="0"/>
-        </a:xfrm>
-      </p:grpSpPr>
-      <p:sp>
-        <p:nvSpPr>
-          <p:cNvPr id="2" name="标题 1"/>
-          <p:cNvSpPr>
-            <a:spLocks noGrp="1"/>
-          </p:cNvSpPr>
-          <p:nvPr>
-            <p:ph type="title"/>
-          </p:nvPr>
-        </p:nvSpPr>
-        <p:spPr>
-          <a:xfrm>
-            <a:off x="323528" y="2636912"/>
-            <a:ext cx="8229600" cy="1143000"/>
-          </a:xfrm>
-        </p:spPr>
-        <p:txBody>
-          <a:bodyPr/>
-          <a:lstStyle/>
-          <a:p>
-            <a:r>
-              <a:rPr lang="zh-CN" altLang="en-US" dirty="0" smtClean="0"/>
-              <a:t>讨论</a:t>
-            </a:r>
-            <a:endParaRPr lang="zh-CN" altLang="en-US" dirty="0"/>
-          </a:p>
-        </p:txBody>
-      </p:sp>
-    </p:spTree>
-    <p:extLst>
-      <p:ext uri="{BB962C8B-B14F-4D97-AF65-F5344CB8AC3E}">
-        <p14:creationId xmlns:p14="http://schemas.microsoft.com/office/powerpoint/2010/main" val="1720804097"/>
-      </p:ext>
-    </p:extLst>
-  </p:cSld>
-  <p:clrMapOvr>
-    <a:masterClrMapping/>
-  </p:clrMapOvr>
-  <p:timing>
-    <p:tnLst>
-      <p:par>
-        <p:cTn id="1" dur="indefinite" restart="never" nodeType="tmRoot"/>
-      </p:par>
-    </p:tnLst>
-  </p:timing>
-</p:sld>
-</file>
-
-<file path=ppt/slides/slide23.xml><?xml version="1.0" encoding="utf-8"?>
-<p:sld xmlns:a="http://schemas.openxmlformats.org/drawingml/2006/main" xmlns:r="http://schemas.openxmlformats.org/officeDocument/2006/relationships" xmlns:p="http://schemas.openxmlformats.org/presentationml/2006/main">
-  <p:cSld>
-    <p:spTree>
-      <p:nvGrpSpPr>
-        <p:cNvPr id="1" name=""/>
-        <p:cNvGrpSpPr/>
-        <p:nvPr/>
-      </p:nvGrpSpPr>
-      <p:grpSpPr>
-        <a:xfrm>
-          <a:off x="0" y="0"/>
-          <a:ext cx="0" cy="0"/>
-          <a:chOff x="0" y="0"/>
-          <a:chExt cx="0" cy="0"/>
-        </a:xfrm>
-      </p:grpSpPr>
-      <p:sp>
-        <p:nvSpPr>
-          <p:cNvPr id="2" name="标题 1"/>
-          <p:cNvSpPr>
-            <a:spLocks noGrp="1"/>
-          </p:cNvSpPr>
-          <p:nvPr>
-            <p:ph type="title"/>
-          </p:nvPr>
-        </p:nvSpPr>
-        <p:spPr>
-          <a:xfrm>
-            <a:off x="467544" y="2852936"/>
-            <a:ext cx="8229600" cy="1143000"/>
-          </a:xfrm>
-        </p:spPr>
-        <p:txBody>
-          <a:bodyPr/>
-          <a:lstStyle/>
-          <a:p>
-            <a:r>
-              <a:rPr lang="zh-CN" altLang="en-US" dirty="0" smtClean="0"/>
-              <a:t>谢谢大家</a:t>
-            </a:r>
-            <a:endParaRPr lang="zh-CN" altLang="en-US" dirty="0"/>
-          </a:p>
-        </p:txBody>
-      </p:sp>
-    </p:spTree>
-    <p:extLst>
-      <p:ext uri="{BB962C8B-B14F-4D97-AF65-F5344CB8AC3E}">
-        <p14:creationId xmlns:p14="http://schemas.microsoft.com/office/powerpoint/2010/main" val="4160944079"/>
-      </p:ext>
-    </p:extLst>
-  </p:cSld>
-  <p:clrMapOvr>
-    <a:masterClrMapping/>
-  </p:clrMapOvr>
-  <p:timing>
-    <p:tnLst>
-      <p:par>
-        <p:cTn id="1" dur="indefinite" restart="never" nodeType="tmRoot"/>
-      </p:par>
-    </p:tnLst>
-  </p:timing>
-</p:sld>
-</file>
-
-<file path=ppt/slides/slide3.xml><?xml version="1.0" encoding="utf-8"?>
+<file path=ppt/slides/slide2.xml><?xml version="1.0" encoding="utf-8"?>
 <p:sld xmlns:a="http://schemas.openxmlformats.org/drawingml/2006/main" xmlns:r="http://schemas.openxmlformats.org/officeDocument/2006/relationships" xmlns:p="http://schemas.openxmlformats.org/presentationml/2006/main">
   <p:cSld>
     <p:spTree>
@@ -35221,7 +33837,220 @@
 </p:sld>
 </file>
 
-<file path=ppt/slides/slide4.xml><?xml version="1.0" encoding="utf-8"?>
+<file path=ppt/slides/slide20.xml><?xml version="1.0" encoding="utf-8"?>
+<p:sld xmlns:a="http://schemas.openxmlformats.org/drawingml/2006/main" xmlns:r="http://schemas.openxmlformats.org/officeDocument/2006/relationships" xmlns:p="http://schemas.openxmlformats.org/presentationml/2006/main">
+  <p:cSld>
+    <p:spTree>
+      <p:nvGrpSpPr>
+        <p:cNvPr id="1" name=""/>
+        <p:cNvGrpSpPr/>
+        <p:nvPr/>
+      </p:nvGrpSpPr>
+      <p:grpSpPr>
+        <a:xfrm>
+          <a:off x="0" y="0"/>
+          <a:ext cx="0" cy="0"/>
+          <a:chOff x="0" y="0"/>
+          <a:chExt cx="0" cy="0"/>
+        </a:xfrm>
+      </p:grpSpPr>
+      <p:sp>
+        <p:nvSpPr>
+          <p:cNvPr id="2" name="标题 1"/>
+          <p:cNvSpPr>
+            <a:spLocks noGrp="1"/>
+          </p:cNvSpPr>
+          <p:nvPr>
+            <p:ph type="title"/>
+          </p:nvPr>
+        </p:nvSpPr>
+        <p:spPr/>
+        <p:txBody>
+          <a:bodyPr/>
+          <a:lstStyle/>
+          <a:p>
+            <a:r>
+              <a:rPr lang="zh-CN" altLang="en-US" dirty="0" smtClean="0"/>
+              <a:t>相关资源</a:t>
+            </a:r>
+            <a:endParaRPr lang="zh-CN" altLang="en-US" dirty="0"/>
+          </a:p>
+        </p:txBody>
+      </p:sp>
+      <p:sp>
+        <p:nvSpPr>
+          <p:cNvPr id="3" name="内容占位符 2"/>
+          <p:cNvSpPr>
+            <a:spLocks noGrp="1"/>
+          </p:cNvSpPr>
+          <p:nvPr>
+            <p:ph idx="1"/>
+          </p:nvPr>
+        </p:nvSpPr>
+        <p:spPr/>
+        <p:txBody>
+          <a:bodyPr/>
+          <a:lstStyle/>
+          <a:p>
+            <a:r>
+              <a:rPr lang="en-US" altLang="zh-CN" dirty="0"/>
+              <a:t>https://github.com/muyannian/higo/wiki</a:t>
+            </a:r>
+            <a:endParaRPr lang="zh-CN" altLang="en-US" dirty="0"/>
+          </a:p>
+        </p:txBody>
+      </p:sp>
+    </p:spTree>
+    <p:extLst>
+      <p:ext uri="{BB962C8B-B14F-4D97-AF65-F5344CB8AC3E}">
+        <p14:creationId xmlns:p14="http://schemas.microsoft.com/office/powerpoint/2010/main" val="1393238710"/>
+      </p:ext>
+    </p:extLst>
+  </p:cSld>
+  <p:clrMapOvr>
+    <a:masterClrMapping/>
+  </p:clrMapOvr>
+  <p:timing>
+    <p:tnLst>
+      <p:par>
+        <p:cTn id="1" dur="indefinite" restart="never" nodeType="tmRoot"/>
+      </p:par>
+    </p:tnLst>
+  </p:timing>
+</p:sld>
+</file>
+
+<file path=ppt/slides/slide21.xml><?xml version="1.0" encoding="utf-8"?>
+<p:sld xmlns:a="http://schemas.openxmlformats.org/drawingml/2006/main" xmlns:r="http://schemas.openxmlformats.org/officeDocument/2006/relationships" xmlns:p="http://schemas.openxmlformats.org/presentationml/2006/main">
+  <p:cSld>
+    <p:spTree>
+      <p:nvGrpSpPr>
+        <p:cNvPr id="1" name=""/>
+        <p:cNvGrpSpPr/>
+        <p:nvPr/>
+      </p:nvGrpSpPr>
+      <p:grpSpPr>
+        <a:xfrm>
+          <a:off x="0" y="0"/>
+          <a:ext cx="0" cy="0"/>
+          <a:chOff x="0" y="0"/>
+          <a:chExt cx="0" cy="0"/>
+        </a:xfrm>
+      </p:grpSpPr>
+      <p:sp>
+        <p:nvSpPr>
+          <p:cNvPr id="2" name="标题 1"/>
+          <p:cNvSpPr>
+            <a:spLocks noGrp="1"/>
+          </p:cNvSpPr>
+          <p:nvPr>
+            <p:ph type="title"/>
+          </p:nvPr>
+        </p:nvSpPr>
+        <p:spPr>
+          <a:xfrm>
+            <a:off x="323528" y="2636912"/>
+            <a:ext cx="8229600" cy="1143000"/>
+          </a:xfrm>
+        </p:spPr>
+        <p:txBody>
+          <a:bodyPr/>
+          <a:lstStyle/>
+          <a:p>
+            <a:r>
+              <a:rPr lang="zh-CN" altLang="en-US" dirty="0" smtClean="0"/>
+              <a:t>讨论</a:t>
+            </a:r>
+            <a:endParaRPr lang="zh-CN" altLang="en-US" dirty="0"/>
+          </a:p>
+        </p:txBody>
+      </p:sp>
+    </p:spTree>
+    <p:extLst>
+      <p:ext uri="{BB962C8B-B14F-4D97-AF65-F5344CB8AC3E}">
+        <p14:creationId xmlns:p14="http://schemas.microsoft.com/office/powerpoint/2010/main" val="1720804097"/>
+      </p:ext>
+    </p:extLst>
+  </p:cSld>
+  <p:clrMapOvr>
+    <a:masterClrMapping/>
+  </p:clrMapOvr>
+  <p:timing>
+    <p:tnLst>
+      <p:par>
+        <p:cTn id="1" dur="indefinite" restart="never" nodeType="tmRoot"/>
+      </p:par>
+    </p:tnLst>
+  </p:timing>
+</p:sld>
+</file>
+
+<file path=ppt/slides/slide22.xml><?xml version="1.0" encoding="utf-8"?>
+<p:sld xmlns:a="http://schemas.openxmlformats.org/drawingml/2006/main" xmlns:r="http://schemas.openxmlformats.org/officeDocument/2006/relationships" xmlns:p="http://schemas.openxmlformats.org/presentationml/2006/main">
+  <p:cSld>
+    <p:spTree>
+      <p:nvGrpSpPr>
+        <p:cNvPr id="1" name=""/>
+        <p:cNvGrpSpPr/>
+        <p:nvPr/>
+      </p:nvGrpSpPr>
+      <p:grpSpPr>
+        <a:xfrm>
+          <a:off x="0" y="0"/>
+          <a:ext cx="0" cy="0"/>
+          <a:chOff x="0" y="0"/>
+          <a:chExt cx="0" cy="0"/>
+        </a:xfrm>
+      </p:grpSpPr>
+      <p:sp>
+        <p:nvSpPr>
+          <p:cNvPr id="2" name="标题 1"/>
+          <p:cNvSpPr>
+            <a:spLocks noGrp="1"/>
+          </p:cNvSpPr>
+          <p:nvPr>
+            <p:ph type="title"/>
+          </p:nvPr>
+        </p:nvSpPr>
+        <p:spPr>
+          <a:xfrm>
+            <a:off x="467544" y="2852936"/>
+            <a:ext cx="8229600" cy="1143000"/>
+          </a:xfrm>
+        </p:spPr>
+        <p:txBody>
+          <a:bodyPr/>
+          <a:lstStyle/>
+          <a:p>
+            <a:r>
+              <a:rPr lang="zh-CN" altLang="en-US" dirty="0" smtClean="0"/>
+              <a:t>谢谢大家</a:t>
+            </a:r>
+            <a:endParaRPr lang="zh-CN" altLang="en-US" dirty="0"/>
+          </a:p>
+        </p:txBody>
+      </p:sp>
+    </p:spTree>
+    <p:extLst>
+      <p:ext uri="{BB962C8B-B14F-4D97-AF65-F5344CB8AC3E}">
+        <p14:creationId xmlns:p14="http://schemas.microsoft.com/office/powerpoint/2010/main" val="4160944079"/>
+      </p:ext>
+    </p:extLst>
+  </p:cSld>
+  <p:clrMapOvr>
+    <a:masterClrMapping/>
+  </p:clrMapOvr>
+  <p:timing>
+    <p:tnLst>
+      <p:par>
+        <p:cTn id="1" dur="indefinite" restart="never" nodeType="tmRoot"/>
+      </p:par>
+    </p:tnLst>
+  </p:timing>
+</p:sld>
+</file>
+
+<file path=ppt/slides/slide3.xml><?xml version="1.0" encoding="utf-8"?>
 <p:sld xmlns:a="http://schemas.openxmlformats.org/drawingml/2006/main" xmlns:r="http://schemas.openxmlformats.org/officeDocument/2006/relationships" xmlns:p="http://schemas.openxmlformats.org/presentationml/2006/main">
   <p:cSld>
     <p:spTree>
@@ -35406,7 +34235,7 @@
 </p:sld>
 </file>
 
-<file path=ppt/slides/slide5.xml><?xml version="1.0" encoding="utf-8"?>
+<file path=ppt/slides/slide4.xml><?xml version="1.0" encoding="utf-8"?>
 <p:sld xmlns:a="http://schemas.openxmlformats.org/drawingml/2006/main" xmlns:r="http://schemas.openxmlformats.org/officeDocument/2006/relationships" xmlns:p="http://schemas.openxmlformats.org/presentationml/2006/main">
   <p:cSld>
     <p:spTree>
@@ -35611,7 +34440,7 @@
 </p:sld>
 </file>
 
-<file path=ppt/slides/slide6.xml><?xml version="1.0" encoding="utf-8"?>
+<file path=ppt/slides/slide5.xml><?xml version="1.0" encoding="utf-8"?>
 <p:sld xmlns:a="http://schemas.openxmlformats.org/drawingml/2006/main" xmlns:r="http://schemas.openxmlformats.org/officeDocument/2006/relationships" xmlns:p="http://schemas.openxmlformats.org/presentationml/2006/main">
   <p:cSld>
     <p:spTree>
@@ -37374,7 +36203,7 @@
 </p:sld>
 </file>
 
-<file path=ppt/slides/slide7.xml><?xml version="1.0" encoding="utf-8"?>
+<file path=ppt/slides/slide6.xml><?xml version="1.0" encoding="utf-8"?>
 <p:sld xmlns:a="http://schemas.openxmlformats.org/drawingml/2006/main" xmlns:r="http://schemas.openxmlformats.org/officeDocument/2006/relationships" xmlns:p="http://schemas.openxmlformats.org/presentationml/2006/main">
   <p:cSld>
     <p:spTree>
@@ -40658,7 +39487,7 @@
 </p:sld>
 </file>
 
-<file path=ppt/slides/slide8.xml><?xml version="1.0" encoding="utf-8"?>
+<file path=ppt/slides/slide7.xml><?xml version="1.0" encoding="utf-8"?>
 <p:sld xmlns:a="http://schemas.openxmlformats.org/drawingml/2006/main" xmlns:r="http://schemas.openxmlformats.org/officeDocument/2006/relationships" xmlns:p="http://schemas.openxmlformats.org/presentationml/2006/main">
   <p:cSld>
     <p:spTree>
@@ -41402,7 +40231,7 @@
 </p:sld>
 </file>
 
-<file path=ppt/slides/slide9.xml><?xml version="1.0" encoding="utf-8"?>
+<file path=ppt/slides/slide8.xml><?xml version="1.0" encoding="utf-8"?>
 <p:sld xmlns:a="http://schemas.openxmlformats.org/drawingml/2006/main" xmlns:r="http://schemas.openxmlformats.org/officeDocument/2006/relationships" xmlns:p="http://schemas.openxmlformats.org/presentationml/2006/main">
   <p:cSld>
     <p:spTree>
@@ -42180,6 +41009,571 @@
       <p:bldP spid="5" grpId="1" animBg="1"/>
       <p:bldP spid="6" grpId="0" animBg="1"/>
       <p:bldP spid="6" grpId="1" animBg="1"/>
+    </p:bldLst>
+  </p:timing>
+</p:sld>
+</file>
+
+<file path=ppt/slides/slide9.xml><?xml version="1.0" encoding="utf-8"?>
+<p:sld xmlns:a="http://schemas.openxmlformats.org/drawingml/2006/main" xmlns:r="http://schemas.openxmlformats.org/officeDocument/2006/relationships" xmlns:p="http://schemas.openxmlformats.org/presentationml/2006/main">
+  <p:cSld>
+    <p:spTree>
+      <p:nvGrpSpPr>
+        <p:cNvPr id="1" name=""/>
+        <p:cNvGrpSpPr/>
+        <p:nvPr/>
+      </p:nvGrpSpPr>
+      <p:grpSpPr>
+        <a:xfrm>
+          <a:off x="0" y="0"/>
+          <a:ext cx="0" cy="0"/>
+          <a:chOff x="0" y="0"/>
+          <a:chExt cx="0" cy="0"/>
+        </a:xfrm>
+      </p:grpSpPr>
+      <p:pic>
+        <p:nvPicPr>
+          <p:cNvPr id="2051" name="Picture 3"/>
+          <p:cNvPicPr>
+            <a:picLocks noChangeAspect="1" noChangeArrowheads="1"/>
+          </p:cNvPicPr>
+          <p:nvPr/>
+        </p:nvPicPr>
+        <p:blipFill>
+          <a:blip r:embed="rId2">
+            <a:extLst>
+              <a:ext uri="{28A0092B-C50C-407E-A947-70E740481C1C}">
+                <a14:useLocalDpi xmlns:a14="http://schemas.microsoft.com/office/drawing/2010/main" val="0"/>
+              </a:ext>
+            </a:extLst>
+          </a:blip>
+          <a:srcRect/>
+          <a:stretch>
+            <a:fillRect/>
+          </a:stretch>
+        </p:blipFill>
+        <p:spPr bwMode="auto">
+          <a:xfrm>
+            <a:off x="409575" y="2039516"/>
+            <a:ext cx="8324850" cy="3238500"/>
+          </a:xfrm>
+          <a:prstGeom prst="rect">
+            <a:avLst/>
+          </a:prstGeom>
+          <a:noFill/>
+          <a:ln>
+            <a:noFill/>
+          </a:ln>
+          <a:effectLst/>
+          <a:extLst>
+            <a:ext uri="{909E8E84-426E-40DD-AFC4-6F175D3DCCD1}">
+              <a14:hiddenFill xmlns:a14="http://schemas.microsoft.com/office/drawing/2010/main">
+                <a:solidFill>
+                  <a:schemeClr val="accent1"/>
+                </a:solidFill>
+              </a14:hiddenFill>
+            </a:ext>
+            <a:ext uri="{91240B29-F687-4F45-9708-019B960494DF}">
+              <a14:hiddenLine xmlns:a14="http://schemas.microsoft.com/office/drawing/2010/main" w="9525">
+                <a:solidFill>
+                  <a:schemeClr val="tx1"/>
+                </a:solidFill>
+                <a:miter lim="800000"/>
+                <a:headEnd/>
+                <a:tailEnd/>
+              </a14:hiddenLine>
+            </a:ext>
+            <a:ext uri="{AF507438-7753-43E0-B8FC-AC1667EBCBE1}">
+              <a14:hiddenEffects xmlns:a14="http://schemas.microsoft.com/office/drawing/2010/main">
+                <a:effectLst>
+                  <a:outerShdw dist="35921" dir="2700000" algn="ctr" rotWithShape="0">
+                    <a:schemeClr val="bg2"/>
+                  </a:outerShdw>
+                </a:effectLst>
+              </a14:hiddenEffects>
+            </a:ext>
+          </a:extLst>
+        </p:spPr>
+      </p:pic>
+      <p:sp>
+        <p:nvSpPr>
+          <p:cNvPr id="2" name="标题 1"/>
+          <p:cNvSpPr>
+            <a:spLocks noGrp="1"/>
+          </p:cNvSpPr>
+          <p:nvPr>
+            <p:ph type="title"/>
+          </p:nvPr>
+        </p:nvSpPr>
+        <p:spPr/>
+        <p:txBody>
+          <a:bodyPr/>
+          <a:lstStyle/>
+          <a:p>
+            <a:r>
+              <a:rPr lang="zh-CN" altLang="en-US" dirty="0" smtClean="0"/>
+              <a:t>查询部分之分区</a:t>
+            </a:r>
+            <a:endParaRPr lang="zh-CN" altLang="en-US" dirty="0"/>
+          </a:p>
+        </p:txBody>
+      </p:sp>
+      <p:sp>
+        <p:nvSpPr>
+          <p:cNvPr id="3" name="云形标注 2"/>
+          <p:cNvSpPr/>
+          <p:nvPr/>
+        </p:nvSpPr>
+        <p:spPr>
+          <a:xfrm>
+            <a:off x="1347788" y="2039516"/>
+            <a:ext cx="4968552" cy="1080120"/>
+          </a:xfrm>
+          <a:prstGeom prst="cloudCallout">
+            <a:avLst/>
+          </a:prstGeom>
+        </p:spPr>
+        <p:style>
+          <a:lnRef idx="1">
+            <a:schemeClr val="accent2"/>
+          </a:lnRef>
+          <a:fillRef idx="2">
+            <a:schemeClr val="accent2"/>
+          </a:fillRef>
+          <a:effectRef idx="1">
+            <a:schemeClr val="accent2"/>
+          </a:effectRef>
+          <a:fontRef idx="minor">
+            <a:schemeClr val="dk1"/>
+          </a:fontRef>
+        </p:style>
+        <p:txBody>
+          <a:bodyPr rtlCol="0" anchor="ctr"/>
+          <a:lstStyle/>
+          <a:p>
+            <a:pPr algn="ctr"/>
+            <a:r>
+              <a:rPr lang="zh-CN" altLang="en-US" dirty="0" smtClean="0"/>
+              <a:t>每个</a:t>
+            </a:r>
+            <a:r>
+              <a:rPr lang="en-US" altLang="zh-CN" dirty="0" smtClean="0"/>
+              <a:t>shard</a:t>
+            </a:r>
+            <a:r>
+              <a:rPr lang="zh-CN" altLang="en-US" dirty="0" smtClean="0"/>
+              <a:t>下是有多个分区的，每次查询，根据时间范围不同，使用的分区也不同</a:t>
+            </a:r>
+            <a:endParaRPr lang="zh-CN" altLang="en-US" dirty="0"/>
+          </a:p>
+        </p:txBody>
+      </p:sp>
+      <p:sp>
+        <p:nvSpPr>
+          <p:cNvPr id="5" name="云形标注 4"/>
+          <p:cNvSpPr/>
+          <p:nvPr/>
+        </p:nvSpPr>
+        <p:spPr>
+          <a:xfrm>
+            <a:off x="1171352" y="3119636"/>
+            <a:ext cx="6120680" cy="1067420"/>
+          </a:xfrm>
+          <a:prstGeom prst="cloudCallout">
+            <a:avLst/>
+          </a:prstGeom>
+        </p:spPr>
+        <p:style>
+          <a:lnRef idx="1">
+            <a:schemeClr val="accent2"/>
+          </a:lnRef>
+          <a:fillRef idx="2">
+            <a:schemeClr val="accent2"/>
+          </a:fillRef>
+          <a:effectRef idx="1">
+            <a:schemeClr val="accent2"/>
+          </a:effectRef>
+          <a:fontRef idx="minor">
+            <a:schemeClr val="dk1"/>
+          </a:fontRef>
+        </p:style>
+        <p:txBody>
+          <a:bodyPr rtlCol="0" anchor="ctr"/>
+          <a:lstStyle/>
+          <a:p>
+            <a:pPr algn="ctr"/>
+            <a:r>
+              <a:rPr lang="zh-CN" altLang="en-US" dirty="0" smtClean="0"/>
+              <a:t>每次只查询一个分区，</a:t>
+            </a:r>
+            <a:endParaRPr lang="en-US" altLang="zh-CN" dirty="0" smtClean="0"/>
+          </a:p>
+          <a:p>
+            <a:pPr algn="ctr"/>
+            <a:r>
+              <a:rPr lang="zh-CN" altLang="en-US" dirty="0" smtClean="0"/>
+              <a:t>如果跨多个分区查询，实际上是查询多次，然后经过</a:t>
+            </a:r>
+            <a:r>
+              <a:rPr lang="en-US" altLang="zh-CN" dirty="0" smtClean="0"/>
+              <a:t>merge server</a:t>
+            </a:r>
+            <a:r>
+              <a:rPr lang="zh-CN" altLang="en-US" dirty="0" smtClean="0"/>
+              <a:t>合并</a:t>
+            </a:r>
+            <a:endParaRPr lang="zh-CN" altLang="en-US" dirty="0"/>
+          </a:p>
+        </p:txBody>
+      </p:sp>
+    </p:spTree>
+    <p:extLst>
+      <p:ext uri="{BB962C8B-B14F-4D97-AF65-F5344CB8AC3E}">
+        <p14:creationId xmlns:p14="http://schemas.microsoft.com/office/powerpoint/2010/main" val="2950440262"/>
+      </p:ext>
+    </p:extLst>
+  </p:cSld>
+  <p:clrMapOvr>
+    <a:masterClrMapping/>
+  </p:clrMapOvr>
+  <p:timing>
+    <p:tnLst>
+      <p:par>
+        <p:cTn id="1" dur="indefinite" restart="never" nodeType="tmRoot">
+          <p:childTnLst>
+            <p:seq concurrent="1" nextAc="seek">
+              <p:cTn id="2" dur="indefinite" nodeType="mainSeq">
+                <p:childTnLst>
+                  <p:par>
+                    <p:cTn id="3" fill="hold">
+                      <p:stCondLst>
+                        <p:cond delay="indefinite"/>
+                      </p:stCondLst>
+                      <p:childTnLst>
+                        <p:par>
+                          <p:cTn id="4" fill="hold">
+                            <p:stCondLst>
+                              <p:cond delay="0"/>
+                            </p:stCondLst>
+                            <p:childTnLst>
+                              <p:par>
+                                <p:cTn id="5" presetID="53" presetClass="entr" presetSubtype="16" fill="hold" grpId="0" nodeType="clickEffect">
+                                  <p:stCondLst>
+                                    <p:cond delay="0"/>
+                                  </p:stCondLst>
+                                  <p:childTnLst>
+                                    <p:set>
+                                      <p:cBhvr>
+                                        <p:cTn id="6" dur="1" fill="hold">
+                                          <p:stCondLst>
+                                            <p:cond delay="0"/>
+                                          </p:stCondLst>
+                                        </p:cTn>
+                                        <p:tgtEl>
+                                          <p:spTgt spid="3"/>
+                                        </p:tgtEl>
+                                        <p:attrNameLst>
+                                          <p:attrName>style.visibility</p:attrName>
+                                        </p:attrNameLst>
+                                      </p:cBhvr>
+                                      <p:to>
+                                        <p:strVal val="visible"/>
+                                      </p:to>
+                                    </p:set>
+                                    <p:anim calcmode="lin" valueType="num">
+                                      <p:cBhvr>
+                                        <p:cTn id="7" dur="500" fill="hold"/>
+                                        <p:tgtEl>
+                                          <p:spTgt spid="3"/>
+                                        </p:tgtEl>
+                                        <p:attrNameLst>
+                                          <p:attrName>ppt_w</p:attrName>
+                                        </p:attrNameLst>
+                                      </p:cBhvr>
+                                      <p:tavLst>
+                                        <p:tav tm="0">
+                                          <p:val>
+                                            <p:fltVal val="0"/>
+                                          </p:val>
+                                        </p:tav>
+                                        <p:tav tm="100000">
+                                          <p:val>
+                                            <p:strVal val="#ppt_w"/>
+                                          </p:val>
+                                        </p:tav>
+                                      </p:tavLst>
+                                    </p:anim>
+                                    <p:anim calcmode="lin" valueType="num">
+                                      <p:cBhvr>
+                                        <p:cTn id="8" dur="500" fill="hold"/>
+                                        <p:tgtEl>
+                                          <p:spTgt spid="3"/>
+                                        </p:tgtEl>
+                                        <p:attrNameLst>
+                                          <p:attrName>ppt_h</p:attrName>
+                                        </p:attrNameLst>
+                                      </p:cBhvr>
+                                      <p:tavLst>
+                                        <p:tav tm="0">
+                                          <p:val>
+                                            <p:fltVal val="0"/>
+                                          </p:val>
+                                        </p:tav>
+                                        <p:tav tm="100000">
+                                          <p:val>
+                                            <p:strVal val="#ppt_h"/>
+                                          </p:val>
+                                        </p:tav>
+                                      </p:tavLst>
+                                    </p:anim>
+                                    <p:animEffect transition="in" filter="fade">
+                                      <p:cBhvr>
+                                        <p:cTn id="9" dur="500"/>
+                                        <p:tgtEl>
+                                          <p:spTgt spid="3"/>
+                                        </p:tgtEl>
+                                      </p:cBhvr>
+                                    </p:animEffect>
+                                  </p:childTnLst>
+                                </p:cTn>
+                              </p:par>
+                            </p:childTnLst>
+                          </p:cTn>
+                        </p:par>
+                      </p:childTnLst>
+                    </p:cTn>
+                  </p:par>
+                  <p:par>
+                    <p:cTn id="10" fill="hold">
+                      <p:stCondLst>
+                        <p:cond delay="indefinite"/>
+                      </p:stCondLst>
+                      <p:childTnLst>
+                        <p:par>
+                          <p:cTn id="11" fill="hold">
+                            <p:stCondLst>
+                              <p:cond delay="0"/>
+                            </p:stCondLst>
+                            <p:childTnLst>
+                              <p:par>
+                                <p:cTn id="12" presetID="16" presetClass="exit" presetSubtype="21" fill="hold" grpId="1" nodeType="clickEffect">
+                                  <p:stCondLst>
+                                    <p:cond delay="0"/>
+                                  </p:stCondLst>
+                                  <p:childTnLst>
+                                    <p:animEffect transition="out" filter="barn(inVertical)">
+                                      <p:cBhvr>
+                                        <p:cTn id="13" dur="500"/>
+                                        <p:tgtEl>
+                                          <p:spTgt spid="3"/>
+                                        </p:tgtEl>
+                                      </p:cBhvr>
+                                    </p:animEffect>
+                                    <p:set>
+                                      <p:cBhvr>
+                                        <p:cTn id="14" dur="1" fill="hold">
+                                          <p:stCondLst>
+                                            <p:cond delay="499"/>
+                                          </p:stCondLst>
+                                        </p:cTn>
+                                        <p:tgtEl>
+                                          <p:spTgt spid="3"/>
+                                        </p:tgtEl>
+                                        <p:attrNameLst>
+                                          <p:attrName>style.visibility</p:attrName>
+                                        </p:attrNameLst>
+                                      </p:cBhvr>
+                                      <p:to>
+                                        <p:strVal val="hidden"/>
+                                      </p:to>
+                                    </p:set>
+                                  </p:childTnLst>
+                                </p:cTn>
+                              </p:par>
+                            </p:childTnLst>
+                          </p:cTn>
+                        </p:par>
+                      </p:childTnLst>
+                    </p:cTn>
+                  </p:par>
+                  <p:par>
+                    <p:cTn id="15" fill="hold">
+                      <p:stCondLst>
+                        <p:cond delay="indefinite"/>
+                      </p:stCondLst>
+                      <p:childTnLst>
+                        <p:par>
+                          <p:cTn id="16" fill="hold">
+                            <p:stCondLst>
+                              <p:cond delay="0"/>
+                            </p:stCondLst>
+                            <p:childTnLst>
+                              <p:par>
+                                <p:cTn id="17" presetID="53" presetClass="entr" presetSubtype="16" fill="hold" grpId="0" nodeType="clickEffect">
+                                  <p:stCondLst>
+                                    <p:cond delay="0"/>
+                                  </p:stCondLst>
+                                  <p:childTnLst>
+                                    <p:set>
+                                      <p:cBhvr>
+                                        <p:cTn id="18" dur="1" fill="hold">
+                                          <p:stCondLst>
+                                            <p:cond delay="0"/>
+                                          </p:stCondLst>
+                                        </p:cTn>
+                                        <p:tgtEl>
+                                          <p:spTgt spid="5"/>
+                                        </p:tgtEl>
+                                        <p:attrNameLst>
+                                          <p:attrName>style.visibility</p:attrName>
+                                        </p:attrNameLst>
+                                      </p:cBhvr>
+                                      <p:to>
+                                        <p:strVal val="visible"/>
+                                      </p:to>
+                                    </p:set>
+                                    <p:anim calcmode="lin" valueType="num">
+                                      <p:cBhvr>
+                                        <p:cTn id="19" dur="500" fill="hold"/>
+                                        <p:tgtEl>
+                                          <p:spTgt spid="5"/>
+                                        </p:tgtEl>
+                                        <p:attrNameLst>
+                                          <p:attrName>ppt_w</p:attrName>
+                                        </p:attrNameLst>
+                                      </p:cBhvr>
+                                      <p:tavLst>
+                                        <p:tav tm="0">
+                                          <p:val>
+                                            <p:fltVal val="0"/>
+                                          </p:val>
+                                        </p:tav>
+                                        <p:tav tm="100000">
+                                          <p:val>
+                                            <p:strVal val="#ppt_w"/>
+                                          </p:val>
+                                        </p:tav>
+                                      </p:tavLst>
+                                    </p:anim>
+                                    <p:anim calcmode="lin" valueType="num">
+                                      <p:cBhvr>
+                                        <p:cTn id="20" dur="500" fill="hold"/>
+                                        <p:tgtEl>
+                                          <p:spTgt spid="5"/>
+                                        </p:tgtEl>
+                                        <p:attrNameLst>
+                                          <p:attrName>ppt_h</p:attrName>
+                                        </p:attrNameLst>
+                                      </p:cBhvr>
+                                      <p:tavLst>
+                                        <p:tav tm="0">
+                                          <p:val>
+                                            <p:fltVal val="0"/>
+                                          </p:val>
+                                        </p:tav>
+                                        <p:tav tm="100000">
+                                          <p:val>
+                                            <p:strVal val="#ppt_h"/>
+                                          </p:val>
+                                        </p:tav>
+                                      </p:tavLst>
+                                    </p:anim>
+                                    <p:animEffect transition="in" filter="fade">
+                                      <p:cBhvr>
+                                        <p:cTn id="21" dur="500"/>
+                                        <p:tgtEl>
+                                          <p:spTgt spid="5"/>
+                                        </p:tgtEl>
+                                      </p:cBhvr>
+                                    </p:animEffect>
+                                  </p:childTnLst>
+                                </p:cTn>
+                              </p:par>
+                            </p:childTnLst>
+                          </p:cTn>
+                        </p:par>
+                      </p:childTnLst>
+                    </p:cTn>
+                  </p:par>
+                  <p:par>
+                    <p:cTn id="22" fill="hold">
+                      <p:stCondLst>
+                        <p:cond delay="indefinite"/>
+                      </p:stCondLst>
+                      <p:childTnLst>
+                        <p:par>
+                          <p:cTn id="23" fill="hold">
+                            <p:stCondLst>
+                              <p:cond delay="0"/>
+                            </p:stCondLst>
+                            <p:childTnLst>
+                              <p:par>
+                                <p:cTn id="24" presetID="16" presetClass="exit" presetSubtype="21" fill="hold" grpId="1" nodeType="clickEffect">
+                                  <p:stCondLst>
+                                    <p:cond delay="0"/>
+                                  </p:stCondLst>
+                                  <p:childTnLst>
+                                    <p:animEffect transition="out" filter="barn(inVertical)">
+                                      <p:cBhvr>
+                                        <p:cTn id="25" dur="500"/>
+                                        <p:tgtEl>
+                                          <p:spTgt spid="5"/>
+                                        </p:tgtEl>
+                                      </p:cBhvr>
+                                    </p:animEffect>
+                                    <p:set>
+                                      <p:cBhvr>
+                                        <p:cTn id="26" dur="1" fill="hold">
+                                          <p:stCondLst>
+                                            <p:cond delay="499"/>
+                                          </p:stCondLst>
+                                        </p:cTn>
+                                        <p:tgtEl>
+                                          <p:spTgt spid="5"/>
+                                        </p:tgtEl>
+                                        <p:attrNameLst>
+                                          <p:attrName>style.visibility</p:attrName>
+                                        </p:attrNameLst>
+                                      </p:cBhvr>
+                                      <p:to>
+                                        <p:strVal val="hidden"/>
+                                      </p:to>
+                                    </p:set>
+                                  </p:childTnLst>
+                                </p:cTn>
+                              </p:par>
+                            </p:childTnLst>
+                          </p:cTn>
+                        </p:par>
+                      </p:childTnLst>
+                    </p:cTn>
+                  </p:par>
+                </p:childTnLst>
+              </p:cTn>
+              <p:prevCondLst>
+                <p:cond evt="onPrev" delay="0">
+                  <p:tgtEl>
+                    <p:sldTgt/>
+                  </p:tgtEl>
+                </p:cond>
+              </p:prevCondLst>
+              <p:nextCondLst>
+                <p:cond evt="onNext" delay="0">
+                  <p:tgtEl>
+                    <p:sldTgt/>
+                  </p:tgtEl>
+                </p:cond>
+              </p:nextCondLst>
+            </p:seq>
+          </p:childTnLst>
+        </p:cTn>
+      </p:par>
+    </p:tnLst>
+    <p:bldLst>
+      <p:bldP spid="3" grpId="0" animBg="1"/>
+      <p:bldP spid="3" grpId="1" animBg="1"/>
+      <p:bldP spid="5" grpId="0" animBg="1"/>
+      <p:bldP spid="5" grpId="1" animBg="1"/>
     </p:bldLst>
   </p:timing>
 </p:sld>

--- a/doc/higo_forcoder.pptx
+++ b/doc/higo_forcoder.pptx
@@ -3909,6 +3909,334 @@
       <dsp:cNvGrpSpPr/>
     </dsp:nvGrpSpPr>
     <dsp:grpSpPr/>
+    <dsp:sp modelId="{1A32A10F-9B1B-436D-A614-20F9B53E066E}">
+      <dsp:nvSpPr>
+        <dsp:cNvPr id="0" name=""/>
+        <dsp:cNvSpPr/>
+      </dsp:nvSpPr>
+      <dsp:spPr>
+        <a:xfrm>
+          <a:off x="38833" y="2033"/>
+          <a:ext cx="318376" cy="978296"/>
+        </a:xfrm>
+        <a:prstGeom prst="rect">
+          <a:avLst/>
+        </a:prstGeom>
+        <a:solidFill>
+          <a:schemeClr val="accent2">
+            <a:shade val="50000"/>
+            <a:hueOff val="0"/>
+            <a:satOff val="0"/>
+            <a:lumOff val="0"/>
+            <a:alphaOff val="0"/>
+          </a:schemeClr>
+        </a:solidFill>
+        <a:ln w="25400" cap="flat" cmpd="sng" algn="ctr">
+          <a:solidFill>
+            <a:schemeClr val="lt1">
+              <a:hueOff val="0"/>
+              <a:satOff val="0"/>
+              <a:lumOff val="0"/>
+              <a:alphaOff val="0"/>
+            </a:schemeClr>
+          </a:solidFill>
+          <a:prstDash val="solid"/>
+        </a:ln>
+        <a:effectLst/>
+      </dsp:spPr>
+      <dsp:style>
+        <a:lnRef idx="2">
+          <a:scrgbClr r="0" g="0" b="0"/>
+        </a:lnRef>
+        <a:fillRef idx="1">
+          <a:scrgbClr r="0" g="0" b="0"/>
+        </a:fillRef>
+        <a:effectRef idx="0">
+          <a:scrgbClr r="0" g="0" b="0"/>
+        </a:effectRef>
+        <a:fontRef idx="minor">
+          <a:schemeClr val="lt1"/>
+        </a:fontRef>
+      </dsp:style>
+      <dsp:txBody>
+        <a:bodyPr spcFirstLastPara="0" vert="horz" wrap="square" lIns="40640" tIns="40640" rIns="40640" bIns="40640" numCol="1" spcCol="1270" anchor="ctr" anchorCtr="0">
+          <a:noAutofit/>
+        </a:bodyPr>
+        <a:lstStyle/>
+        <a:p>
+          <a:pPr lvl="0" algn="ctr" defTabSz="711200">
+            <a:lnSpc>
+              <a:spcPct val="90000"/>
+            </a:lnSpc>
+            <a:spcBef>
+              <a:spcPct val="0"/>
+            </a:spcBef>
+            <a:spcAft>
+              <a:spcPct val="35000"/>
+            </a:spcAft>
+          </a:pPr>
+          <a:r>
+            <a:rPr lang="zh-CN" altLang="en-US" sz="1600" kern="1200" dirty="0" smtClean="0"/>
+            <a:t>列</a:t>
+          </a:r>
+          <a:r>
+            <a:rPr lang="en-US" altLang="zh-CN" sz="1600" kern="1200" dirty="0" smtClean="0"/>
+            <a:t>1</a:t>
+          </a:r>
+          <a:endParaRPr lang="zh-CN" altLang="en-US" sz="1600" kern="1200" dirty="0"/>
+        </a:p>
+      </dsp:txBody>
+      <dsp:txXfrm>
+        <a:off x="38833" y="2033"/>
+        <a:ext cx="318376" cy="978296"/>
+      </dsp:txXfrm>
+    </dsp:sp>
+    <dsp:sp modelId="{14407EC2-6BBE-41AE-B959-D195A65C2964}">
+      <dsp:nvSpPr>
+        <dsp:cNvPr id="0" name=""/>
+        <dsp:cNvSpPr/>
+      </dsp:nvSpPr>
+      <dsp:spPr>
+        <a:xfrm>
+          <a:off x="38833" y="1029245"/>
+          <a:ext cx="318376" cy="978296"/>
+        </a:xfrm>
+        <a:prstGeom prst="rect">
+          <a:avLst/>
+        </a:prstGeom>
+        <a:solidFill>
+          <a:schemeClr val="accent2">
+            <a:shade val="50000"/>
+            <a:hueOff val="0"/>
+            <a:satOff val="-16266"/>
+            <a:lumOff val="26389"/>
+            <a:alphaOff val="0"/>
+          </a:schemeClr>
+        </a:solidFill>
+        <a:ln w="25400" cap="flat" cmpd="sng" algn="ctr">
+          <a:solidFill>
+            <a:schemeClr val="lt1">
+              <a:hueOff val="0"/>
+              <a:satOff val="0"/>
+              <a:lumOff val="0"/>
+              <a:alphaOff val="0"/>
+            </a:schemeClr>
+          </a:solidFill>
+          <a:prstDash val="solid"/>
+        </a:ln>
+        <a:effectLst/>
+      </dsp:spPr>
+      <dsp:style>
+        <a:lnRef idx="2">
+          <a:scrgbClr r="0" g="0" b="0"/>
+        </a:lnRef>
+        <a:fillRef idx="1">
+          <a:scrgbClr r="0" g="0" b="0"/>
+        </a:fillRef>
+        <a:effectRef idx="0">
+          <a:scrgbClr r="0" g="0" b="0"/>
+        </a:effectRef>
+        <a:fontRef idx="minor">
+          <a:schemeClr val="lt1"/>
+        </a:fontRef>
+      </dsp:style>
+      <dsp:txBody>
+        <a:bodyPr spcFirstLastPara="0" vert="horz" wrap="square" lIns="25400" tIns="25400" rIns="25400" bIns="25400" numCol="1" spcCol="1270" anchor="ctr" anchorCtr="0">
+          <a:noAutofit/>
+        </a:bodyPr>
+        <a:lstStyle/>
+        <a:p>
+          <a:pPr lvl="0" algn="ctr" defTabSz="444500">
+            <a:lnSpc>
+              <a:spcPct val="90000"/>
+            </a:lnSpc>
+            <a:spcBef>
+              <a:spcPct val="0"/>
+            </a:spcBef>
+            <a:spcAft>
+              <a:spcPct val="35000"/>
+            </a:spcAft>
+          </a:pPr>
+          <a:r>
+            <a:rPr lang="zh-CN" altLang="en-US" sz="1000" kern="1200" dirty="0" smtClean="0"/>
+            <a:t>列</a:t>
+          </a:r>
+          <a:r>
+            <a:rPr lang="en-US" altLang="zh-CN" sz="1000" kern="1200" dirty="0" smtClean="0"/>
+            <a:t>2</a:t>
+          </a:r>
+          <a:endParaRPr lang="zh-CN" altLang="en-US" sz="1000" kern="1200" dirty="0"/>
+        </a:p>
+      </dsp:txBody>
+      <dsp:txXfrm>
+        <a:off x="38833" y="1029245"/>
+        <a:ext cx="318376" cy="978296"/>
+      </dsp:txXfrm>
+    </dsp:sp>
+    <dsp:sp modelId="{2766CE1A-14A7-4314-A143-42BDD394FB1C}">
+      <dsp:nvSpPr>
+        <dsp:cNvPr id="0" name=""/>
+        <dsp:cNvSpPr/>
+      </dsp:nvSpPr>
+      <dsp:spPr>
+        <a:xfrm>
+          <a:off x="33858" y="2056457"/>
+          <a:ext cx="328326" cy="978296"/>
+        </a:xfrm>
+        <a:prstGeom prst="rect">
+          <a:avLst/>
+        </a:prstGeom>
+        <a:solidFill>
+          <a:schemeClr val="accent2">
+            <a:shade val="50000"/>
+            <a:hueOff val="0"/>
+            <a:satOff val="-32532"/>
+            <a:lumOff val="52778"/>
+            <a:alphaOff val="0"/>
+          </a:schemeClr>
+        </a:solidFill>
+        <a:ln w="25400" cap="flat" cmpd="sng" algn="ctr">
+          <a:solidFill>
+            <a:schemeClr val="lt1">
+              <a:hueOff val="0"/>
+              <a:satOff val="0"/>
+              <a:lumOff val="0"/>
+              <a:alphaOff val="0"/>
+            </a:schemeClr>
+          </a:solidFill>
+          <a:prstDash val="solid"/>
+        </a:ln>
+        <a:effectLst/>
+      </dsp:spPr>
+      <dsp:style>
+        <a:lnRef idx="2">
+          <a:scrgbClr r="0" g="0" b="0"/>
+        </a:lnRef>
+        <a:fillRef idx="1">
+          <a:scrgbClr r="0" g="0" b="0"/>
+        </a:fillRef>
+        <a:effectRef idx="0">
+          <a:scrgbClr r="0" g="0" b="0"/>
+        </a:effectRef>
+        <a:fontRef idx="minor">
+          <a:schemeClr val="lt1"/>
+        </a:fontRef>
+      </dsp:style>
+      <dsp:txBody>
+        <a:bodyPr spcFirstLastPara="0" vert="horz" wrap="square" lIns="25400" tIns="25400" rIns="25400" bIns="25400" numCol="1" spcCol="1270" anchor="ctr" anchorCtr="0">
+          <a:noAutofit/>
+        </a:bodyPr>
+        <a:lstStyle/>
+        <a:p>
+          <a:pPr lvl="0" algn="ctr" defTabSz="444500">
+            <a:lnSpc>
+              <a:spcPct val="90000"/>
+            </a:lnSpc>
+            <a:spcBef>
+              <a:spcPct val="0"/>
+            </a:spcBef>
+            <a:spcAft>
+              <a:spcPct val="35000"/>
+            </a:spcAft>
+          </a:pPr>
+          <a:r>
+            <a:rPr lang="zh-CN" altLang="en-US" sz="1000" kern="1200" dirty="0" smtClean="0"/>
+            <a:t>列</a:t>
+          </a:r>
+          <a:r>
+            <a:rPr lang="en-US" altLang="zh-CN" sz="1000" kern="1200" dirty="0" smtClean="0"/>
+            <a:t>…</a:t>
+          </a:r>
+          <a:endParaRPr lang="zh-CN" altLang="en-US" sz="1000" kern="1200" dirty="0"/>
+        </a:p>
+      </dsp:txBody>
+      <dsp:txXfrm>
+        <a:off x="33858" y="2056457"/>
+        <a:ext cx="328326" cy="978296"/>
+      </dsp:txXfrm>
+    </dsp:sp>
+    <dsp:sp modelId="{6622071B-A5D3-459E-90B2-67A70508E830}">
+      <dsp:nvSpPr>
+        <dsp:cNvPr id="0" name=""/>
+        <dsp:cNvSpPr/>
+      </dsp:nvSpPr>
+      <dsp:spPr>
+        <a:xfrm>
+          <a:off x="38833" y="3083669"/>
+          <a:ext cx="318376" cy="978296"/>
+        </a:xfrm>
+        <a:prstGeom prst="rect">
+          <a:avLst/>
+        </a:prstGeom>
+        <a:solidFill>
+          <a:schemeClr val="accent2">
+            <a:shade val="50000"/>
+            <a:hueOff val="0"/>
+            <a:satOff val="-16266"/>
+            <a:lumOff val="26389"/>
+            <a:alphaOff val="0"/>
+          </a:schemeClr>
+        </a:solidFill>
+        <a:ln w="25400" cap="flat" cmpd="sng" algn="ctr">
+          <a:solidFill>
+            <a:schemeClr val="lt1">
+              <a:hueOff val="0"/>
+              <a:satOff val="0"/>
+              <a:lumOff val="0"/>
+              <a:alphaOff val="0"/>
+            </a:schemeClr>
+          </a:solidFill>
+          <a:prstDash val="solid"/>
+        </a:ln>
+        <a:effectLst/>
+      </dsp:spPr>
+      <dsp:style>
+        <a:lnRef idx="2">
+          <a:scrgbClr r="0" g="0" b="0"/>
+        </a:lnRef>
+        <a:fillRef idx="1">
+          <a:scrgbClr r="0" g="0" b="0"/>
+        </a:fillRef>
+        <a:effectRef idx="0">
+          <a:scrgbClr r="0" g="0" b="0"/>
+        </a:effectRef>
+        <a:fontRef idx="minor">
+          <a:schemeClr val="lt1"/>
+        </a:fontRef>
+      </dsp:style>
+      <dsp:txBody>
+        <a:bodyPr spcFirstLastPara="0" vert="horz" wrap="square" lIns="25400" tIns="25400" rIns="25400" bIns="25400" numCol="1" spcCol="1270" anchor="ctr" anchorCtr="0">
+          <a:noAutofit/>
+        </a:bodyPr>
+        <a:lstStyle/>
+        <a:p>
+          <a:pPr lvl="0" algn="ctr" defTabSz="444500">
+            <a:lnSpc>
+              <a:spcPct val="90000"/>
+            </a:lnSpc>
+            <a:spcBef>
+              <a:spcPct val="0"/>
+            </a:spcBef>
+            <a:spcAft>
+              <a:spcPct val="35000"/>
+            </a:spcAft>
+          </a:pPr>
+          <a:r>
+            <a:rPr lang="zh-CN" altLang="en-US" sz="1000" kern="1200" dirty="0" smtClean="0"/>
+            <a:t>列</a:t>
+          </a:r>
+          <a:r>
+            <a:rPr lang="en-US" altLang="zh-CN" sz="1000" kern="1200" dirty="0" smtClean="0"/>
+            <a:t>N</a:t>
+          </a:r>
+          <a:endParaRPr lang="zh-CN" altLang="en-US" sz="1000" kern="1200" dirty="0"/>
+        </a:p>
+      </dsp:txBody>
+      <dsp:txXfrm>
+        <a:off x="38833" y="3083669"/>
+        <a:ext cx="318376" cy="978296"/>
+      </dsp:txXfrm>
+    </dsp:sp>
   </dsp:spTree>
 </dsp:drawing>
 </file>
@@ -6710,7 +7038,7 @@
           <a:p>
             <a:fld id="{DE914C13-989A-477A-9CB3-5348B7845306}" type="datetimeFigureOut">
               <a:rPr lang="zh-CN" altLang="en-US" smtClean="0"/>
-              <a:t>2013/5/16</a:t>
+              <a:t>2013/7/1</a:t>
             </a:fld>
             <a:endParaRPr lang="zh-CN" altLang="en-US"/>
           </a:p>
@@ -27689,7 +28017,7 @@
             <p:ph idx="1"/>
             <p:extLst>
               <p:ext uri="{D42A27DB-BD31-4B8C-83A1-F6EECF244321}">
-                <p14:modId xmlns:p14="http://schemas.microsoft.com/office/powerpoint/2010/main" val="1025511527"/>
+                <p14:modId xmlns:p14="http://schemas.microsoft.com/office/powerpoint/2010/main" val="335180785"/>
               </p:ext>
             </p:extLst>
           </p:nvPr>
@@ -27808,15 +28136,23 @@
                     <a:p>
                       <a:r>
                         <a:rPr lang="zh-CN" altLang="en-US" sz="1600" dirty="0" smtClean="0"/>
-                        <a:t>百亿（单次扫描几十亿，真实数据</a:t>
-                      </a:r>
-                      <a:r>
-                        <a:rPr lang="en-US" altLang="zh-CN" sz="1600" dirty="0" smtClean="0"/>
-                        <a:t>33</a:t>
+                        <a:t>百亿（单次扫描几十亿，真实</a:t>
                       </a:r>
                       <a:r>
                         <a:rPr lang="zh-CN" altLang="en-US" sz="1600" dirty="0" smtClean="0"/>
-                        <a:t>亿）</a:t>
+                        <a:t>数据</a:t>
+                      </a:r>
+                      <a:r>
+                        <a:rPr lang="en-US" altLang="zh-CN" sz="1600" smtClean="0"/>
+                        <a:t>200</a:t>
+                      </a:r>
+                      <a:r>
+                        <a:rPr lang="zh-CN" altLang="en-US" sz="1600" smtClean="0"/>
+                        <a:t>亿</a:t>
+                      </a:r>
+                      <a:r>
+                        <a:rPr lang="zh-CN" altLang="en-US" sz="1600" dirty="0" smtClean="0"/>
+                        <a:t>）</a:t>
                       </a:r>
                       <a:endParaRPr lang="zh-CN" altLang="en-US" sz="1600" dirty="0"/>
                     </a:p>

--- a/doc/higo_forcoder.pptx
+++ b/doc/higo_forcoder.pptx
@@ -5,7 +5,7 @@
     <p:sldMasterId id="2147483648" r:id="rId1"/>
   </p:sldMasterIdLst>
   <p:notesMasterIdLst>
-    <p:notesMasterId r:id="rId24"/>
+    <p:notesMasterId r:id="rId23"/>
   </p:notesMasterIdLst>
   <p:sldIdLst>
     <p:sldId id="256" r:id="rId2"/>
@@ -26,10 +26,9 @@
     <p:sldId id="373" r:id="rId17"/>
     <p:sldId id="378" r:id="rId18"/>
     <p:sldId id="382" r:id="rId19"/>
-    <p:sldId id="381" r:id="rId20"/>
-    <p:sldId id="369" r:id="rId21"/>
-    <p:sldId id="374" r:id="rId22"/>
-    <p:sldId id="375" r:id="rId23"/>
+    <p:sldId id="369" r:id="rId20"/>
+    <p:sldId id="374" r:id="rId21"/>
+    <p:sldId id="375" r:id="rId22"/>
   </p:sldIdLst>
   <p:sldSz cx="9144000" cy="6858000" type="screen4x3"/>
   <p:notesSz cx="6858000" cy="9144000"/>
@@ -7038,7 +7037,7 @@
           <a:p>
             <a:fld id="{DE914C13-989A-477A-9CB3-5348B7845306}" type="datetimeFigureOut">
               <a:rPr lang="zh-CN" altLang="en-US" smtClean="0"/>
-              <a:t>2013/7/1</a:t>
+              <a:t>2013/7/11</a:t>
             </a:fld>
             <a:endParaRPr lang="zh-CN" altLang="en-US"/>
           </a:p>
@@ -28017,14 +28016,14 @@
             <p:ph idx="1"/>
             <p:extLst>
               <p:ext uri="{D42A27DB-BD31-4B8C-83A1-F6EECF244321}">
-                <p14:modId xmlns:p14="http://schemas.microsoft.com/office/powerpoint/2010/main" val="335180785"/>
+                <p14:modId xmlns:p14="http://schemas.microsoft.com/office/powerpoint/2010/main" val="301594035"/>
               </p:ext>
             </p:extLst>
           </p:nvPr>
         </p:nvGraphicFramePr>
         <p:xfrm>
-          <a:off x="539552" y="1141432"/>
-          <a:ext cx="8229600" cy="5455920"/>
+          <a:off x="539552" y="836713"/>
+          <a:ext cx="8229600" cy="5886676"/>
         </p:xfrm>
         <a:graphic>
           <a:graphicData uri="http://schemas.openxmlformats.org/drawingml/2006/table">
@@ -28038,7 +28037,7 @@
                 <a:gridCol w="2304256"/>
                 <a:gridCol w="2684984"/>
               </a:tblGrid>
-              <a:tr h="351353">
+              <a:tr h="470605">
                 <a:tc>
                   <a:txBody>
                     <a:bodyPr/>
@@ -28100,7 +28099,7 @@
                   <a:tcPr/>
                 </a:tc>
               </a:tr>
-              <a:tr h="548688">
+              <a:tr h="546438">
                 <a:tc>
                   <a:txBody>
                     <a:bodyPr/>
@@ -28143,16 +28142,12 @@
                         <a:t>数据</a:t>
                       </a:r>
                       <a:r>
-                        <a:rPr lang="en-US" altLang="zh-CN" sz="1600" smtClean="0"/>
-                        <a:t>200</a:t>
-                      </a:r>
-                      <a:r>
-                        <a:rPr lang="zh-CN" altLang="en-US" sz="1600" smtClean="0"/>
-                        <a:t>亿</a:t>
+                        <a:rPr lang="en-US" altLang="zh-CN" sz="1600" dirty="0" smtClean="0"/>
+                        <a:t>360</a:t>
                       </a:r>
                       <a:r>
                         <a:rPr lang="zh-CN" altLang="en-US" sz="1600" dirty="0" smtClean="0"/>
-                        <a:t>）</a:t>
+                        <a:t>亿）</a:t>
                       </a:r>
                       <a:endParaRPr lang="zh-CN" altLang="en-US" sz="1600" dirty="0"/>
                     </a:p>
@@ -28198,7 +28193,7 @@
                   <a:tcPr/>
                 </a:tc>
               </a:tr>
-              <a:tr h="351353">
+              <a:tr h="345119">
                 <a:tc>
                   <a:txBody>
                     <a:bodyPr/>
@@ -28280,7 +28275,7 @@
                   <a:tcPr/>
                 </a:tc>
               </a:tr>
-              <a:tr h="606445">
+              <a:tr h="603958">
                 <a:tc>
                   <a:txBody>
                     <a:bodyPr/>
@@ -28407,7 +28402,7 @@
                   <a:tcPr/>
                 </a:tc>
               </a:tr>
-              <a:tr h="351353">
+              <a:tr h="488919">
                 <a:tc>
                   <a:txBody>
                     <a:bodyPr/>
@@ -28456,30 +28451,46 @@
                     <a:lstStyle/>
                     <a:p>
                       <a:r>
-                        <a:rPr lang="zh-CN" altLang="en-US" dirty="0" smtClean="0">
+                        <a:rPr lang="en-US" altLang="zh-CN" sz="1400" dirty="0" err="1" smtClean="0">
                           <a:solidFill>
                             <a:srgbClr val="CC0000"/>
                           </a:solidFill>
                         </a:rPr>
-                        <a:t>延迟小于</a:t>
+                        <a:t>hlog</a:t>
                       </a:r>
                       <a:r>
-                        <a:rPr lang="en-US" altLang="zh-CN" dirty="0" smtClean="0">
+                        <a:rPr lang="en-US" altLang="zh-CN" sz="1400" dirty="0" smtClean="0">
                           <a:solidFill>
                             <a:srgbClr val="CC0000"/>
                           </a:solidFill>
                         </a:rPr>
-                        <a:t>10</a:t>
+                        <a:t>+</a:t>
                       </a:r>
                       <a:r>
-                        <a:rPr lang="zh-CN" altLang="en-US" dirty="0" smtClean="0">
+                        <a:rPr lang="zh-CN" altLang="en-US" sz="1400" dirty="0" smtClean="0">
                           <a:solidFill>
                             <a:srgbClr val="CC0000"/>
                           </a:solidFill>
                         </a:rPr>
-                        <a:t>分钟</a:t>
+                        <a:t>内存</a:t>
                       </a:r>
-                      <a:endParaRPr lang="zh-CN" altLang="en-US" dirty="0">
+                      <a:r>
+                        <a:rPr lang="en-US" altLang="zh-CN" sz="1400" dirty="0" err="1" smtClean="0">
+                          <a:solidFill>
+                            <a:srgbClr val="CC0000"/>
+                          </a:solidFill>
+                        </a:rPr>
+                        <a:t>buffer+checkpoint</a:t>
+                      </a:r>
+                      <a:r>
+                        <a:rPr lang="zh-CN" altLang="en-US" sz="1400" dirty="0" smtClean="0">
+                          <a:solidFill>
+                            <a:srgbClr val="CC0000"/>
+                          </a:solidFill>
+                        </a:rPr>
+                        <a:t>的实时数据源</a:t>
+                      </a:r>
+                      <a:endParaRPr lang="zh-CN" altLang="en-US" sz="1400" dirty="0">
                         <a:solidFill>
                           <a:srgbClr val="CC0000"/>
                         </a:solidFill>
@@ -28489,7 +28500,7 @@
                   <a:tcPr/>
                 </a:tc>
               </a:tr>
-              <a:tr h="606445">
+              <a:tr h="603958">
                 <a:tc>
                   <a:txBody>
                     <a:bodyPr/>
@@ -28555,7 +28566,7 @@
                   <a:tcPr/>
                 </a:tc>
               </a:tr>
-              <a:tr h="351353">
+              <a:tr h="345119">
                 <a:tc>
                   <a:txBody>
                     <a:bodyPr/>
@@ -28637,7 +28648,7 @@
                   <a:tcPr/>
                 </a:tc>
               </a:tr>
-              <a:tr h="351353">
+              <a:tr h="345119">
                 <a:tc>
                   <a:txBody>
                     <a:bodyPr/>
@@ -28707,7 +28718,7 @@
                   <a:tcPr/>
                 </a:tc>
               </a:tr>
-              <a:tr h="779715">
+              <a:tr h="630711">
                 <a:tc>
                   <a:txBody>
                     <a:bodyPr/>
@@ -28758,24 +28769,28 @@
                     <a:lstStyle/>
                     <a:p>
                       <a:r>
+                        <a:rPr lang="en-US" altLang="zh-CN" sz="1600" dirty="0" smtClean="0"/>
+                        <a:t>Shards+</a:t>
+                      </a:r>
+                      <a:r>
                         <a:rPr lang="zh-CN" altLang="en-US" sz="1600" dirty="0" smtClean="0"/>
-                        <a:t>每</a:t>
+                        <a:t>分区（天</a:t>
                       </a:r>
                       <a:r>
                         <a:rPr lang="en-US" altLang="zh-CN" sz="1600" dirty="0" smtClean="0"/>
-                        <a:t>10</a:t>
+                        <a:t>/10</a:t>
                       </a:r>
                       <a:r>
                         <a:rPr lang="zh-CN" altLang="en-US" sz="1600" dirty="0" smtClean="0"/>
-                        <a:t>天一个分区，按照</a:t>
+                        <a:t>天</a:t>
                       </a:r>
                       <a:r>
                         <a:rPr lang="en-US" altLang="zh-CN" sz="1600" dirty="0" smtClean="0"/>
-                        <a:t>shards</a:t>
+                        <a:t>/</a:t>
                       </a:r>
                       <a:r>
                         <a:rPr lang="zh-CN" altLang="en-US" sz="1600" dirty="0" smtClean="0"/>
-                        <a:t>数量打散</a:t>
+                        <a:t>月）</a:t>
                       </a:r>
                       <a:endParaRPr lang="zh-CN" altLang="en-US" sz="1600" dirty="0"/>
                     </a:p>
@@ -28788,40 +28803,36 @@
                     <a:lstStyle/>
                     <a:p>
                       <a:r>
-                        <a:rPr lang="zh-CN" altLang="en-US" sz="1600" dirty="0" smtClean="0">
-                          <a:solidFill>
-                            <a:srgbClr val="CC0000"/>
-                          </a:solidFill>
-                        </a:rPr>
-                        <a:t>按天分区，分区下按照记录数分小索引，没有</a:t>
+                        <a:rPr lang="en-US" altLang="zh-CN" sz="1600" dirty="0" smtClean="0"/>
+                        <a:t>Shards+</a:t>
                       </a:r>
                       <a:r>
-                        <a:rPr lang="en-US" altLang="zh-CN" sz="1600" dirty="0" smtClean="0">
-                          <a:solidFill>
-                            <a:srgbClr val="CC0000"/>
-                          </a:solidFill>
-                        </a:rPr>
-                        <a:t>shards</a:t>
+                        <a:rPr lang="zh-CN" altLang="en-US" sz="1600" dirty="0" smtClean="0"/>
+                        <a:t>分区（天</a:t>
                       </a:r>
                       <a:r>
-                        <a:rPr lang="zh-CN" altLang="en-US" sz="1600" dirty="0" smtClean="0">
-                          <a:solidFill>
-                            <a:srgbClr val="CC0000"/>
-                          </a:solidFill>
-                        </a:rPr>
-                        <a:t>数的概念</a:t>
+                        <a:rPr lang="en-US" altLang="zh-CN" sz="1600" dirty="0" smtClean="0"/>
+                        <a:t>/10</a:t>
                       </a:r>
-                      <a:endParaRPr lang="zh-CN" altLang="en-US" sz="1600" dirty="0">
-                        <a:solidFill>
-                          <a:srgbClr val="CC0000"/>
-                        </a:solidFill>
-                      </a:endParaRPr>
+                      <a:r>
+                        <a:rPr lang="zh-CN" altLang="en-US" sz="1600" dirty="0" smtClean="0"/>
+                        <a:t>天</a:t>
+                      </a:r>
+                      <a:r>
+                        <a:rPr lang="en-US" altLang="zh-CN" sz="1600" dirty="0" smtClean="0"/>
+                        <a:t>/</a:t>
+                      </a:r>
+                      <a:r>
+                        <a:rPr lang="zh-CN" altLang="en-US" sz="1600" dirty="0" smtClean="0"/>
+                        <a:t>月）</a:t>
+                      </a:r>
+                      <a:endParaRPr lang="zh-CN" altLang="en-US" sz="1600" dirty="0"/>
                     </a:p>
                   </a:txBody>
                   <a:tcPr/>
                 </a:tc>
               </a:tr>
-              <a:tr h="895229">
+              <a:tr h="1236676">
                 <a:tc>
                   <a:txBody>
                     <a:bodyPr/>
@@ -28880,26 +28891,54 @@
                     <a:lstStyle/>
                     <a:p>
                       <a:r>
-                        <a:rPr lang="zh-CN" altLang="en-US" sz="1600" dirty="0" smtClean="0"/>
+                        <a:rPr lang="zh-CN" altLang="en-US" sz="1400" dirty="0" smtClean="0"/>
                         <a:t>在内部实现，单次支撑</a:t>
                       </a:r>
                       <a:r>
-                        <a:rPr lang="en-US" altLang="zh-CN" sz="1600" dirty="0" smtClean="0"/>
-                        <a:t>10000</a:t>
+                        <a:rPr lang="en-US" altLang="zh-CN" sz="1400" dirty="0" smtClean="0"/>
+                        <a:t>1w</a:t>
                       </a:r>
                       <a:r>
-                        <a:rPr lang="zh-CN" altLang="en-US" sz="1600" dirty="0" smtClean="0"/>
+                        <a:rPr lang="zh-CN" altLang="en-US" sz="1400" dirty="0" smtClean="0"/>
                         <a:t>个</a:t>
                       </a:r>
                       <a:r>
-                        <a:rPr lang="en-US" altLang="zh-CN" sz="1600" dirty="0" smtClean="0"/>
+                        <a:rPr lang="en-US" altLang="zh-CN" sz="1400" dirty="0" smtClean="0"/>
                         <a:t>group</a:t>
                       </a:r>
                       <a:r>
-                        <a:rPr lang="zh-CN" altLang="en-US" sz="1600" dirty="0" smtClean="0"/>
-                        <a:t>的计算，可分页</a:t>
+                        <a:rPr lang="zh-CN" altLang="en-US" sz="1400" dirty="0" smtClean="0"/>
+                        <a:t>的计算，可分</a:t>
                       </a:r>
-                      <a:endParaRPr lang="zh-CN" altLang="en-US" sz="1600" dirty="0"/>
+                      <a:r>
+                        <a:rPr lang="zh-CN" altLang="en-US" sz="1400" dirty="0" smtClean="0"/>
+                        <a:t>页</a:t>
+                      </a:r>
+                      <a:r>
+                        <a:rPr lang="en-US" altLang="zh-CN" sz="1400" dirty="0" smtClean="0"/>
+                        <a:t>,</a:t>
+                      </a:r>
+                      <a:r>
+                        <a:rPr lang="zh-CN" altLang="en-US" sz="1400" dirty="0" smtClean="0"/>
+                        <a:t>如果</a:t>
+                      </a:r>
+                      <a:r>
+                        <a:rPr lang="en-US" altLang="zh-CN" sz="1400" dirty="0" smtClean="0"/>
+                        <a:t>group</a:t>
+                      </a:r>
+                      <a:r>
+                        <a:rPr lang="zh-CN" altLang="en-US" sz="1400" dirty="0" smtClean="0"/>
+                        <a:t>超过</a:t>
+                      </a:r>
+                      <a:r>
+                        <a:rPr lang="en-US" altLang="zh-CN" sz="1400" dirty="0" smtClean="0"/>
+                        <a:t>1W,</a:t>
+                      </a:r>
+                      <a:r>
+                        <a:rPr lang="zh-CN" altLang="en-US" sz="1400" dirty="0" smtClean="0"/>
+                        <a:t>那么为近似计算，排序与统计值都有可能不准确</a:t>
+                      </a:r>
+                      <a:endParaRPr lang="zh-CN" altLang="en-US" sz="1400" dirty="0"/>
                     </a:p>
                   </a:txBody>
                   <a:tcPr/>
@@ -28910,12 +28949,20 @@
                     <a:lstStyle/>
                     <a:p>
                       <a:r>
+                        <a:rPr lang="zh-CN" altLang="en-US" sz="1600" dirty="0" smtClean="0">
+                          <a:solidFill>
+                            <a:srgbClr val="CC0000"/>
+                          </a:solidFill>
+                        </a:rPr>
+                        <a:t>可以做</a:t>
+                      </a:r>
+                      <a:r>
                         <a:rPr lang="en-US" altLang="zh-CN" sz="1600" dirty="0" smtClean="0">
                           <a:solidFill>
                             <a:srgbClr val="CC0000"/>
                           </a:solidFill>
                         </a:rPr>
-                        <a:t>group</a:t>
+                        <a:t>TOP N(N&lt;10000)</a:t>
                       </a:r>
                       <a:r>
                         <a:rPr lang="zh-CN" altLang="en-US" sz="1600" dirty="0" smtClean="0">
@@ -28923,22 +28970,38 @@
                             <a:srgbClr val="CC0000"/>
                           </a:solidFill>
                         </a:rPr>
-                        <a:t>数将无限制</a:t>
+                        <a:t>的查询</a:t>
                       </a:r>
-                      <a:endParaRPr lang="en-US" altLang="zh-CN" sz="1600" dirty="0" smtClean="0">
-                        <a:solidFill>
-                          <a:srgbClr val="CC0000"/>
-                        </a:solidFill>
-                      </a:endParaRPr>
-                    </a:p>
-                    <a:p>
                       <a:r>
-                        <a:rPr lang="en-US" altLang="zh-CN" sz="1600" dirty="0" err="1" smtClean="0">
+                        <a:rPr lang="en-US" altLang="zh-CN" sz="1600" dirty="0" smtClean="0">
                           <a:solidFill>
                             <a:srgbClr val="CC0000"/>
                           </a:solidFill>
                         </a:rPr>
-                        <a:t>join,distinct</a:t>
+                        <a:t/>
+                      </a:r>
+                      <a:br>
+                        <a:rPr lang="en-US" altLang="zh-CN" sz="1600" dirty="0" smtClean="0">
+                          <a:solidFill>
+                            <a:srgbClr val="CC0000"/>
+                          </a:solidFill>
+                        </a:rPr>
+                      </a:br>
+                      <a:r>
+                        <a:rPr lang="zh-CN" altLang="en-US" sz="1600" dirty="0" smtClean="0">
+                          <a:solidFill>
+                            <a:srgbClr val="CC0000"/>
+                          </a:solidFill>
+                        </a:rPr>
+                        <a:t>如果超过</a:t>
+                      </a:r>
+                      <a:r>
+                        <a:rPr lang="en-US" altLang="zh-CN" sz="1600" dirty="0" smtClean="0">
+                          <a:solidFill>
+                            <a:srgbClr val="CC0000"/>
+                          </a:solidFill>
+                        </a:rPr>
+                        <a:t>1W</a:t>
                       </a:r>
                       <a:r>
                         <a:rPr lang="zh-CN" altLang="en-US" sz="1600" dirty="0" smtClean="0">
@@ -28946,7 +29009,7 @@
                             <a:srgbClr val="CC0000"/>
                           </a:solidFill>
                         </a:rPr>
-                        <a:t>，嵌套查询，临时表，等将在这里实现</a:t>
+                        <a:t>个，排序为近似排序，但是统计值为准确值。</a:t>
                       </a:r>
                       <a:endParaRPr lang="zh-CN" altLang="en-US" sz="1600" dirty="0">
                         <a:solidFill>
@@ -29001,44 +29064,6 @@
       </p:grpSpPr>
       <p:sp>
         <p:nvSpPr>
-          <p:cNvPr id="11" name="流程图: 过程 10"/>
-          <p:cNvSpPr/>
-          <p:nvPr/>
-        </p:nvSpPr>
-        <p:spPr>
-          <a:xfrm>
-            <a:off x="215516" y="2996952"/>
-            <a:ext cx="3384376" cy="3096344"/>
-          </a:xfrm>
-          <a:prstGeom prst="flowChartProcess">
-            <a:avLst/>
-          </a:prstGeom>
-        </p:spPr>
-        <p:style>
-          <a:lnRef idx="2">
-            <a:schemeClr val="accent6"/>
-          </a:lnRef>
-          <a:fillRef idx="1">
-            <a:schemeClr val="lt1"/>
-          </a:fillRef>
-          <a:effectRef idx="0">
-            <a:schemeClr val="accent6"/>
-          </a:effectRef>
-          <a:fontRef idx="minor">
-            <a:schemeClr val="dk1"/>
-          </a:fontRef>
-        </p:style>
-        <p:txBody>
-          <a:bodyPr rtlCol="0" anchor="ctr"/>
-          <a:lstStyle/>
-          <a:p>
-            <a:pPr algn="ctr"/>
-            <a:endParaRPr lang="zh-CN" altLang="en-US"/>
-          </a:p>
-        </p:txBody>
-      </p:sp>
-      <p:sp>
-        <p:nvSpPr>
           <p:cNvPr id="2" name="标题 1"/>
           <p:cNvSpPr>
             <a:spLocks noGrp="1"/>
@@ -29053,8 +29078,8 @@
           <a:lstStyle/>
           <a:p>
             <a:r>
-              <a:rPr lang="en-US" altLang="zh-CN" dirty="0" smtClean="0"/>
-              <a:t>Higo yarn</a:t>
+              <a:rPr lang="zh-CN" altLang="en-US" dirty="0" smtClean="0"/>
+              <a:t>相关资源</a:t>
             </a:r>
             <a:endParaRPr lang="zh-CN" altLang="en-US" dirty="0"/>
           </a:p>
@@ -29062,2278 +29087,31 @@
       </p:sp>
       <p:sp>
         <p:nvSpPr>
-          <p:cNvPr id="5" name="流程图: 磁盘 4"/>
-          <p:cNvSpPr/>
-          <p:nvPr/>
+          <p:cNvPr id="3" name="内容占位符 2"/>
+          <p:cNvSpPr>
+            <a:spLocks noGrp="1"/>
+          </p:cNvSpPr>
+          <p:nvPr>
+            <p:ph idx="1"/>
+          </p:nvPr>
         </p:nvSpPr>
-        <p:spPr>
-          <a:xfrm>
-            <a:off x="630164" y="3212976"/>
-            <a:ext cx="720080" cy="936104"/>
-          </a:xfrm>
-          <a:prstGeom prst="flowChartMagneticDisk">
-            <a:avLst/>
-          </a:prstGeom>
-        </p:spPr>
-        <p:style>
-          <a:lnRef idx="2">
-            <a:schemeClr val="accent1">
-              <a:shade val="50000"/>
-            </a:schemeClr>
-          </a:lnRef>
-          <a:fillRef idx="1">
-            <a:schemeClr val="accent1"/>
-          </a:fillRef>
-          <a:effectRef idx="0">
-            <a:schemeClr val="accent1"/>
-          </a:effectRef>
-          <a:fontRef idx="minor">
-            <a:schemeClr val="lt1"/>
-          </a:fontRef>
-        </p:style>
+        <p:spPr/>
         <p:txBody>
-          <a:bodyPr rtlCol="0" anchor="ctr"/>
+          <a:bodyPr/>
           <a:lstStyle/>
           <a:p>
-            <a:pPr algn="ctr"/>
-            <a:r>
-              <a:rPr lang="en-US" altLang="zh-CN" dirty="0" smtClean="0"/>
-              <a:t>NM</a:t>
+            <a:r>
+              <a:rPr lang="en-US" altLang="zh-CN" dirty="0"/>
+              <a:t>https://github.com/muyannian/higo/wiki</a:t>
             </a:r>
             <a:endParaRPr lang="zh-CN" altLang="en-US" dirty="0"/>
-          </a:p>
-        </p:txBody>
-      </p:sp>
-      <p:sp>
-        <p:nvSpPr>
-          <p:cNvPr id="6" name="流程图: 磁盘 5"/>
-          <p:cNvSpPr/>
-          <p:nvPr/>
-        </p:nvSpPr>
-        <p:spPr>
-          <a:xfrm>
-            <a:off x="630164" y="4509120"/>
-            <a:ext cx="720080" cy="936104"/>
-          </a:xfrm>
-          <a:prstGeom prst="flowChartMagneticDisk">
-            <a:avLst/>
-          </a:prstGeom>
-        </p:spPr>
-        <p:style>
-          <a:lnRef idx="2">
-            <a:schemeClr val="accent1">
-              <a:shade val="50000"/>
-            </a:schemeClr>
-          </a:lnRef>
-          <a:fillRef idx="1">
-            <a:schemeClr val="accent1"/>
-          </a:fillRef>
-          <a:effectRef idx="0">
-            <a:schemeClr val="accent1"/>
-          </a:effectRef>
-          <a:fontRef idx="minor">
-            <a:schemeClr val="lt1"/>
-          </a:fontRef>
-        </p:style>
-        <p:txBody>
-          <a:bodyPr rtlCol="0" anchor="ctr"/>
-          <a:lstStyle/>
-          <a:p>
-            <a:pPr algn="ctr"/>
-            <a:r>
-              <a:rPr lang="en-US" altLang="zh-CN" dirty="0" smtClean="0"/>
-              <a:t>NM</a:t>
-            </a:r>
-            <a:endParaRPr lang="zh-CN" altLang="en-US" dirty="0"/>
-          </a:p>
-        </p:txBody>
-      </p:sp>
-      <p:sp>
-        <p:nvSpPr>
-          <p:cNvPr id="7" name="流程图: 磁盘 6"/>
-          <p:cNvSpPr/>
-          <p:nvPr/>
-        </p:nvSpPr>
-        <p:spPr>
-          <a:xfrm>
-            <a:off x="2483768" y="3212976"/>
-            <a:ext cx="720080" cy="936104"/>
-          </a:xfrm>
-          <a:prstGeom prst="flowChartMagneticDisk">
-            <a:avLst/>
-          </a:prstGeom>
-        </p:spPr>
-        <p:style>
-          <a:lnRef idx="2">
-            <a:schemeClr val="accent1">
-              <a:shade val="50000"/>
-            </a:schemeClr>
-          </a:lnRef>
-          <a:fillRef idx="1">
-            <a:schemeClr val="accent1"/>
-          </a:fillRef>
-          <a:effectRef idx="0">
-            <a:schemeClr val="accent1"/>
-          </a:effectRef>
-          <a:fontRef idx="minor">
-            <a:schemeClr val="lt1"/>
-          </a:fontRef>
-        </p:style>
-        <p:txBody>
-          <a:bodyPr rtlCol="0" anchor="ctr"/>
-          <a:lstStyle/>
-          <a:p>
-            <a:pPr algn="ctr"/>
-            <a:r>
-              <a:rPr lang="en-US" altLang="zh-CN" dirty="0" smtClean="0"/>
-              <a:t>NM</a:t>
-            </a:r>
-            <a:endParaRPr lang="zh-CN" altLang="en-US" dirty="0"/>
-          </a:p>
-        </p:txBody>
-      </p:sp>
-      <p:sp>
-        <p:nvSpPr>
-          <p:cNvPr id="8" name="流程图: 磁盘 7"/>
-          <p:cNvSpPr/>
-          <p:nvPr/>
-        </p:nvSpPr>
-        <p:spPr>
-          <a:xfrm>
-            <a:off x="1547664" y="3212976"/>
-            <a:ext cx="720080" cy="936104"/>
-          </a:xfrm>
-          <a:prstGeom prst="flowChartMagneticDisk">
-            <a:avLst/>
-          </a:prstGeom>
-        </p:spPr>
-        <p:style>
-          <a:lnRef idx="2">
-            <a:schemeClr val="accent1">
-              <a:shade val="50000"/>
-            </a:schemeClr>
-          </a:lnRef>
-          <a:fillRef idx="1">
-            <a:schemeClr val="accent1"/>
-          </a:fillRef>
-          <a:effectRef idx="0">
-            <a:schemeClr val="accent1"/>
-          </a:effectRef>
-          <a:fontRef idx="minor">
-            <a:schemeClr val="lt1"/>
-          </a:fontRef>
-        </p:style>
-        <p:txBody>
-          <a:bodyPr rtlCol="0" anchor="ctr"/>
-          <a:lstStyle/>
-          <a:p>
-            <a:pPr algn="ctr"/>
-            <a:r>
-              <a:rPr lang="en-US" altLang="zh-CN" dirty="0" smtClean="0"/>
-              <a:t>NM</a:t>
-            </a:r>
-            <a:endParaRPr lang="zh-CN" altLang="en-US" dirty="0"/>
-          </a:p>
-        </p:txBody>
-      </p:sp>
-      <p:sp>
-        <p:nvSpPr>
-          <p:cNvPr id="9" name="流程图: 磁盘 8"/>
-          <p:cNvSpPr/>
-          <p:nvPr/>
-        </p:nvSpPr>
-        <p:spPr>
-          <a:xfrm>
-            <a:off x="1547664" y="4509120"/>
-            <a:ext cx="720080" cy="936104"/>
-          </a:xfrm>
-          <a:prstGeom prst="flowChartMagneticDisk">
-            <a:avLst/>
-          </a:prstGeom>
-        </p:spPr>
-        <p:style>
-          <a:lnRef idx="2">
-            <a:schemeClr val="accent1">
-              <a:shade val="50000"/>
-            </a:schemeClr>
-          </a:lnRef>
-          <a:fillRef idx="1">
-            <a:schemeClr val="accent1"/>
-          </a:fillRef>
-          <a:effectRef idx="0">
-            <a:schemeClr val="accent1"/>
-          </a:effectRef>
-          <a:fontRef idx="minor">
-            <a:schemeClr val="lt1"/>
-          </a:fontRef>
-        </p:style>
-        <p:txBody>
-          <a:bodyPr rtlCol="0" anchor="ctr"/>
-          <a:lstStyle/>
-          <a:p>
-            <a:pPr algn="ctr"/>
-            <a:r>
-              <a:rPr lang="en-US" altLang="zh-CN" dirty="0" smtClean="0"/>
-              <a:t>NM</a:t>
-            </a:r>
-            <a:endParaRPr lang="zh-CN" altLang="en-US" dirty="0"/>
-          </a:p>
-        </p:txBody>
-      </p:sp>
-      <p:sp>
-        <p:nvSpPr>
-          <p:cNvPr id="10" name="流程图: 磁盘 9"/>
-          <p:cNvSpPr/>
-          <p:nvPr/>
-        </p:nvSpPr>
-        <p:spPr>
-          <a:xfrm>
-            <a:off x="2483768" y="4509120"/>
-            <a:ext cx="720080" cy="936104"/>
-          </a:xfrm>
-          <a:prstGeom prst="flowChartMagneticDisk">
-            <a:avLst/>
-          </a:prstGeom>
-        </p:spPr>
-        <p:style>
-          <a:lnRef idx="2">
-            <a:schemeClr val="accent1">
-              <a:shade val="50000"/>
-            </a:schemeClr>
-          </a:lnRef>
-          <a:fillRef idx="1">
-            <a:schemeClr val="accent1"/>
-          </a:fillRef>
-          <a:effectRef idx="0">
-            <a:schemeClr val="accent1"/>
-          </a:effectRef>
-          <a:fontRef idx="minor">
-            <a:schemeClr val="lt1"/>
-          </a:fontRef>
-        </p:style>
-        <p:txBody>
-          <a:bodyPr rtlCol="0" anchor="ctr"/>
-          <a:lstStyle/>
-          <a:p>
-            <a:pPr algn="ctr"/>
-            <a:r>
-              <a:rPr lang="en-US" altLang="zh-CN" dirty="0" smtClean="0"/>
-              <a:t>NM</a:t>
-            </a:r>
-            <a:endParaRPr lang="zh-CN" altLang="en-US" dirty="0"/>
-          </a:p>
-        </p:txBody>
-      </p:sp>
-      <p:sp>
-        <p:nvSpPr>
-          <p:cNvPr id="12" name="TextBox 11"/>
-          <p:cNvSpPr txBox="1"/>
-          <p:nvPr/>
-        </p:nvSpPr>
-        <p:spPr>
-          <a:xfrm>
-            <a:off x="1012900" y="5559623"/>
-            <a:ext cx="2586992" cy="461665"/>
-          </a:xfrm>
-          <a:prstGeom prst="rect">
-            <a:avLst/>
-          </a:prstGeom>
-          <a:noFill/>
-        </p:spPr>
-        <p:txBody>
-          <a:bodyPr wrap="square" rtlCol="0">
-            <a:spAutoFit/>
-          </a:bodyPr>
-          <a:lstStyle/>
-          <a:p>
-            <a:r>
-              <a:rPr lang="en-US" altLang="zh-CN" sz="2400" dirty="0" smtClean="0"/>
-              <a:t>Node Manager</a:t>
-            </a:r>
-            <a:endParaRPr lang="zh-CN" altLang="en-US" sz="2400" dirty="0"/>
-          </a:p>
-        </p:txBody>
-      </p:sp>
-      <p:sp>
-        <p:nvSpPr>
-          <p:cNvPr id="13" name="流程图: 过程 12"/>
-          <p:cNvSpPr/>
-          <p:nvPr/>
-        </p:nvSpPr>
-        <p:spPr>
-          <a:xfrm>
-            <a:off x="4283968" y="1556792"/>
-            <a:ext cx="3816424" cy="4392488"/>
-          </a:xfrm>
-          <a:prstGeom prst="flowChartProcess">
-            <a:avLst/>
-          </a:prstGeom>
-        </p:spPr>
-        <p:style>
-          <a:lnRef idx="2">
-            <a:schemeClr val="accent6"/>
-          </a:lnRef>
-          <a:fillRef idx="1">
-            <a:schemeClr val="lt1"/>
-          </a:fillRef>
-          <a:effectRef idx="0">
-            <a:schemeClr val="accent6"/>
-          </a:effectRef>
-          <a:fontRef idx="minor">
-            <a:schemeClr val="dk1"/>
-          </a:fontRef>
-        </p:style>
-        <p:txBody>
-          <a:bodyPr rtlCol="0" anchor="ctr"/>
-          <a:lstStyle/>
-          <a:p>
-            <a:pPr algn="ctr"/>
-            <a:endParaRPr lang="zh-CN" altLang="en-US"/>
-          </a:p>
-        </p:txBody>
-      </p:sp>
-      <p:sp>
-        <p:nvSpPr>
-          <p:cNvPr id="14" name="流程图: 磁盘 13"/>
-          <p:cNvSpPr/>
-          <p:nvPr/>
-        </p:nvSpPr>
-        <p:spPr>
-          <a:xfrm>
-            <a:off x="4716016" y="2060848"/>
-            <a:ext cx="720080" cy="936104"/>
-          </a:xfrm>
-          <a:prstGeom prst="flowChartMagneticDisk">
-            <a:avLst/>
-          </a:prstGeom>
-        </p:spPr>
-        <p:style>
-          <a:lnRef idx="2">
-            <a:schemeClr val="accent1">
-              <a:shade val="50000"/>
-            </a:schemeClr>
-          </a:lnRef>
-          <a:fillRef idx="1">
-            <a:schemeClr val="accent1"/>
-          </a:fillRef>
-          <a:effectRef idx="0">
-            <a:schemeClr val="accent1"/>
-          </a:effectRef>
-          <a:fontRef idx="minor">
-            <a:schemeClr val="lt1"/>
-          </a:fontRef>
-        </p:style>
-        <p:txBody>
-          <a:bodyPr rtlCol="0" anchor="ctr"/>
-          <a:lstStyle/>
-          <a:p>
-            <a:pPr algn="ctr"/>
-            <a:r>
-              <a:rPr lang="en-US" altLang="zh-CN" dirty="0" smtClean="0"/>
-              <a:t>task</a:t>
-            </a:r>
-            <a:endParaRPr lang="zh-CN" altLang="en-US" dirty="0"/>
-          </a:p>
-        </p:txBody>
-      </p:sp>
-      <p:sp>
-        <p:nvSpPr>
-          <p:cNvPr id="15" name="流程图: 磁盘 14"/>
-          <p:cNvSpPr/>
-          <p:nvPr/>
-        </p:nvSpPr>
-        <p:spPr>
-          <a:xfrm>
-            <a:off x="5724128" y="2060848"/>
-            <a:ext cx="720080" cy="936104"/>
-          </a:xfrm>
-          <a:prstGeom prst="flowChartMagneticDisk">
-            <a:avLst/>
-          </a:prstGeom>
-        </p:spPr>
-        <p:style>
-          <a:lnRef idx="2">
-            <a:schemeClr val="accent1">
-              <a:shade val="50000"/>
-            </a:schemeClr>
-          </a:lnRef>
-          <a:fillRef idx="1">
-            <a:schemeClr val="accent1"/>
-          </a:fillRef>
-          <a:effectRef idx="0">
-            <a:schemeClr val="accent1"/>
-          </a:effectRef>
-          <a:fontRef idx="minor">
-            <a:schemeClr val="lt1"/>
-          </a:fontRef>
-        </p:style>
-        <p:txBody>
-          <a:bodyPr rtlCol="0" anchor="ctr"/>
-          <a:lstStyle/>
-          <a:p>
-            <a:pPr algn="ctr"/>
-            <a:r>
-              <a:rPr lang="en-US" altLang="zh-CN" dirty="0" smtClean="0"/>
-              <a:t>task</a:t>
-            </a:r>
-            <a:endParaRPr lang="zh-CN" altLang="en-US" dirty="0"/>
-          </a:p>
-        </p:txBody>
-      </p:sp>
-      <p:sp>
-        <p:nvSpPr>
-          <p:cNvPr id="16" name="流程图: 磁盘 15"/>
-          <p:cNvSpPr/>
-          <p:nvPr/>
-        </p:nvSpPr>
-        <p:spPr>
-          <a:xfrm>
-            <a:off x="6732240" y="2060848"/>
-            <a:ext cx="720080" cy="936104"/>
-          </a:xfrm>
-          <a:prstGeom prst="flowChartMagneticDisk">
-            <a:avLst/>
-          </a:prstGeom>
-        </p:spPr>
-        <p:style>
-          <a:lnRef idx="2">
-            <a:schemeClr val="accent1">
-              <a:shade val="50000"/>
-            </a:schemeClr>
-          </a:lnRef>
-          <a:fillRef idx="1">
-            <a:schemeClr val="accent1"/>
-          </a:fillRef>
-          <a:effectRef idx="0">
-            <a:schemeClr val="accent1"/>
-          </a:effectRef>
-          <a:fontRef idx="minor">
-            <a:schemeClr val="lt1"/>
-          </a:fontRef>
-        </p:style>
-        <p:txBody>
-          <a:bodyPr rtlCol="0" anchor="ctr"/>
-          <a:lstStyle/>
-          <a:p>
-            <a:pPr algn="ctr"/>
-            <a:r>
-              <a:rPr lang="en-US" altLang="zh-CN" dirty="0" smtClean="0"/>
-              <a:t>task</a:t>
-            </a:r>
-            <a:endParaRPr lang="zh-CN" altLang="en-US" dirty="0"/>
-          </a:p>
-        </p:txBody>
-      </p:sp>
-      <p:sp>
-        <p:nvSpPr>
-          <p:cNvPr id="17" name="流程图: 磁盘 16"/>
-          <p:cNvSpPr/>
-          <p:nvPr/>
-        </p:nvSpPr>
-        <p:spPr>
-          <a:xfrm>
-            <a:off x="6737920" y="3284984"/>
-            <a:ext cx="720080" cy="936104"/>
-          </a:xfrm>
-          <a:prstGeom prst="flowChartMagneticDisk">
-            <a:avLst/>
-          </a:prstGeom>
-        </p:spPr>
-        <p:style>
-          <a:lnRef idx="2">
-            <a:schemeClr val="accent1">
-              <a:shade val="50000"/>
-            </a:schemeClr>
-          </a:lnRef>
-          <a:fillRef idx="1">
-            <a:schemeClr val="accent1"/>
-          </a:fillRef>
-          <a:effectRef idx="0">
-            <a:schemeClr val="accent1"/>
-          </a:effectRef>
-          <a:fontRef idx="minor">
-            <a:schemeClr val="lt1"/>
-          </a:fontRef>
-        </p:style>
-        <p:txBody>
-          <a:bodyPr rtlCol="0" anchor="ctr"/>
-          <a:lstStyle/>
-          <a:p>
-            <a:pPr algn="ctr"/>
-            <a:r>
-              <a:rPr lang="en-US" altLang="zh-CN" dirty="0" smtClean="0"/>
-              <a:t>task</a:t>
-            </a:r>
-            <a:endParaRPr lang="zh-CN" altLang="en-US" dirty="0"/>
-          </a:p>
-        </p:txBody>
-      </p:sp>
-      <p:sp>
-        <p:nvSpPr>
-          <p:cNvPr id="18" name="流程图: 磁盘 17"/>
-          <p:cNvSpPr/>
-          <p:nvPr/>
-        </p:nvSpPr>
-        <p:spPr>
-          <a:xfrm>
-            <a:off x="5652120" y="3284984"/>
-            <a:ext cx="720080" cy="936104"/>
-          </a:xfrm>
-          <a:prstGeom prst="flowChartMagneticDisk">
-            <a:avLst/>
-          </a:prstGeom>
-        </p:spPr>
-        <p:style>
-          <a:lnRef idx="2">
-            <a:schemeClr val="accent1">
-              <a:shade val="50000"/>
-            </a:schemeClr>
-          </a:lnRef>
-          <a:fillRef idx="1">
-            <a:schemeClr val="accent1"/>
-          </a:fillRef>
-          <a:effectRef idx="0">
-            <a:schemeClr val="accent1"/>
-          </a:effectRef>
-          <a:fontRef idx="minor">
-            <a:schemeClr val="lt1"/>
-          </a:fontRef>
-        </p:style>
-        <p:txBody>
-          <a:bodyPr rtlCol="0" anchor="ctr"/>
-          <a:lstStyle/>
-          <a:p>
-            <a:pPr algn="ctr"/>
-            <a:r>
-              <a:rPr lang="en-US" altLang="zh-CN" dirty="0" smtClean="0"/>
-              <a:t>task</a:t>
-            </a:r>
-            <a:endParaRPr lang="zh-CN" altLang="en-US" dirty="0"/>
-          </a:p>
-        </p:txBody>
-      </p:sp>
-      <p:sp>
-        <p:nvSpPr>
-          <p:cNvPr id="19" name="流程图: 磁盘 18"/>
-          <p:cNvSpPr/>
-          <p:nvPr/>
-        </p:nvSpPr>
-        <p:spPr>
-          <a:xfrm>
-            <a:off x="4716016" y="3325180"/>
-            <a:ext cx="720080" cy="936104"/>
-          </a:xfrm>
-          <a:prstGeom prst="flowChartMagneticDisk">
-            <a:avLst/>
-          </a:prstGeom>
-        </p:spPr>
-        <p:style>
-          <a:lnRef idx="2">
-            <a:schemeClr val="accent1">
-              <a:shade val="50000"/>
-            </a:schemeClr>
-          </a:lnRef>
-          <a:fillRef idx="1">
-            <a:schemeClr val="accent1"/>
-          </a:fillRef>
-          <a:effectRef idx="0">
-            <a:schemeClr val="accent1"/>
-          </a:effectRef>
-          <a:fontRef idx="minor">
-            <a:schemeClr val="lt1"/>
-          </a:fontRef>
-        </p:style>
-        <p:txBody>
-          <a:bodyPr rtlCol="0" anchor="ctr"/>
-          <a:lstStyle/>
-          <a:p>
-            <a:pPr algn="ctr"/>
-            <a:r>
-              <a:rPr lang="en-US" altLang="zh-CN" dirty="0" smtClean="0"/>
-              <a:t>task</a:t>
-            </a:r>
-            <a:endParaRPr lang="zh-CN" altLang="en-US" dirty="0"/>
-          </a:p>
-        </p:txBody>
-      </p:sp>
-      <p:sp>
-        <p:nvSpPr>
-          <p:cNvPr id="20" name="流程图: 磁盘 19"/>
-          <p:cNvSpPr/>
-          <p:nvPr/>
-        </p:nvSpPr>
-        <p:spPr>
-          <a:xfrm>
-            <a:off x="4716016" y="4509120"/>
-            <a:ext cx="720080" cy="936104"/>
-          </a:xfrm>
-          <a:prstGeom prst="flowChartMagneticDisk">
-            <a:avLst/>
-          </a:prstGeom>
-        </p:spPr>
-        <p:style>
-          <a:lnRef idx="2">
-            <a:schemeClr val="accent1">
-              <a:shade val="50000"/>
-            </a:schemeClr>
-          </a:lnRef>
-          <a:fillRef idx="1">
-            <a:schemeClr val="accent1"/>
-          </a:fillRef>
-          <a:effectRef idx="0">
-            <a:schemeClr val="accent1"/>
-          </a:effectRef>
-          <a:fontRef idx="minor">
-            <a:schemeClr val="lt1"/>
-          </a:fontRef>
-        </p:style>
-        <p:txBody>
-          <a:bodyPr rtlCol="0" anchor="ctr"/>
-          <a:lstStyle/>
-          <a:p>
-            <a:pPr algn="ctr"/>
-            <a:r>
-              <a:rPr lang="en-US" altLang="zh-CN" dirty="0" smtClean="0"/>
-              <a:t>task</a:t>
-            </a:r>
-            <a:endParaRPr lang="zh-CN" altLang="en-US" dirty="0"/>
-          </a:p>
-        </p:txBody>
-      </p:sp>
-      <p:sp>
-        <p:nvSpPr>
-          <p:cNvPr id="21" name="流程图: 磁盘 20"/>
-          <p:cNvSpPr/>
-          <p:nvPr/>
-        </p:nvSpPr>
-        <p:spPr>
-          <a:xfrm>
-            <a:off x="5724128" y="4509120"/>
-            <a:ext cx="720080" cy="936104"/>
-          </a:xfrm>
-          <a:prstGeom prst="flowChartMagneticDisk">
-            <a:avLst/>
-          </a:prstGeom>
-        </p:spPr>
-        <p:style>
-          <a:lnRef idx="2">
-            <a:schemeClr val="accent1">
-              <a:shade val="50000"/>
-            </a:schemeClr>
-          </a:lnRef>
-          <a:fillRef idx="1">
-            <a:schemeClr val="accent1"/>
-          </a:fillRef>
-          <a:effectRef idx="0">
-            <a:schemeClr val="accent1"/>
-          </a:effectRef>
-          <a:fontRef idx="minor">
-            <a:schemeClr val="lt1"/>
-          </a:fontRef>
-        </p:style>
-        <p:txBody>
-          <a:bodyPr rtlCol="0" anchor="ctr"/>
-          <a:lstStyle/>
-          <a:p>
-            <a:pPr algn="ctr"/>
-            <a:r>
-              <a:rPr lang="en-US" altLang="zh-CN" dirty="0" smtClean="0"/>
-              <a:t>task</a:t>
-            </a:r>
-            <a:endParaRPr lang="zh-CN" altLang="en-US" dirty="0"/>
-          </a:p>
-        </p:txBody>
-      </p:sp>
-      <p:sp>
-        <p:nvSpPr>
-          <p:cNvPr id="22" name="流程图: 磁盘 21"/>
-          <p:cNvSpPr/>
-          <p:nvPr/>
-        </p:nvSpPr>
-        <p:spPr>
-          <a:xfrm>
-            <a:off x="6737920" y="4509120"/>
-            <a:ext cx="720080" cy="936104"/>
-          </a:xfrm>
-          <a:prstGeom prst="flowChartMagneticDisk">
-            <a:avLst/>
-          </a:prstGeom>
-        </p:spPr>
-        <p:style>
-          <a:lnRef idx="2">
-            <a:schemeClr val="accent1">
-              <a:shade val="50000"/>
-            </a:schemeClr>
-          </a:lnRef>
-          <a:fillRef idx="1">
-            <a:schemeClr val="accent1"/>
-          </a:fillRef>
-          <a:effectRef idx="0">
-            <a:schemeClr val="accent1"/>
-          </a:effectRef>
-          <a:fontRef idx="minor">
-            <a:schemeClr val="lt1"/>
-          </a:fontRef>
-        </p:style>
-        <p:txBody>
-          <a:bodyPr rtlCol="0" anchor="ctr"/>
-          <a:lstStyle/>
-          <a:p>
-            <a:pPr algn="ctr"/>
-            <a:r>
-              <a:rPr lang="en-US" altLang="zh-CN" dirty="0" smtClean="0"/>
-              <a:t>task</a:t>
-            </a:r>
-            <a:endParaRPr lang="zh-CN" altLang="en-US" dirty="0"/>
-          </a:p>
-        </p:txBody>
-      </p:sp>
-      <p:cxnSp>
-        <p:nvCxnSpPr>
-          <p:cNvPr id="24" name="直接箭头连接符 23"/>
-          <p:cNvCxnSpPr>
-            <a:stCxn id="7" idx="4"/>
-          </p:cNvCxnSpPr>
-          <p:nvPr/>
-        </p:nvCxnSpPr>
-        <p:spPr>
-          <a:xfrm flipV="1">
-            <a:off x="3203848" y="2744924"/>
-            <a:ext cx="1512168" cy="936104"/>
-          </a:xfrm>
-          <a:prstGeom prst="straightConnector1">
-            <a:avLst/>
-          </a:prstGeom>
-          <a:ln>
-            <a:tailEnd type="arrow"/>
-          </a:ln>
-        </p:spPr>
-        <p:style>
-          <a:lnRef idx="2">
-            <a:schemeClr val="accent6"/>
-          </a:lnRef>
-          <a:fillRef idx="0">
-            <a:schemeClr val="accent6"/>
-          </a:fillRef>
-          <a:effectRef idx="1">
-            <a:schemeClr val="accent6"/>
-          </a:effectRef>
-          <a:fontRef idx="minor">
-            <a:schemeClr val="tx1"/>
-          </a:fontRef>
-        </p:style>
-      </p:cxnSp>
-      <p:cxnSp>
-        <p:nvCxnSpPr>
-          <p:cNvPr id="26" name="直接箭头连接符 25"/>
-          <p:cNvCxnSpPr>
-            <a:stCxn id="7" idx="4"/>
-          </p:cNvCxnSpPr>
-          <p:nvPr/>
-        </p:nvCxnSpPr>
-        <p:spPr>
-          <a:xfrm>
-            <a:off x="3203848" y="3681028"/>
-            <a:ext cx="1512168" cy="328228"/>
-          </a:xfrm>
-          <a:prstGeom prst="straightConnector1">
-            <a:avLst/>
-          </a:prstGeom>
-          <a:ln>
-            <a:tailEnd type="arrow"/>
-          </a:ln>
-        </p:spPr>
-        <p:style>
-          <a:lnRef idx="2">
-            <a:schemeClr val="accent6"/>
-          </a:lnRef>
-          <a:fillRef idx="0">
-            <a:schemeClr val="accent6"/>
-          </a:fillRef>
-          <a:effectRef idx="1">
-            <a:schemeClr val="accent6"/>
-          </a:effectRef>
-          <a:fontRef idx="minor">
-            <a:schemeClr val="tx1"/>
-          </a:fontRef>
-        </p:style>
-      </p:cxnSp>
-      <p:cxnSp>
-        <p:nvCxnSpPr>
-          <p:cNvPr id="28" name="直接箭头连接符 27"/>
-          <p:cNvCxnSpPr>
-            <a:endCxn id="21" idx="2"/>
-          </p:cNvCxnSpPr>
-          <p:nvPr/>
-        </p:nvCxnSpPr>
-        <p:spPr>
-          <a:xfrm>
-            <a:off x="3203848" y="3681028"/>
-            <a:ext cx="2520280" cy="1296144"/>
-          </a:xfrm>
-          <a:prstGeom prst="straightConnector1">
-            <a:avLst/>
-          </a:prstGeom>
-          <a:ln>
-            <a:tailEnd type="arrow"/>
-          </a:ln>
-        </p:spPr>
-        <p:style>
-          <a:lnRef idx="2">
-            <a:schemeClr val="accent6"/>
-          </a:lnRef>
-          <a:fillRef idx="0">
-            <a:schemeClr val="accent6"/>
-          </a:fillRef>
-          <a:effectRef idx="1">
-            <a:schemeClr val="accent6"/>
-          </a:effectRef>
-          <a:fontRef idx="minor">
-            <a:schemeClr val="tx1"/>
-          </a:fontRef>
-        </p:style>
-      </p:cxnSp>
-      <p:cxnSp>
-        <p:nvCxnSpPr>
-          <p:cNvPr id="31" name="直接箭头连接符 30"/>
-          <p:cNvCxnSpPr>
-            <a:stCxn id="10" idx="4"/>
-          </p:cNvCxnSpPr>
-          <p:nvPr/>
-        </p:nvCxnSpPr>
-        <p:spPr>
-          <a:xfrm flipV="1">
-            <a:off x="3203848" y="2843808"/>
-            <a:ext cx="2808312" cy="2133364"/>
-          </a:xfrm>
-          <a:prstGeom prst="straightConnector1">
-            <a:avLst/>
-          </a:prstGeom>
-          <a:ln>
-            <a:tailEnd type="arrow"/>
-          </a:ln>
-        </p:spPr>
-        <p:style>
-          <a:lnRef idx="2">
-            <a:schemeClr val="accent6"/>
-          </a:lnRef>
-          <a:fillRef idx="0">
-            <a:schemeClr val="accent6"/>
-          </a:fillRef>
-          <a:effectRef idx="1">
-            <a:schemeClr val="accent6"/>
-          </a:effectRef>
-          <a:fontRef idx="minor">
-            <a:schemeClr val="tx1"/>
-          </a:fontRef>
-        </p:style>
-      </p:cxnSp>
-      <p:cxnSp>
-        <p:nvCxnSpPr>
-          <p:cNvPr id="33" name="直接箭头连接符 32"/>
-          <p:cNvCxnSpPr>
-            <a:stCxn id="10" idx="4"/>
-          </p:cNvCxnSpPr>
-          <p:nvPr/>
-        </p:nvCxnSpPr>
-        <p:spPr>
-          <a:xfrm flipV="1">
-            <a:off x="3203848" y="4000128"/>
-            <a:ext cx="2448272" cy="977044"/>
-          </a:xfrm>
-          <a:prstGeom prst="straightConnector1">
-            <a:avLst/>
-          </a:prstGeom>
-          <a:ln>
-            <a:tailEnd type="arrow"/>
-          </a:ln>
-        </p:spPr>
-        <p:style>
-          <a:lnRef idx="2">
-            <a:schemeClr val="accent6"/>
-          </a:lnRef>
-          <a:fillRef idx="0">
-            <a:schemeClr val="accent6"/>
-          </a:fillRef>
-          <a:effectRef idx="1">
-            <a:schemeClr val="accent6"/>
-          </a:effectRef>
-          <a:fontRef idx="minor">
-            <a:schemeClr val="tx1"/>
-          </a:fontRef>
-        </p:style>
-      </p:cxnSp>
-      <p:cxnSp>
-        <p:nvCxnSpPr>
-          <p:cNvPr id="35" name="直接箭头连接符 34"/>
-          <p:cNvCxnSpPr>
-            <a:stCxn id="10" idx="4"/>
-            <a:endCxn id="20" idx="2"/>
-          </p:cNvCxnSpPr>
-          <p:nvPr/>
-        </p:nvCxnSpPr>
-        <p:spPr>
-          <a:xfrm>
-            <a:off x="3203848" y="4977172"/>
-            <a:ext cx="1512168" cy="0"/>
-          </a:xfrm>
-          <a:prstGeom prst="straightConnector1">
-            <a:avLst/>
-          </a:prstGeom>
-          <a:ln>
-            <a:tailEnd type="arrow"/>
-          </a:ln>
-        </p:spPr>
-        <p:style>
-          <a:lnRef idx="2">
-            <a:schemeClr val="accent6"/>
-          </a:lnRef>
-          <a:fillRef idx="0">
-            <a:schemeClr val="accent6"/>
-          </a:fillRef>
-          <a:effectRef idx="1">
-            <a:schemeClr val="accent6"/>
-          </a:effectRef>
-          <a:fontRef idx="minor">
-            <a:schemeClr val="tx1"/>
-          </a:fontRef>
-        </p:style>
-      </p:cxnSp>
-      <p:sp>
-        <p:nvSpPr>
-          <p:cNvPr id="36" name="TextBox 35"/>
-          <p:cNvSpPr txBox="1"/>
-          <p:nvPr/>
-        </p:nvSpPr>
-        <p:spPr>
-          <a:xfrm>
-            <a:off x="4608004" y="5418832"/>
-            <a:ext cx="1584176" cy="461665"/>
-          </a:xfrm>
-          <a:prstGeom prst="rect">
-            <a:avLst/>
-          </a:prstGeom>
-          <a:noFill/>
-        </p:spPr>
-        <p:txBody>
-          <a:bodyPr wrap="square" rtlCol="0">
-            <a:spAutoFit/>
-          </a:bodyPr>
-          <a:lstStyle/>
-          <a:p>
-            <a:r>
-              <a:rPr lang="en-US" altLang="zh-CN" sz="2400" dirty="0" smtClean="0"/>
-              <a:t>tasks</a:t>
-            </a:r>
-            <a:endParaRPr lang="zh-CN" altLang="en-US" sz="2400" dirty="0"/>
-          </a:p>
-        </p:txBody>
-      </p:sp>
-      <p:sp>
-        <p:nvSpPr>
-          <p:cNvPr id="38" name="流程图: 过程 37"/>
-          <p:cNvSpPr/>
-          <p:nvPr/>
-        </p:nvSpPr>
-        <p:spPr>
-          <a:xfrm>
-            <a:off x="205396" y="1340768"/>
-            <a:ext cx="3384376" cy="1354336"/>
-          </a:xfrm>
-          <a:prstGeom prst="flowChartProcess">
-            <a:avLst/>
-          </a:prstGeom>
-        </p:spPr>
-        <p:style>
-          <a:lnRef idx="2">
-            <a:schemeClr val="accent6"/>
-          </a:lnRef>
-          <a:fillRef idx="1">
-            <a:schemeClr val="lt1"/>
-          </a:fillRef>
-          <a:effectRef idx="0">
-            <a:schemeClr val="accent6"/>
-          </a:effectRef>
-          <a:fontRef idx="minor">
-            <a:schemeClr val="dk1"/>
-          </a:fontRef>
-        </p:style>
-        <p:txBody>
-          <a:bodyPr rtlCol="0" anchor="ctr"/>
-          <a:lstStyle/>
-          <a:p>
-            <a:pPr algn="ctr"/>
-            <a:endParaRPr lang="zh-CN" altLang="en-US"/>
-          </a:p>
-        </p:txBody>
-      </p:sp>
-      <p:sp>
-        <p:nvSpPr>
-          <p:cNvPr id="39" name="TextBox 38"/>
-          <p:cNvSpPr txBox="1"/>
-          <p:nvPr/>
-        </p:nvSpPr>
-        <p:spPr>
-          <a:xfrm>
-            <a:off x="205396" y="1268760"/>
-            <a:ext cx="3255328" cy="461665"/>
-          </a:xfrm>
-          <a:prstGeom prst="rect">
-            <a:avLst/>
-          </a:prstGeom>
-          <a:noFill/>
-        </p:spPr>
-        <p:txBody>
-          <a:bodyPr wrap="square" rtlCol="0">
-            <a:spAutoFit/>
-          </a:bodyPr>
-          <a:lstStyle/>
-          <a:p>
-            <a:r>
-              <a:rPr lang="en-US" altLang="zh-CN" sz="2400" dirty="0" smtClean="0"/>
-              <a:t>Resource Manager</a:t>
-            </a:r>
-            <a:endParaRPr lang="zh-CN" altLang="en-US" sz="2400" dirty="0"/>
-          </a:p>
-        </p:txBody>
-      </p:sp>
-      <p:sp>
-        <p:nvSpPr>
-          <p:cNvPr id="40" name="流程图: 磁盘 39"/>
-          <p:cNvSpPr/>
-          <p:nvPr/>
-        </p:nvSpPr>
-        <p:spPr>
-          <a:xfrm>
-            <a:off x="394800" y="1772816"/>
-            <a:ext cx="1502784" cy="764828"/>
-          </a:xfrm>
-          <a:prstGeom prst="flowChartMagneticDisk">
-            <a:avLst/>
-          </a:prstGeom>
-        </p:spPr>
-        <p:style>
-          <a:lnRef idx="2">
-            <a:schemeClr val="accent1">
-              <a:shade val="50000"/>
-            </a:schemeClr>
-          </a:lnRef>
-          <a:fillRef idx="1">
-            <a:schemeClr val="accent1"/>
-          </a:fillRef>
-          <a:effectRef idx="0">
-            <a:schemeClr val="accent1"/>
-          </a:effectRef>
-          <a:fontRef idx="minor">
-            <a:schemeClr val="lt1"/>
-          </a:fontRef>
-        </p:style>
-        <p:txBody>
-          <a:bodyPr rtlCol="0" anchor="ctr"/>
-          <a:lstStyle/>
-          <a:p>
-            <a:pPr algn="ctr"/>
-            <a:r>
-              <a:rPr lang="en-US" altLang="zh-CN" dirty="0" smtClean="0"/>
-              <a:t>Job tracker</a:t>
-            </a:r>
-            <a:endParaRPr lang="zh-CN" altLang="en-US" dirty="0"/>
-          </a:p>
-        </p:txBody>
-      </p:sp>
-      <p:cxnSp>
-        <p:nvCxnSpPr>
-          <p:cNvPr id="44" name="肘形连接符 43"/>
-          <p:cNvCxnSpPr>
-            <a:stCxn id="40" idx="4"/>
-          </p:cNvCxnSpPr>
-          <p:nvPr/>
-        </p:nvCxnSpPr>
-        <p:spPr>
-          <a:xfrm>
-            <a:off x="1897584" y="2155230"/>
-            <a:ext cx="678618" cy="841722"/>
-          </a:xfrm>
-          <a:prstGeom prst="bentConnector2">
-            <a:avLst/>
-          </a:prstGeom>
-          <a:ln>
-            <a:headEnd type="arrow"/>
-            <a:tailEnd type="arrow"/>
-          </a:ln>
-        </p:spPr>
-        <p:style>
-          <a:lnRef idx="3">
-            <a:schemeClr val="accent6"/>
-          </a:lnRef>
-          <a:fillRef idx="0">
-            <a:schemeClr val="accent6"/>
-          </a:fillRef>
-          <a:effectRef idx="2">
-            <a:schemeClr val="accent6"/>
-          </a:effectRef>
-          <a:fontRef idx="minor">
-            <a:schemeClr val="tx1"/>
-          </a:fontRef>
-        </p:style>
-      </p:cxnSp>
-      <p:sp>
-        <p:nvSpPr>
-          <p:cNvPr id="49" name="云形标注 48"/>
-          <p:cNvSpPr/>
-          <p:nvPr/>
-        </p:nvSpPr>
-        <p:spPr>
-          <a:xfrm>
-            <a:off x="3329862" y="1274658"/>
-            <a:ext cx="4770530" cy="1195040"/>
-          </a:xfrm>
-          <a:prstGeom prst="cloudCallout">
-            <a:avLst>
-              <a:gd name="adj1" fmla="val -59743"/>
-              <a:gd name="adj2" fmla="val 5113"/>
-            </a:avLst>
-          </a:prstGeom>
-        </p:spPr>
-        <p:style>
-          <a:lnRef idx="1">
-            <a:schemeClr val="accent2"/>
-          </a:lnRef>
-          <a:fillRef idx="2">
-            <a:schemeClr val="accent2"/>
-          </a:fillRef>
-          <a:effectRef idx="1">
-            <a:schemeClr val="accent2"/>
-          </a:effectRef>
-          <a:fontRef idx="minor">
-            <a:schemeClr val="dk1"/>
-          </a:fontRef>
-        </p:style>
-        <p:txBody>
-          <a:bodyPr rtlCol="0" anchor="ctr"/>
-          <a:lstStyle/>
-          <a:p>
-            <a:r>
-              <a:rPr lang="zh-CN" altLang="en-US" sz="1600" dirty="0" smtClean="0"/>
-              <a:t>负责集群资源的管控</a:t>
-            </a:r>
-            <a:endParaRPr lang="en-US" altLang="zh-CN" sz="1600" dirty="0" smtClean="0"/>
-          </a:p>
-          <a:p>
-            <a:pPr marL="342900" indent="-342900">
-              <a:buFont typeface="+mj-lt"/>
-              <a:buAutoNum type="arabicPeriod"/>
-            </a:pPr>
-            <a:r>
-              <a:rPr lang="en-US" altLang="zh-CN" sz="1600" dirty="0" smtClean="0"/>
-              <a:t>Node manager</a:t>
-            </a:r>
-            <a:r>
-              <a:rPr lang="zh-CN" altLang="en-US" sz="1600" dirty="0" smtClean="0"/>
-              <a:t>资源分配</a:t>
-            </a:r>
-            <a:endParaRPr lang="en-US" altLang="zh-CN" sz="1600" dirty="0" smtClean="0"/>
-          </a:p>
-          <a:p>
-            <a:pPr marL="342900" indent="-342900">
-              <a:buFont typeface="+mj-lt"/>
-              <a:buAutoNum type="arabicPeriod"/>
-            </a:pPr>
-            <a:r>
-              <a:rPr lang="zh-CN" altLang="en-US" sz="1600" dirty="0" smtClean="0"/>
-              <a:t>根据索引的存储位置以及</a:t>
-            </a:r>
-            <a:r>
-              <a:rPr lang="en-US" altLang="zh-CN" sz="1600" dirty="0" smtClean="0"/>
-              <a:t>tasks</a:t>
-            </a:r>
-            <a:r>
-              <a:rPr lang="zh-CN" altLang="en-US" sz="1600" dirty="0" smtClean="0"/>
-              <a:t>的资源情况，分配</a:t>
-            </a:r>
-            <a:r>
-              <a:rPr lang="en-US" altLang="zh-CN" sz="1600" dirty="0" smtClean="0"/>
-              <a:t>task</a:t>
-            </a:r>
-          </a:p>
-        </p:txBody>
-      </p:sp>
-      <p:cxnSp>
-        <p:nvCxnSpPr>
-          <p:cNvPr id="51" name="直接箭头连接符 50"/>
-          <p:cNvCxnSpPr>
-            <a:stCxn id="5" idx="4"/>
-            <a:endCxn id="7" idx="2"/>
-          </p:cNvCxnSpPr>
-          <p:nvPr/>
-        </p:nvCxnSpPr>
-        <p:spPr>
-          <a:xfrm>
-            <a:off x="1350244" y="3681028"/>
-            <a:ext cx="1133524" cy="0"/>
-          </a:xfrm>
-          <a:prstGeom prst="straightConnector1">
-            <a:avLst/>
-          </a:prstGeom>
-          <a:ln>
-            <a:tailEnd type="arrow"/>
-          </a:ln>
-        </p:spPr>
-        <p:style>
-          <a:lnRef idx="3">
-            <a:schemeClr val="accent6"/>
-          </a:lnRef>
-          <a:fillRef idx="0">
-            <a:schemeClr val="accent6"/>
-          </a:fillRef>
-          <a:effectRef idx="2">
-            <a:schemeClr val="accent6"/>
-          </a:effectRef>
-          <a:fontRef idx="minor">
-            <a:schemeClr val="tx1"/>
-          </a:fontRef>
-        </p:style>
-      </p:cxnSp>
-      <p:cxnSp>
-        <p:nvCxnSpPr>
-          <p:cNvPr id="53" name="直接箭头连接符 52"/>
-          <p:cNvCxnSpPr/>
-          <p:nvPr/>
-        </p:nvCxnSpPr>
-        <p:spPr>
-          <a:xfrm>
-            <a:off x="1350244" y="3681028"/>
-            <a:ext cx="1133524" cy="1296144"/>
-          </a:xfrm>
-          <a:prstGeom prst="straightConnector1">
-            <a:avLst/>
-          </a:prstGeom>
-          <a:ln>
-            <a:tailEnd type="arrow"/>
-          </a:ln>
-        </p:spPr>
-        <p:style>
-          <a:lnRef idx="3">
-            <a:schemeClr val="accent6"/>
-          </a:lnRef>
-          <a:fillRef idx="0">
-            <a:schemeClr val="accent6"/>
-          </a:fillRef>
-          <a:effectRef idx="2">
-            <a:schemeClr val="accent6"/>
-          </a:effectRef>
-          <a:fontRef idx="minor">
-            <a:schemeClr val="tx1"/>
-          </a:fontRef>
-        </p:style>
-      </p:cxnSp>
-      <p:cxnSp>
-        <p:nvCxnSpPr>
-          <p:cNvPr id="55" name="直接箭头连接符 54"/>
-          <p:cNvCxnSpPr>
-            <a:stCxn id="5" idx="4"/>
-            <a:endCxn id="9" idx="2"/>
-          </p:cNvCxnSpPr>
-          <p:nvPr/>
-        </p:nvCxnSpPr>
-        <p:spPr>
-          <a:xfrm>
-            <a:off x="1350244" y="3681028"/>
-            <a:ext cx="197420" cy="1296144"/>
-          </a:xfrm>
-          <a:prstGeom prst="straightConnector1">
-            <a:avLst/>
-          </a:prstGeom>
-          <a:ln>
-            <a:tailEnd type="arrow"/>
-          </a:ln>
-        </p:spPr>
-        <p:style>
-          <a:lnRef idx="3">
-            <a:schemeClr val="accent6"/>
-          </a:lnRef>
-          <a:fillRef idx="0">
-            <a:schemeClr val="accent6"/>
-          </a:fillRef>
-          <a:effectRef idx="2">
-            <a:schemeClr val="accent6"/>
-          </a:effectRef>
-          <a:fontRef idx="minor">
-            <a:schemeClr val="tx1"/>
-          </a:fontRef>
-        </p:style>
-      </p:cxnSp>
-      <p:sp>
-        <p:nvSpPr>
-          <p:cNvPr id="58" name="云形标注 57"/>
-          <p:cNvSpPr/>
-          <p:nvPr/>
-        </p:nvSpPr>
-        <p:spPr>
-          <a:xfrm>
-            <a:off x="3473878" y="4895291"/>
-            <a:ext cx="4626514" cy="1790327"/>
-          </a:xfrm>
-          <a:prstGeom prst="cloudCallout">
-            <a:avLst>
-              <a:gd name="adj1" fmla="val -59743"/>
-              <a:gd name="adj2" fmla="val 5113"/>
-            </a:avLst>
-          </a:prstGeom>
-        </p:spPr>
-        <p:style>
-          <a:lnRef idx="1">
-            <a:schemeClr val="accent2"/>
-          </a:lnRef>
-          <a:fillRef idx="2">
-            <a:schemeClr val="accent2"/>
-          </a:fillRef>
-          <a:effectRef idx="1">
-            <a:schemeClr val="accent2"/>
-          </a:effectRef>
-          <a:fontRef idx="minor">
-            <a:schemeClr val="dk1"/>
-          </a:fontRef>
-        </p:style>
-        <p:txBody>
-          <a:bodyPr rtlCol="0" anchor="ctr"/>
-          <a:lstStyle/>
-          <a:p>
-            <a:r>
-              <a:rPr lang="en-US" altLang="zh-CN" dirty="0" smtClean="0"/>
-              <a:t>1.</a:t>
-            </a:r>
-            <a:r>
-              <a:rPr lang="zh-CN" altLang="en-US" dirty="0" smtClean="0"/>
-              <a:t>负责</a:t>
-            </a:r>
-            <a:r>
-              <a:rPr lang="en-US" altLang="zh-CN" dirty="0" smtClean="0"/>
-              <a:t>task</a:t>
-            </a:r>
-            <a:r>
-              <a:rPr lang="zh-CN" altLang="en-US" dirty="0" smtClean="0"/>
-              <a:t>的调度</a:t>
-            </a:r>
-            <a:endParaRPr lang="en-US" altLang="zh-CN" dirty="0" smtClean="0"/>
-          </a:p>
-          <a:p>
-            <a:r>
-              <a:rPr lang="en-US" altLang="zh-CN" dirty="0" smtClean="0"/>
-              <a:t>2.</a:t>
-            </a:r>
-            <a:r>
-              <a:rPr lang="zh-CN" altLang="en-US" dirty="0" smtClean="0"/>
-              <a:t>合并</a:t>
-            </a:r>
-            <a:r>
-              <a:rPr lang="en-US" altLang="zh-CN" dirty="0" smtClean="0"/>
-              <a:t>task</a:t>
-            </a:r>
-            <a:r>
-              <a:rPr lang="zh-CN" altLang="en-US" dirty="0" smtClean="0"/>
-              <a:t>的结果。</a:t>
-            </a:r>
-            <a:endParaRPr lang="en-US" altLang="zh-CN" dirty="0" smtClean="0"/>
-          </a:p>
-          <a:p>
-            <a:r>
-              <a:rPr lang="en-US" altLang="zh-CN" dirty="0" smtClean="0"/>
-              <a:t>3.</a:t>
-            </a:r>
-            <a:r>
-              <a:rPr lang="zh-CN" altLang="en-US" dirty="0" smtClean="0"/>
-              <a:t>失败和较慢</a:t>
-            </a:r>
-            <a:r>
-              <a:rPr lang="en-US" altLang="zh-CN" dirty="0" smtClean="0"/>
-              <a:t>Task</a:t>
-            </a:r>
-            <a:r>
-              <a:rPr lang="zh-CN" altLang="en-US" dirty="0" smtClean="0"/>
-              <a:t>的重试。</a:t>
-            </a:r>
-            <a:endParaRPr lang="en-US" altLang="zh-CN" dirty="0" smtClean="0"/>
-          </a:p>
-          <a:p>
-            <a:r>
-              <a:rPr lang="en-US" altLang="zh-CN" dirty="0" smtClean="0"/>
-              <a:t>4.</a:t>
-            </a:r>
-            <a:r>
-              <a:rPr lang="zh-CN" altLang="en-US" dirty="0" smtClean="0"/>
-              <a:t>处理的</a:t>
-            </a:r>
-            <a:r>
-              <a:rPr lang="en-US" altLang="zh-CN" dirty="0" smtClean="0"/>
-              <a:t>task</a:t>
-            </a:r>
-            <a:r>
-              <a:rPr lang="zh-CN" altLang="en-US" dirty="0" smtClean="0"/>
-              <a:t>是根</a:t>
-            </a:r>
-            <a:r>
-              <a:rPr lang="en-US" altLang="zh-CN" dirty="0" smtClean="0"/>
-              <a:t>resource manager </a:t>
-            </a:r>
-            <a:r>
-              <a:rPr lang="zh-CN" altLang="en-US" smtClean="0"/>
-              <a:t>申请的</a:t>
-            </a:r>
-            <a:endParaRPr lang="zh-CN" altLang="en-US" dirty="0"/>
-          </a:p>
-        </p:txBody>
-      </p:sp>
-      <p:sp>
-        <p:nvSpPr>
-          <p:cNvPr id="59" name="流程图: 过程 58"/>
-          <p:cNvSpPr/>
-          <p:nvPr/>
-        </p:nvSpPr>
-        <p:spPr>
-          <a:xfrm>
-            <a:off x="224818" y="996753"/>
-            <a:ext cx="3384376" cy="5093566"/>
-          </a:xfrm>
-          <a:prstGeom prst="flowChartProcess">
-            <a:avLst/>
-          </a:prstGeom>
-        </p:spPr>
-        <p:style>
-          <a:lnRef idx="2">
-            <a:schemeClr val="accent6"/>
-          </a:lnRef>
-          <a:fillRef idx="1">
-            <a:schemeClr val="lt1"/>
-          </a:fillRef>
-          <a:effectRef idx="0">
-            <a:schemeClr val="accent6"/>
-          </a:effectRef>
-          <a:fontRef idx="minor">
-            <a:schemeClr val="dk1"/>
-          </a:fontRef>
-        </p:style>
-        <p:txBody>
-          <a:bodyPr rtlCol="0" anchor="ctr"/>
-          <a:lstStyle/>
-          <a:p>
-            <a:pPr algn="ctr"/>
-            <a:endParaRPr lang="zh-CN" altLang="en-US" dirty="0"/>
-          </a:p>
-        </p:txBody>
-      </p:sp>
-      <p:sp>
-        <p:nvSpPr>
-          <p:cNvPr id="60" name="TextBox 59"/>
-          <p:cNvSpPr txBox="1"/>
-          <p:nvPr/>
-        </p:nvSpPr>
-        <p:spPr>
-          <a:xfrm>
-            <a:off x="1570962" y="1151530"/>
-            <a:ext cx="1758900" cy="369332"/>
-          </a:xfrm>
-          <a:prstGeom prst="rect">
-            <a:avLst/>
-          </a:prstGeom>
-          <a:noFill/>
-        </p:spPr>
-        <p:txBody>
-          <a:bodyPr wrap="square" rtlCol="0">
-            <a:spAutoFit/>
-          </a:bodyPr>
-          <a:lstStyle/>
-          <a:p>
-            <a:r>
-              <a:rPr lang="en-US" altLang="zh-CN" dirty="0" err="1" smtClean="0"/>
-              <a:t>Hadoop</a:t>
-            </a:r>
-            <a:r>
-              <a:rPr lang="en-US" altLang="zh-CN" dirty="0" smtClean="0"/>
-              <a:t> </a:t>
-            </a:r>
-            <a:r>
-              <a:rPr lang="en-US" altLang="zh-CN" dirty="0" err="1" smtClean="0"/>
-              <a:t>hdfs</a:t>
-            </a:r>
-            <a:endParaRPr lang="zh-CN" altLang="en-US" dirty="0"/>
-          </a:p>
-        </p:txBody>
-      </p:sp>
-      <p:sp>
-        <p:nvSpPr>
-          <p:cNvPr id="62" name="五边形 61"/>
-          <p:cNvSpPr/>
-          <p:nvPr/>
-        </p:nvSpPr>
-        <p:spPr>
-          <a:xfrm>
-            <a:off x="1156916" y="1677944"/>
-            <a:ext cx="1758900" cy="453504"/>
-          </a:xfrm>
-          <a:prstGeom prst="homePlate">
-            <a:avLst/>
-          </a:prstGeom>
-        </p:spPr>
-        <p:style>
-          <a:lnRef idx="2">
-            <a:schemeClr val="accent1">
-              <a:shade val="50000"/>
-            </a:schemeClr>
-          </a:lnRef>
-          <a:fillRef idx="1">
-            <a:schemeClr val="accent1"/>
-          </a:fillRef>
-          <a:effectRef idx="0">
-            <a:schemeClr val="accent1"/>
-          </a:effectRef>
-          <a:fontRef idx="minor">
-            <a:schemeClr val="lt1"/>
-          </a:fontRef>
-        </p:style>
-        <p:txBody>
-          <a:bodyPr rtlCol="0" anchor="ctr"/>
-          <a:lstStyle/>
-          <a:p>
-            <a:pPr algn="ctr"/>
-            <a:r>
-              <a:rPr lang="zh-CN" altLang="en-US" dirty="0" smtClean="0"/>
-              <a:t>索引块</a:t>
-            </a:r>
-            <a:r>
-              <a:rPr lang="en-US" altLang="zh-CN" dirty="0" smtClean="0"/>
-              <a:t>1</a:t>
-            </a:r>
-            <a:endParaRPr lang="zh-CN" altLang="en-US" dirty="0"/>
-          </a:p>
-        </p:txBody>
-      </p:sp>
-      <p:sp>
-        <p:nvSpPr>
-          <p:cNvPr id="63" name="五边形 62"/>
-          <p:cNvSpPr/>
-          <p:nvPr/>
-        </p:nvSpPr>
-        <p:spPr>
-          <a:xfrm>
-            <a:off x="1156916" y="2369797"/>
-            <a:ext cx="1758900" cy="453504"/>
-          </a:xfrm>
-          <a:prstGeom prst="homePlate">
-            <a:avLst/>
-          </a:prstGeom>
-        </p:spPr>
-        <p:style>
-          <a:lnRef idx="2">
-            <a:schemeClr val="accent1">
-              <a:shade val="50000"/>
-            </a:schemeClr>
-          </a:lnRef>
-          <a:fillRef idx="1">
-            <a:schemeClr val="accent1"/>
-          </a:fillRef>
-          <a:effectRef idx="0">
-            <a:schemeClr val="accent1"/>
-          </a:effectRef>
-          <a:fontRef idx="minor">
-            <a:schemeClr val="lt1"/>
-          </a:fontRef>
-        </p:style>
-        <p:txBody>
-          <a:bodyPr rtlCol="0" anchor="ctr"/>
-          <a:lstStyle/>
-          <a:p>
-            <a:pPr algn="ctr"/>
-            <a:r>
-              <a:rPr lang="zh-CN" altLang="en-US" dirty="0"/>
-              <a:t>索引块</a:t>
-            </a:r>
-            <a:r>
-              <a:rPr lang="en-US" altLang="zh-CN" dirty="0" smtClean="0"/>
-              <a:t>2</a:t>
-            </a:r>
-            <a:endParaRPr lang="zh-CN" altLang="en-US" dirty="0"/>
-          </a:p>
-        </p:txBody>
-      </p:sp>
-      <p:sp>
-        <p:nvSpPr>
-          <p:cNvPr id="64" name="五边形 63"/>
-          <p:cNvSpPr/>
-          <p:nvPr/>
-        </p:nvSpPr>
-        <p:spPr>
-          <a:xfrm>
-            <a:off x="1156916" y="2959540"/>
-            <a:ext cx="1758900" cy="453504"/>
-          </a:xfrm>
-          <a:prstGeom prst="homePlate">
-            <a:avLst/>
-          </a:prstGeom>
-        </p:spPr>
-        <p:style>
-          <a:lnRef idx="2">
-            <a:schemeClr val="accent1">
-              <a:shade val="50000"/>
-            </a:schemeClr>
-          </a:lnRef>
-          <a:fillRef idx="1">
-            <a:schemeClr val="accent1"/>
-          </a:fillRef>
-          <a:effectRef idx="0">
-            <a:schemeClr val="accent1"/>
-          </a:effectRef>
-          <a:fontRef idx="minor">
-            <a:schemeClr val="lt1"/>
-          </a:fontRef>
-        </p:style>
-        <p:txBody>
-          <a:bodyPr rtlCol="0" anchor="ctr"/>
-          <a:lstStyle/>
-          <a:p>
-            <a:pPr algn="ctr"/>
-            <a:r>
-              <a:rPr lang="zh-CN" altLang="en-US" dirty="0"/>
-              <a:t>索引块</a:t>
-            </a:r>
-            <a:r>
-              <a:rPr lang="en-US" altLang="zh-CN" dirty="0" smtClean="0"/>
-              <a:t>3</a:t>
-            </a:r>
-            <a:endParaRPr lang="zh-CN" altLang="en-US" dirty="0"/>
-          </a:p>
-        </p:txBody>
-      </p:sp>
-      <p:sp>
-        <p:nvSpPr>
-          <p:cNvPr id="65" name="五边形 64"/>
-          <p:cNvSpPr/>
-          <p:nvPr/>
-        </p:nvSpPr>
-        <p:spPr>
-          <a:xfrm>
-            <a:off x="1156916" y="3539796"/>
-            <a:ext cx="1758900" cy="453504"/>
-          </a:xfrm>
-          <a:prstGeom prst="homePlate">
-            <a:avLst/>
-          </a:prstGeom>
-        </p:spPr>
-        <p:style>
-          <a:lnRef idx="2">
-            <a:schemeClr val="accent1">
-              <a:shade val="50000"/>
-            </a:schemeClr>
-          </a:lnRef>
-          <a:fillRef idx="1">
-            <a:schemeClr val="accent1"/>
-          </a:fillRef>
-          <a:effectRef idx="0">
-            <a:schemeClr val="accent1"/>
-          </a:effectRef>
-          <a:fontRef idx="minor">
-            <a:schemeClr val="lt1"/>
-          </a:fontRef>
-        </p:style>
-        <p:txBody>
-          <a:bodyPr rtlCol="0" anchor="ctr"/>
-          <a:lstStyle/>
-          <a:p>
-            <a:pPr algn="ctr"/>
-            <a:r>
-              <a:rPr lang="zh-CN" altLang="en-US" dirty="0"/>
-              <a:t>索引块</a:t>
-            </a:r>
-            <a:r>
-              <a:rPr lang="en-US" altLang="zh-CN" dirty="0" smtClean="0"/>
-              <a:t>4</a:t>
-            </a:r>
-            <a:endParaRPr lang="zh-CN" altLang="en-US" dirty="0"/>
-          </a:p>
-        </p:txBody>
-      </p:sp>
-      <p:sp>
-        <p:nvSpPr>
-          <p:cNvPr id="66" name="五边形 65"/>
-          <p:cNvSpPr/>
-          <p:nvPr/>
-        </p:nvSpPr>
-        <p:spPr>
-          <a:xfrm>
-            <a:off x="1156916" y="4136944"/>
-            <a:ext cx="1758900" cy="453504"/>
-          </a:xfrm>
-          <a:prstGeom prst="homePlate">
-            <a:avLst/>
-          </a:prstGeom>
-        </p:spPr>
-        <p:style>
-          <a:lnRef idx="2">
-            <a:schemeClr val="accent1">
-              <a:shade val="50000"/>
-            </a:schemeClr>
-          </a:lnRef>
-          <a:fillRef idx="1">
-            <a:schemeClr val="accent1"/>
-          </a:fillRef>
-          <a:effectRef idx="0">
-            <a:schemeClr val="accent1"/>
-          </a:effectRef>
-          <a:fontRef idx="minor">
-            <a:schemeClr val="lt1"/>
-          </a:fontRef>
-        </p:style>
-        <p:txBody>
-          <a:bodyPr rtlCol="0" anchor="ctr"/>
-          <a:lstStyle/>
-          <a:p>
-            <a:pPr algn="ctr"/>
-            <a:r>
-              <a:rPr lang="zh-CN" altLang="en-US" dirty="0"/>
-              <a:t>索引块</a:t>
-            </a:r>
-            <a:r>
-              <a:rPr lang="en-US" altLang="zh-CN" dirty="0" smtClean="0"/>
-              <a:t>5</a:t>
-            </a:r>
-            <a:endParaRPr lang="zh-CN" altLang="en-US" dirty="0"/>
-          </a:p>
-        </p:txBody>
-      </p:sp>
-      <p:sp>
-        <p:nvSpPr>
-          <p:cNvPr id="67" name="五边形 66"/>
-          <p:cNvSpPr/>
-          <p:nvPr/>
-        </p:nvSpPr>
-        <p:spPr>
-          <a:xfrm>
-            <a:off x="1172270" y="4759740"/>
-            <a:ext cx="1758900" cy="453504"/>
-          </a:xfrm>
-          <a:prstGeom prst="homePlate">
-            <a:avLst/>
-          </a:prstGeom>
-        </p:spPr>
-        <p:style>
-          <a:lnRef idx="2">
-            <a:schemeClr val="accent1">
-              <a:shade val="50000"/>
-            </a:schemeClr>
-          </a:lnRef>
-          <a:fillRef idx="1">
-            <a:schemeClr val="accent1"/>
-          </a:fillRef>
-          <a:effectRef idx="0">
-            <a:schemeClr val="accent1"/>
-          </a:effectRef>
-          <a:fontRef idx="minor">
-            <a:schemeClr val="lt1"/>
-          </a:fontRef>
-        </p:style>
-        <p:txBody>
-          <a:bodyPr rtlCol="0" anchor="ctr"/>
-          <a:lstStyle/>
-          <a:p>
-            <a:pPr algn="ctr"/>
-            <a:r>
-              <a:rPr lang="zh-CN" altLang="en-US" dirty="0"/>
-              <a:t>索引块</a:t>
-            </a:r>
-            <a:r>
-              <a:rPr lang="en-US" altLang="zh-CN" dirty="0" smtClean="0"/>
-              <a:t>6</a:t>
-            </a:r>
-            <a:endParaRPr lang="zh-CN" altLang="en-US" dirty="0"/>
-          </a:p>
-        </p:txBody>
-      </p:sp>
-      <p:cxnSp>
-        <p:nvCxnSpPr>
-          <p:cNvPr id="71" name="直接箭头连接符 70"/>
-          <p:cNvCxnSpPr>
-            <a:stCxn id="18" idx="1"/>
-            <a:endCxn id="62" idx="3"/>
-          </p:cNvCxnSpPr>
-          <p:nvPr/>
-        </p:nvCxnSpPr>
-        <p:spPr>
-          <a:xfrm flipH="1" flipV="1">
-            <a:off x="2915816" y="1904696"/>
-            <a:ext cx="3096344" cy="1380288"/>
-          </a:xfrm>
-          <a:prstGeom prst="straightConnector1">
-            <a:avLst/>
-          </a:prstGeom>
-          <a:ln>
-            <a:solidFill>
-              <a:srgbClr val="FF0000"/>
-            </a:solidFill>
-            <a:tailEnd type="arrow"/>
-          </a:ln>
-        </p:spPr>
-        <p:style>
-          <a:lnRef idx="3">
-            <a:schemeClr val="accent6"/>
-          </a:lnRef>
-          <a:fillRef idx="0">
-            <a:schemeClr val="accent6"/>
-          </a:fillRef>
-          <a:effectRef idx="2">
-            <a:schemeClr val="accent6"/>
-          </a:effectRef>
-          <a:fontRef idx="minor">
-            <a:schemeClr val="tx1"/>
-          </a:fontRef>
-        </p:style>
-      </p:cxnSp>
-      <p:cxnSp>
-        <p:nvCxnSpPr>
-          <p:cNvPr id="73" name="直接箭头连接符 72"/>
-          <p:cNvCxnSpPr>
-            <a:stCxn id="15" idx="2"/>
-            <a:endCxn id="63" idx="3"/>
-          </p:cNvCxnSpPr>
-          <p:nvPr/>
-        </p:nvCxnSpPr>
-        <p:spPr>
-          <a:xfrm flipH="1">
-            <a:off x="2915816" y="2528900"/>
-            <a:ext cx="2808312" cy="67649"/>
-          </a:xfrm>
-          <a:prstGeom prst="straightConnector1">
-            <a:avLst/>
-          </a:prstGeom>
-          <a:ln>
-            <a:solidFill>
-              <a:srgbClr val="FF0000"/>
-            </a:solidFill>
-            <a:tailEnd type="arrow"/>
-          </a:ln>
-        </p:spPr>
-        <p:style>
-          <a:lnRef idx="3">
-            <a:schemeClr val="accent6"/>
-          </a:lnRef>
-          <a:fillRef idx="0">
-            <a:schemeClr val="accent6"/>
-          </a:fillRef>
-          <a:effectRef idx="2">
-            <a:schemeClr val="accent6"/>
-          </a:effectRef>
-          <a:fontRef idx="minor">
-            <a:schemeClr val="tx1"/>
-          </a:fontRef>
-        </p:style>
-      </p:cxnSp>
-      <p:cxnSp>
-        <p:nvCxnSpPr>
-          <p:cNvPr id="75" name="直接箭头连接符 74"/>
-          <p:cNvCxnSpPr>
-            <a:stCxn id="16" idx="2"/>
-            <a:endCxn id="64" idx="3"/>
-          </p:cNvCxnSpPr>
-          <p:nvPr/>
-        </p:nvCxnSpPr>
-        <p:spPr>
-          <a:xfrm flipH="1">
-            <a:off x="2915816" y="2528900"/>
-            <a:ext cx="3816424" cy="657392"/>
-          </a:xfrm>
-          <a:prstGeom prst="straightConnector1">
-            <a:avLst/>
-          </a:prstGeom>
-          <a:ln>
-            <a:solidFill>
-              <a:srgbClr val="FF0000"/>
-            </a:solidFill>
-            <a:tailEnd type="arrow"/>
-          </a:ln>
-        </p:spPr>
-        <p:style>
-          <a:lnRef idx="3">
-            <a:schemeClr val="accent6"/>
-          </a:lnRef>
-          <a:fillRef idx="0">
-            <a:schemeClr val="accent6"/>
-          </a:fillRef>
-          <a:effectRef idx="2">
-            <a:schemeClr val="accent6"/>
-          </a:effectRef>
-          <a:fontRef idx="minor">
-            <a:schemeClr val="tx1"/>
-          </a:fontRef>
-        </p:style>
-      </p:cxnSp>
-      <p:cxnSp>
-        <p:nvCxnSpPr>
-          <p:cNvPr id="77" name="直接箭头连接符 76"/>
-          <p:cNvCxnSpPr>
-            <a:stCxn id="17" idx="2"/>
-            <a:endCxn id="65" idx="3"/>
-          </p:cNvCxnSpPr>
-          <p:nvPr/>
-        </p:nvCxnSpPr>
-        <p:spPr>
-          <a:xfrm flipH="1">
-            <a:off x="2915816" y="3753036"/>
-            <a:ext cx="3822104" cy="13512"/>
-          </a:xfrm>
-          <a:prstGeom prst="straightConnector1">
-            <a:avLst/>
-          </a:prstGeom>
-          <a:ln>
-            <a:solidFill>
-              <a:srgbClr val="FF0000"/>
-            </a:solidFill>
-            <a:tailEnd type="arrow"/>
-          </a:ln>
-        </p:spPr>
-        <p:style>
-          <a:lnRef idx="3">
-            <a:schemeClr val="accent6"/>
-          </a:lnRef>
-          <a:fillRef idx="0">
-            <a:schemeClr val="accent6"/>
-          </a:fillRef>
-          <a:effectRef idx="2">
-            <a:schemeClr val="accent6"/>
-          </a:effectRef>
-          <a:fontRef idx="minor">
-            <a:schemeClr val="tx1"/>
-          </a:fontRef>
-        </p:style>
-      </p:cxnSp>
-      <p:cxnSp>
-        <p:nvCxnSpPr>
-          <p:cNvPr id="79" name="直接箭头连接符 78"/>
-          <p:cNvCxnSpPr>
-            <a:stCxn id="21" idx="2"/>
-            <a:endCxn id="66" idx="3"/>
-          </p:cNvCxnSpPr>
-          <p:nvPr/>
-        </p:nvCxnSpPr>
-        <p:spPr>
-          <a:xfrm flipH="1" flipV="1">
-            <a:off x="2915816" y="4363696"/>
-            <a:ext cx="2808312" cy="613476"/>
-          </a:xfrm>
-          <a:prstGeom prst="straightConnector1">
-            <a:avLst/>
-          </a:prstGeom>
-          <a:ln>
-            <a:solidFill>
-              <a:srgbClr val="FF0000"/>
-            </a:solidFill>
-            <a:tailEnd type="arrow"/>
-          </a:ln>
-        </p:spPr>
-        <p:style>
-          <a:lnRef idx="3">
-            <a:schemeClr val="accent6"/>
-          </a:lnRef>
-          <a:fillRef idx="0">
-            <a:schemeClr val="accent6"/>
-          </a:fillRef>
-          <a:effectRef idx="2">
-            <a:schemeClr val="accent6"/>
-          </a:effectRef>
-          <a:fontRef idx="minor">
-            <a:schemeClr val="tx1"/>
-          </a:fontRef>
-        </p:style>
-      </p:cxnSp>
-      <p:cxnSp>
-        <p:nvCxnSpPr>
-          <p:cNvPr id="81" name="直接箭头连接符 80"/>
-          <p:cNvCxnSpPr>
-            <a:stCxn id="20" idx="2"/>
-            <a:endCxn id="67" idx="3"/>
-          </p:cNvCxnSpPr>
-          <p:nvPr/>
-        </p:nvCxnSpPr>
-        <p:spPr>
-          <a:xfrm flipH="1">
-            <a:off x="2931170" y="4977172"/>
-            <a:ext cx="1784846" cy="9320"/>
-          </a:xfrm>
-          <a:prstGeom prst="straightConnector1">
-            <a:avLst/>
-          </a:prstGeom>
-          <a:ln>
-            <a:solidFill>
-              <a:srgbClr val="FF0000"/>
-            </a:solidFill>
-            <a:tailEnd type="arrow"/>
-          </a:ln>
-        </p:spPr>
-        <p:style>
-          <a:lnRef idx="3">
-            <a:schemeClr val="accent6"/>
-          </a:lnRef>
-          <a:fillRef idx="0">
-            <a:schemeClr val="accent6"/>
-          </a:fillRef>
-          <a:effectRef idx="2">
-            <a:schemeClr val="accent6"/>
-          </a:effectRef>
-          <a:fontRef idx="minor">
-            <a:schemeClr val="tx1"/>
-          </a:fontRef>
-        </p:style>
-      </p:cxnSp>
-      <p:sp>
-        <p:nvSpPr>
-          <p:cNvPr id="95" name="云形标注 94"/>
-          <p:cNvSpPr/>
-          <p:nvPr/>
-        </p:nvSpPr>
-        <p:spPr>
-          <a:xfrm>
-            <a:off x="2043020" y="3284984"/>
-            <a:ext cx="3113744" cy="2470378"/>
-          </a:xfrm>
-          <a:prstGeom prst="cloudCallout">
-            <a:avLst>
-              <a:gd name="adj1" fmla="val 59109"/>
-              <a:gd name="adj2" fmla="val 34351"/>
-            </a:avLst>
-          </a:prstGeom>
-        </p:spPr>
-        <p:style>
-          <a:lnRef idx="1">
-            <a:schemeClr val="accent2"/>
-          </a:lnRef>
-          <a:fillRef idx="2">
-            <a:schemeClr val="accent2"/>
-          </a:fillRef>
-          <a:effectRef idx="1">
-            <a:schemeClr val="accent2"/>
-          </a:effectRef>
-          <a:fontRef idx="minor">
-            <a:schemeClr val="dk1"/>
-          </a:fontRef>
-        </p:style>
-        <p:txBody>
-          <a:bodyPr rtlCol="0" anchor="ctr"/>
-          <a:lstStyle/>
-          <a:p>
-            <a:r>
-              <a:rPr lang="en-US" altLang="zh-CN" dirty="0" smtClean="0"/>
-              <a:t>Task</a:t>
-            </a:r>
-            <a:r>
-              <a:rPr lang="zh-CN" altLang="en-US" dirty="0" smtClean="0"/>
-              <a:t>不在固定的负责</a:t>
-            </a:r>
-            <a:r>
-              <a:rPr lang="zh-CN" altLang="en-US" dirty="0"/>
-              <a:t>特定</a:t>
-            </a:r>
-            <a:r>
-              <a:rPr lang="zh-CN" altLang="en-US" dirty="0" smtClean="0"/>
-              <a:t>的索引</a:t>
-            </a:r>
-            <a:endParaRPr lang="en-US" altLang="zh-CN" dirty="0" smtClean="0"/>
-          </a:p>
-          <a:p>
-            <a:r>
-              <a:rPr lang="zh-CN" altLang="en-US" dirty="0" smtClean="0"/>
-              <a:t>实际上仅仅是一个计算单元</a:t>
-            </a:r>
-            <a:endParaRPr lang="en-US" altLang="zh-CN" dirty="0" smtClean="0"/>
-          </a:p>
-          <a:p>
-            <a:r>
-              <a:rPr lang="zh-CN" altLang="en-US" dirty="0" smtClean="0"/>
-              <a:t>每次计算一个索引块</a:t>
-            </a:r>
-            <a:endParaRPr lang="zh-CN" altLang="en-US" dirty="0"/>
-          </a:p>
-        </p:txBody>
-      </p:sp>
-      <p:sp>
-        <p:nvSpPr>
-          <p:cNvPr id="96" name="云形标注 95"/>
-          <p:cNvSpPr/>
-          <p:nvPr/>
-        </p:nvSpPr>
-        <p:spPr>
-          <a:xfrm>
-            <a:off x="2413698" y="1243638"/>
-            <a:ext cx="6622798" cy="1579663"/>
-          </a:xfrm>
-          <a:prstGeom prst="cloudCallout">
-            <a:avLst>
-              <a:gd name="adj1" fmla="val -39620"/>
-              <a:gd name="adj2" fmla="val -42314"/>
-            </a:avLst>
-          </a:prstGeom>
-        </p:spPr>
-        <p:style>
-          <a:lnRef idx="1">
-            <a:schemeClr val="accent2"/>
-          </a:lnRef>
-          <a:fillRef idx="2">
-            <a:schemeClr val="accent2"/>
-          </a:fillRef>
-          <a:effectRef idx="1">
-            <a:schemeClr val="accent2"/>
-          </a:effectRef>
-          <a:fontRef idx="minor">
-            <a:schemeClr val="dk1"/>
-          </a:fontRef>
-        </p:style>
-        <p:txBody>
-          <a:bodyPr rtlCol="0" anchor="ctr"/>
-          <a:lstStyle/>
-          <a:p>
-            <a:r>
-              <a:rPr lang="en-US" altLang="zh-CN" sz="1600" dirty="0" smtClean="0"/>
-              <a:t>1.</a:t>
-            </a:r>
-            <a:r>
-              <a:rPr lang="zh-CN" altLang="en-US" sz="1600" dirty="0" smtClean="0"/>
-              <a:t>索引块直接存储在</a:t>
-            </a:r>
-            <a:r>
-              <a:rPr lang="en-US" altLang="zh-CN" sz="1600" dirty="0" err="1" smtClean="0"/>
-              <a:t>hdfs</a:t>
-            </a:r>
-            <a:r>
-              <a:rPr lang="zh-CN" altLang="en-US" sz="1600" dirty="0" smtClean="0"/>
-              <a:t>中</a:t>
-            </a:r>
-            <a:endParaRPr lang="en-US" altLang="zh-CN" sz="1600" dirty="0" smtClean="0"/>
-          </a:p>
-          <a:p>
-            <a:r>
-              <a:rPr lang="en-US" altLang="zh-CN" sz="1600" dirty="0" smtClean="0"/>
-              <a:t>2</a:t>
-            </a:r>
-            <a:r>
-              <a:rPr lang="en-US" altLang="zh-CN" sz="1600" dirty="0"/>
-              <a:t>.</a:t>
-            </a:r>
-            <a:r>
-              <a:rPr lang="zh-CN" altLang="en-US" sz="1600" dirty="0" smtClean="0"/>
-              <a:t>通常情况下会被与之距离较近的</a:t>
-            </a:r>
-            <a:r>
-              <a:rPr lang="en-US" altLang="zh-CN" sz="1600" dirty="0" smtClean="0"/>
-              <a:t>task</a:t>
-            </a:r>
-            <a:r>
-              <a:rPr lang="zh-CN" altLang="en-US" sz="1600" dirty="0" smtClean="0"/>
-              <a:t>执行</a:t>
-            </a:r>
-            <a:endParaRPr lang="en-US" altLang="zh-CN" sz="1600" dirty="0" smtClean="0"/>
-          </a:p>
-          <a:p>
-            <a:r>
-              <a:rPr lang="en-US" altLang="zh-CN" sz="1600" dirty="0" smtClean="0"/>
-              <a:t>3.</a:t>
-            </a:r>
-            <a:r>
-              <a:rPr lang="zh-CN" altLang="en-US" sz="1600" dirty="0" smtClean="0"/>
-              <a:t>每个索引块，一般为</a:t>
-            </a:r>
-            <a:r>
-              <a:rPr lang="en-US" altLang="zh-CN" sz="1600" dirty="0" smtClean="0"/>
-              <a:t>100</a:t>
-            </a:r>
-            <a:r>
-              <a:rPr lang="zh-CN" altLang="en-US" sz="1600" dirty="0" smtClean="0"/>
-              <a:t>万到</a:t>
-            </a:r>
-            <a:r>
-              <a:rPr lang="en-US" altLang="zh-CN" sz="1600" dirty="0" smtClean="0"/>
-              <a:t>200</a:t>
-            </a:r>
-            <a:r>
-              <a:rPr lang="zh-CN" altLang="en-US" sz="1600" dirty="0" smtClean="0"/>
-              <a:t>万的记录数，按照日期分区</a:t>
-            </a:r>
-            <a:endParaRPr lang="zh-CN" altLang="en-US" sz="1600" dirty="0"/>
-          </a:p>
-        </p:txBody>
-      </p:sp>
-      <p:sp>
-        <p:nvSpPr>
-          <p:cNvPr id="54" name="云形标注 53"/>
-          <p:cNvSpPr/>
-          <p:nvPr/>
-        </p:nvSpPr>
-        <p:spPr>
-          <a:xfrm>
-            <a:off x="3866009" y="1194908"/>
-            <a:ext cx="4215122" cy="1579663"/>
-          </a:xfrm>
-          <a:prstGeom prst="cloudCallout">
-            <a:avLst>
-              <a:gd name="adj1" fmla="val -37210"/>
-              <a:gd name="adj2" fmla="val -57589"/>
-            </a:avLst>
-          </a:prstGeom>
-        </p:spPr>
-        <p:style>
-          <a:lnRef idx="1">
-            <a:schemeClr val="accent2"/>
-          </a:lnRef>
-          <a:fillRef idx="2">
-            <a:schemeClr val="accent2"/>
-          </a:fillRef>
-          <a:effectRef idx="1">
-            <a:schemeClr val="accent2"/>
-          </a:effectRef>
-          <a:fontRef idx="minor">
-            <a:schemeClr val="dk1"/>
-          </a:fontRef>
-        </p:style>
-        <p:txBody>
-          <a:bodyPr rtlCol="0" anchor="ctr"/>
-          <a:lstStyle/>
-          <a:p>
-            <a:r>
-              <a:rPr lang="zh-CN" altLang="en-US" sz="1600" dirty="0" smtClean="0"/>
-              <a:t>之所以叫</a:t>
-            </a:r>
-            <a:r>
-              <a:rPr lang="en-US" altLang="zh-CN" sz="1600" dirty="0" smtClean="0"/>
-              <a:t>yarn</a:t>
-            </a:r>
-            <a:r>
-              <a:rPr lang="zh-CN" altLang="en-US" sz="1600" dirty="0" smtClean="0"/>
-              <a:t>，是因为这个架构跟</a:t>
-            </a:r>
-            <a:r>
-              <a:rPr lang="en-US" altLang="zh-CN" sz="1600" dirty="0" err="1" smtClean="0"/>
-              <a:t>hadoop</a:t>
-            </a:r>
-            <a:r>
-              <a:rPr lang="en-US" altLang="zh-CN" sz="1600" dirty="0" smtClean="0"/>
-              <a:t> yarn</a:t>
-            </a:r>
-            <a:r>
-              <a:rPr lang="zh-CN" altLang="en-US" sz="1600" dirty="0" smtClean="0"/>
-              <a:t>的架构十分相似，只不过在这里用在了海狗里了而已，故还保留</a:t>
-            </a:r>
-            <a:r>
-              <a:rPr lang="en-US" altLang="zh-CN" sz="1600" dirty="0" smtClean="0"/>
-              <a:t>yarn</a:t>
-            </a:r>
-            <a:r>
-              <a:rPr lang="zh-CN" altLang="en-US" sz="1600" dirty="0" smtClean="0"/>
-              <a:t>的名字</a:t>
-            </a:r>
-            <a:endParaRPr lang="zh-CN" altLang="en-US" sz="1600" dirty="0"/>
           </a:p>
         </p:txBody>
       </p:sp>
     </p:spTree>
     <p:extLst>
       <p:ext uri="{BB962C8B-B14F-4D97-AF65-F5344CB8AC3E}">
-        <p14:creationId xmlns:p14="http://schemas.microsoft.com/office/powerpoint/2010/main" val="1500383374"/>
+        <p14:creationId xmlns:p14="http://schemas.microsoft.com/office/powerpoint/2010/main" val="1393238710"/>
       </p:ext>
     </p:extLst>
   </p:cSld>
@@ -31343,1854 +29121,9 @@
   <p:timing>
     <p:tnLst>
       <p:par>
-        <p:cTn id="1" dur="indefinite" restart="never" nodeType="tmRoot">
-          <p:childTnLst>
-            <p:seq concurrent="1" nextAc="seek">
-              <p:cTn id="2" dur="indefinite" nodeType="mainSeq">
-                <p:childTnLst>
-                  <p:par>
-                    <p:cTn id="3" fill="hold">
-                      <p:stCondLst>
-                        <p:cond delay="indefinite"/>
-                      </p:stCondLst>
-                      <p:childTnLst>
-                        <p:par>
-                          <p:cTn id="4" fill="hold">
-                            <p:stCondLst>
-                              <p:cond delay="0"/>
-                            </p:stCondLst>
-                            <p:childTnLst>
-                              <p:par>
-                                <p:cTn id="5" presetID="22" presetClass="entr" presetSubtype="4" fill="hold" grpId="0" nodeType="clickEffect">
-                                  <p:stCondLst>
-                                    <p:cond delay="0"/>
-                                  </p:stCondLst>
-                                  <p:childTnLst>
-                                    <p:set>
-                                      <p:cBhvr>
-                                        <p:cTn id="6" dur="1" fill="hold">
-                                          <p:stCondLst>
-                                            <p:cond delay="0"/>
-                                          </p:stCondLst>
-                                        </p:cTn>
-                                        <p:tgtEl>
-                                          <p:spTgt spid="54"/>
-                                        </p:tgtEl>
-                                        <p:attrNameLst>
-                                          <p:attrName>style.visibility</p:attrName>
-                                        </p:attrNameLst>
-                                      </p:cBhvr>
-                                      <p:to>
-                                        <p:strVal val="visible"/>
-                                      </p:to>
-                                    </p:set>
-                                    <p:animEffect transition="in" filter="wipe(down)">
-                                      <p:cBhvr>
-                                        <p:cTn id="7" dur="500"/>
-                                        <p:tgtEl>
-                                          <p:spTgt spid="54"/>
-                                        </p:tgtEl>
-                                      </p:cBhvr>
-                                    </p:animEffect>
-                                  </p:childTnLst>
-                                </p:cTn>
-                              </p:par>
-                            </p:childTnLst>
-                          </p:cTn>
-                        </p:par>
-                      </p:childTnLst>
-                    </p:cTn>
-                  </p:par>
-                  <p:par>
-                    <p:cTn id="8" fill="hold">
-                      <p:stCondLst>
-                        <p:cond delay="indefinite"/>
-                      </p:stCondLst>
-                      <p:childTnLst>
-                        <p:par>
-                          <p:cTn id="9" fill="hold">
-                            <p:stCondLst>
-                              <p:cond delay="0"/>
-                            </p:stCondLst>
-                            <p:childTnLst>
-                              <p:par>
-                                <p:cTn id="10" presetID="16" presetClass="exit" presetSubtype="21" fill="hold" grpId="1" nodeType="clickEffect">
-                                  <p:stCondLst>
-                                    <p:cond delay="0"/>
-                                  </p:stCondLst>
-                                  <p:childTnLst>
-                                    <p:animEffect transition="out" filter="barn(inVertical)">
-                                      <p:cBhvr>
-                                        <p:cTn id="11" dur="500"/>
-                                        <p:tgtEl>
-                                          <p:spTgt spid="54"/>
-                                        </p:tgtEl>
-                                      </p:cBhvr>
-                                    </p:animEffect>
-                                    <p:set>
-                                      <p:cBhvr>
-                                        <p:cTn id="12" dur="1" fill="hold">
-                                          <p:stCondLst>
-                                            <p:cond delay="499"/>
-                                          </p:stCondLst>
-                                        </p:cTn>
-                                        <p:tgtEl>
-                                          <p:spTgt spid="54"/>
-                                        </p:tgtEl>
-                                        <p:attrNameLst>
-                                          <p:attrName>style.visibility</p:attrName>
-                                        </p:attrNameLst>
-                                      </p:cBhvr>
-                                      <p:to>
-                                        <p:strVal val="hidden"/>
-                                      </p:to>
-                                    </p:set>
-                                  </p:childTnLst>
-                                </p:cTn>
-                              </p:par>
-                            </p:childTnLst>
-                          </p:cTn>
-                        </p:par>
-                      </p:childTnLst>
-                    </p:cTn>
-                  </p:par>
-                  <p:par>
-                    <p:cTn id="13" fill="hold">
-                      <p:stCondLst>
-                        <p:cond delay="indefinite"/>
-                      </p:stCondLst>
-                      <p:childTnLst>
-                        <p:par>
-                          <p:cTn id="14" fill="hold">
-                            <p:stCondLst>
-                              <p:cond delay="0"/>
-                            </p:stCondLst>
-                            <p:childTnLst>
-                              <p:par>
-                                <p:cTn id="15" presetID="22" presetClass="entr" presetSubtype="4" fill="hold" grpId="0" nodeType="clickEffect">
-                                  <p:stCondLst>
-                                    <p:cond delay="0"/>
-                                  </p:stCondLst>
-                                  <p:childTnLst>
-                                    <p:set>
-                                      <p:cBhvr>
-                                        <p:cTn id="16" dur="1" fill="hold">
-                                          <p:stCondLst>
-                                            <p:cond delay="0"/>
-                                          </p:stCondLst>
-                                        </p:cTn>
-                                        <p:tgtEl>
-                                          <p:spTgt spid="49"/>
-                                        </p:tgtEl>
-                                        <p:attrNameLst>
-                                          <p:attrName>style.visibility</p:attrName>
-                                        </p:attrNameLst>
-                                      </p:cBhvr>
-                                      <p:to>
-                                        <p:strVal val="visible"/>
-                                      </p:to>
-                                    </p:set>
-                                    <p:animEffect transition="in" filter="wipe(down)">
-                                      <p:cBhvr>
-                                        <p:cTn id="17" dur="500"/>
-                                        <p:tgtEl>
-                                          <p:spTgt spid="49"/>
-                                        </p:tgtEl>
-                                      </p:cBhvr>
-                                    </p:animEffect>
-                                  </p:childTnLst>
-                                </p:cTn>
-                              </p:par>
-                            </p:childTnLst>
-                          </p:cTn>
-                        </p:par>
-                      </p:childTnLst>
-                    </p:cTn>
-                  </p:par>
-                  <p:par>
-                    <p:cTn id="18" fill="hold">
-                      <p:stCondLst>
-                        <p:cond delay="indefinite"/>
-                      </p:stCondLst>
-                      <p:childTnLst>
-                        <p:par>
-                          <p:cTn id="19" fill="hold">
-                            <p:stCondLst>
-                              <p:cond delay="0"/>
-                            </p:stCondLst>
-                            <p:childTnLst>
-                              <p:par>
-                                <p:cTn id="20" presetID="16" presetClass="exit" presetSubtype="21" fill="hold" grpId="1" nodeType="clickEffect">
-                                  <p:stCondLst>
-                                    <p:cond delay="0"/>
-                                  </p:stCondLst>
-                                  <p:childTnLst>
-                                    <p:animEffect transition="out" filter="barn(inVertical)">
-                                      <p:cBhvr>
-                                        <p:cTn id="21" dur="500"/>
-                                        <p:tgtEl>
-                                          <p:spTgt spid="49"/>
-                                        </p:tgtEl>
-                                      </p:cBhvr>
-                                    </p:animEffect>
-                                    <p:set>
-                                      <p:cBhvr>
-                                        <p:cTn id="22" dur="1" fill="hold">
-                                          <p:stCondLst>
-                                            <p:cond delay="499"/>
-                                          </p:stCondLst>
-                                        </p:cTn>
-                                        <p:tgtEl>
-                                          <p:spTgt spid="49"/>
-                                        </p:tgtEl>
-                                        <p:attrNameLst>
-                                          <p:attrName>style.visibility</p:attrName>
-                                        </p:attrNameLst>
-                                      </p:cBhvr>
-                                      <p:to>
-                                        <p:strVal val="hidden"/>
-                                      </p:to>
-                                    </p:set>
-                                  </p:childTnLst>
-                                </p:cTn>
-                              </p:par>
-                            </p:childTnLst>
-                          </p:cTn>
-                        </p:par>
-                      </p:childTnLst>
-                    </p:cTn>
-                  </p:par>
-                  <p:par>
-                    <p:cTn id="23" fill="hold">
-                      <p:stCondLst>
-                        <p:cond delay="indefinite"/>
-                      </p:stCondLst>
-                      <p:childTnLst>
-                        <p:par>
-                          <p:cTn id="24" fill="hold">
-                            <p:stCondLst>
-                              <p:cond delay="0"/>
-                            </p:stCondLst>
-                            <p:childTnLst>
-                              <p:par>
-                                <p:cTn id="25" presetID="22" presetClass="entr" presetSubtype="4" fill="hold" grpId="0" nodeType="clickEffect">
-                                  <p:stCondLst>
-                                    <p:cond delay="0"/>
-                                  </p:stCondLst>
-                                  <p:childTnLst>
-                                    <p:set>
-                                      <p:cBhvr>
-                                        <p:cTn id="26" dur="1" fill="hold">
-                                          <p:stCondLst>
-                                            <p:cond delay="0"/>
-                                          </p:stCondLst>
-                                        </p:cTn>
-                                        <p:tgtEl>
-                                          <p:spTgt spid="58"/>
-                                        </p:tgtEl>
-                                        <p:attrNameLst>
-                                          <p:attrName>style.visibility</p:attrName>
-                                        </p:attrNameLst>
-                                      </p:cBhvr>
-                                      <p:to>
-                                        <p:strVal val="visible"/>
-                                      </p:to>
-                                    </p:set>
-                                    <p:animEffect transition="in" filter="wipe(down)">
-                                      <p:cBhvr>
-                                        <p:cTn id="27" dur="500"/>
-                                        <p:tgtEl>
-                                          <p:spTgt spid="58"/>
-                                        </p:tgtEl>
-                                      </p:cBhvr>
-                                    </p:animEffect>
-                                  </p:childTnLst>
-                                </p:cTn>
-                              </p:par>
-                            </p:childTnLst>
-                          </p:cTn>
-                        </p:par>
-                      </p:childTnLst>
-                    </p:cTn>
-                  </p:par>
-                  <p:par>
-                    <p:cTn id="28" fill="hold">
-                      <p:stCondLst>
-                        <p:cond delay="indefinite"/>
-                      </p:stCondLst>
-                      <p:childTnLst>
-                        <p:par>
-                          <p:cTn id="29" fill="hold">
-                            <p:stCondLst>
-                              <p:cond delay="0"/>
-                            </p:stCondLst>
-                            <p:childTnLst>
-                              <p:par>
-                                <p:cTn id="30" presetID="16" presetClass="exit" presetSubtype="21" fill="hold" grpId="1" nodeType="clickEffect">
-                                  <p:stCondLst>
-                                    <p:cond delay="0"/>
-                                  </p:stCondLst>
-                                  <p:childTnLst>
-                                    <p:animEffect transition="out" filter="barn(inVertical)">
-                                      <p:cBhvr>
-                                        <p:cTn id="31" dur="500"/>
-                                        <p:tgtEl>
-                                          <p:spTgt spid="58"/>
-                                        </p:tgtEl>
-                                      </p:cBhvr>
-                                    </p:animEffect>
-                                    <p:set>
-                                      <p:cBhvr>
-                                        <p:cTn id="32" dur="1" fill="hold">
-                                          <p:stCondLst>
-                                            <p:cond delay="499"/>
-                                          </p:stCondLst>
-                                        </p:cTn>
-                                        <p:tgtEl>
-                                          <p:spTgt spid="58"/>
-                                        </p:tgtEl>
-                                        <p:attrNameLst>
-                                          <p:attrName>style.visibility</p:attrName>
-                                        </p:attrNameLst>
-                                      </p:cBhvr>
-                                      <p:to>
-                                        <p:strVal val="hidden"/>
-                                      </p:to>
-                                    </p:set>
-                                  </p:childTnLst>
-                                </p:cTn>
-                              </p:par>
-                            </p:childTnLst>
-                          </p:cTn>
-                        </p:par>
-                      </p:childTnLst>
-                    </p:cTn>
-                  </p:par>
-                  <p:par>
-                    <p:cTn id="33" fill="hold">
-                      <p:stCondLst>
-                        <p:cond delay="indefinite"/>
-                      </p:stCondLst>
-                      <p:childTnLst>
-                        <p:par>
-                          <p:cTn id="34" fill="hold">
-                            <p:stCondLst>
-                              <p:cond delay="0"/>
-                            </p:stCondLst>
-                            <p:childTnLst>
-                              <p:par>
-                                <p:cTn id="35" presetID="16" presetClass="exit" presetSubtype="21" fill="hold" grpId="0" nodeType="clickEffect">
-                                  <p:stCondLst>
-                                    <p:cond delay="0"/>
-                                  </p:stCondLst>
-                                  <p:childTnLst>
-                                    <p:animEffect transition="out" filter="barn(inVertical)">
-                                      <p:cBhvr>
-                                        <p:cTn id="36" dur="500"/>
-                                        <p:tgtEl>
-                                          <p:spTgt spid="11"/>
-                                        </p:tgtEl>
-                                      </p:cBhvr>
-                                    </p:animEffect>
-                                    <p:set>
-                                      <p:cBhvr>
-                                        <p:cTn id="37" dur="1" fill="hold">
-                                          <p:stCondLst>
-                                            <p:cond delay="499"/>
-                                          </p:stCondLst>
-                                        </p:cTn>
-                                        <p:tgtEl>
-                                          <p:spTgt spid="11"/>
-                                        </p:tgtEl>
-                                        <p:attrNameLst>
-                                          <p:attrName>style.visibility</p:attrName>
-                                        </p:attrNameLst>
-                                      </p:cBhvr>
-                                      <p:to>
-                                        <p:strVal val="hidden"/>
-                                      </p:to>
-                                    </p:set>
-                                  </p:childTnLst>
-                                </p:cTn>
-                              </p:par>
-                              <p:par>
-                                <p:cTn id="38" presetID="16" presetClass="exit" presetSubtype="21" fill="hold" grpId="0" nodeType="withEffect">
-                                  <p:stCondLst>
-                                    <p:cond delay="0"/>
-                                  </p:stCondLst>
-                                  <p:childTnLst>
-                                    <p:animEffect transition="out" filter="barn(inVertical)">
-                                      <p:cBhvr>
-                                        <p:cTn id="39" dur="500"/>
-                                        <p:tgtEl>
-                                          <p:spTgt spid="5"/>
-                                        </p:tgtEl>
-                                      </p:cBhvr>
-                                    </p:animEffect>
-                                    <p:set>
-                                      <p:cBhvr>
-                                        <p:cTn id="40" dur="1" fill="hold">
-                                          <p:stCondLst>
-                                            <p:cond delay="499"/>
-                                          </p:stCondLst>
-                                        </p:cTn>
-                                        <p:tgtEl>
-                                          <p:spTgt spid="5"/>
-                                        </p:tgtEl>
-                                        <p:attrNameLst>
-                                          <p:attrName>style.visibility</p:attrName>
-                                        </p:attrNameLst>
-                                      </p:cBhvr>
-                                      <p:to>
-                                        <p:strVal val="hidden"/>
-                                      </p:to>
-                                    </p:set>
-                                  </p:childTnLst>
-                                </p:cTn>
-                              </p:par>
-                              <p:par>
-                                <p:cTn id="41" presetID="16" presetClass="exit" presetSubtype="21" fill="hold" grpId="0" nodeType="withEffect">
-                                  <p:stCondLst>
-                                    <p:cond delay="0"/>
-                                  </p:stCondLst>
-                                  <p:childTnLst>
-                                    <p:animEffect transition="out" filter="barn(inVertical)">
-                                      <p:cBhvr>
-                                        <p:cTn id="42" dur="500"/>
-                                        <p:tgtEl>
-                                          <p:spTgt spid="6"/>
-                                        </p:tgtEl>
-                                      </p:cBhvr>
-                                    </p:animEffect>
-                                    <p:set>
-                                      <p:cBhvr>
-                                        <p:cTn id="43" dur="1" fill="hold">
-                                          <p:stCondLst>
-                                            <p:cond delay="499"/>
-                                          </p:stCondLst>
-                                        </p:cTn>
-                                        <p:tgtEl>
-                                          <p:spTgt spid="6"/>
-                                        </p:tgtEl>
-                                        <p:attrNameLst>
-                                          <p:attrName>style.visibility</p:attrName>
-                                        </p:attrNameLst>
-                                      </p:cBhvr>
-                                      <p:to>
-                                        <p:strVal val="hidden"/>
-                                      </p:to>
-                                    </p:set>
-                                  </p:childTnLst>
-                                </p:cTn>
-                              </p:par>
-                              <p:par>
-                                <p:cTn id="44" presetID="16" presetClass="exit" presetSubtype="21" fill="hold" grpId="0" nodeType="withEffect">
-                                  <p:stCondLst>
-                                    <p:cond delay="0"/>
-                                  </p:stCondLst>
-                                  <p:childTnLst>
-                                    <p:animEffect transition="out" filter="barn(inVertical)">
-                                      <p:cBhvr>
-                                        <p:cTn id="45" dur="500"/>
-                                        <p:tgtEl>
-                                          <p:spTgt spid="7"/>
-                                        </p:tgtEl>
-                                      </p:cBhvr>
-                                    </p:animEffect>
-                                    <p:set>
-                                      <p:cBhvr>
-                                        <p:cTn id="46" dur="1" fill="hold">
-                                          <p:stCondLst>
-                                            <p:cond delay="499"/>
-                                          </p:stCondLst>
-                                        </p:cTn>
-                                        <p:tgtEl>
-                                          <p:spTgt spid="7"/>
-                                        </p:tgtEl>
-                                        <p:attrNameLst>
-                                          <p:attrName>style.visibility</p:attrName>
-                                        </p:attrNameLst>
-                                      </p:cBhvr>
-                                      <p:to>
-                                        <p:strVal val="hidden"/>
-                                      </p:to>
-                                    </p:set>
-                                  </p:childTnLst>
-                                </p:cTn>
-                              </p:par>
-                              <p:par>
-                                <p:cTn id="47" presetID="16" presetClass="exit" presetSubtype="21" fill="hold" grpId="0" nodeType="withEffect">
-                                  <p:stCondLst>
-                                    <p:cond delay="0"/>
-                                  </p:stCondLst>
-                                  <p:childTnLst>
-                                    <p:animEffect transition="out" filter="barn(inVertical)">
-                                      <p:cBhvr>
-                                        <p:cTn id="48" dur="500"/>
-                                        <p:tgtEl>
-                                          <p:spTgt spid="8"/>
-                                        </p:tgtEl>
-                                      </p:cBhvr>
-                                    </p:animEffect>
-                                    <p:set>
-                                      <p:cBhvr>
-                                        <p:cTn id="49" dur="1" fill="hold">
-                                          <p:stCondLst>
-                                            <p:cond delay="499"/>
-                                          </p:stCondLst>
-                                        </p:cTn>
-                                        <p:tgtEl>
-                                          <p:spTgt spid="8"/>
-                                        </p:tgtEl>
-                                        <p:attrNameLst>
-                                          <p:attrName>style.visibility</p:attrName>
-                                        </p:attrNameLst>
-                                      </p:cBhvr>
-                                      <p:to>
-                                        <p:strVal val="hidden"/>
-                                      </p:to>
-                                    </p:set>
-                                  </p:childTnLst>
-                                </p:cTn>
-                              </p:par>
-                              <p:par>
-                                <p:cTn id="50" presetID="16" presetClass="exit" presetSubtype="21" fill="hold" grpId="0" nodeType="withEffect">
-                                  <p:stCondLst>
-                                    <p:cond delay="0"/>
-                                  </p:stCondLst>
-                                  <p:childTnLst>
-                                    <p:animEffect transition="out" filter="barn(inVertical)">
-                                      <p:cBhvr>
-                                        <p:cTn id="51" dur="500"/>
-                                        <p:tgtEl>
-                                          <p:spTgt spid="9"/>
-                                        </p:tgtEl>
-                                      </p:cBhvr>
-                                    </p:animEffect>
-                                    <p:set>
-                                      <p:cBhvr>
-                                        <p:cTn id="52" dur="1" fill="hold">
-                                          <p:stCondLst>
-                                            <p:cond delay="499"/>
-                                          </p:stCondLst>
-                                        </p:cTn>
-                                        <p:tgtEl>
-                                          <p:spTgt spid="9"/>
-                                        </p:tgtEl>
-                                        <p:attrNameLst>
-                                          <p:attrName>style.visibility</p:attrName>
-                                        </p:attrNameLst>
-                                      </p:cBhvr>
-                                      <p:to>
-                                        <p:strVal val="hidden"/>
-                                      </p:to>
-                                    </p:set>
-                                  </p:childTnLst>
-                                </p:cTn>
-                              </p:par>
-                              <p:par>
-                                <p:cTn id="53" presetID="16" presetClass="exit" presetSubtype="21" fill="hold" grpId="0" nodeType="withEffect">
-                                  <p:stCondLst>
-                                    <p:cond delay="0"/>
-                                  </p:stCondLst>
-                                  <p:childTnLst>
-                                    <p:animEffect transition="out" filter="barn(inVertical)">
-                                      <p:cBhvr>
-                                        <p:cTn id="54" dur="500"/>
-                                        <p:tgtEl>
-                                          <p:spTgt spid="10"/>
-                                        </p:tgtEl>
-                                      </p:cBhvr>
-                                    </p:animEffect>
-                                    <p:set>
-                                      <p:cBhvr>
-                                        <p:cTn id="55" dur="1" fill="hold">
-                                          <p:stCondLst>
-                                            <p:cond delay="499"/>
-                                          </p:stCondLst>
-                                        </p:cTn>
-                                        <p:tgtEl>
-                                          <p:spTgt spid="10"/>
-                                        </p:tgtEl>
-                                        <p:attrNameLst>
-                                          <p:attrName>style.visibility</p:attrName>
-                                        </p:attrNameLst>
-                                      </p:cBhvr>
-                                      <p:to>
-                                        <p:strVal val="hidden"/>
-                                      </p:to>
-                                    </p:set>
-                                  </p:childTnLst>
-                                </p:cTn>
-                              </p:par>
-                              <p:par>
-                                <p:cTn id="56" presetID="16" presetClass="exit" presetSubtype="21" fill="hold" grpId="0" nodeType="withEffect">
-                                  <p:stCondLst>
-                                    <p:cond delay="0"/>
-                                  </p:stCondLst>
-                                  <p:childTnLst>
-                                    <p:animEffect transition="out" filter="barn(inVertical)">
-                                      <p:cBhvr>
-                                        <p:cTn id="57" dur="500"/>
-                                        <p:tgtEl>
-                                          <p:spTgt spid="12"/>
-                                        </p:tgtEl>
-                                      </p:cBhvr>
-                                    </p:animEffect>
-                                    <p:set>
-                                      <p:cBhvr>
-                                        <p:cTn id="58" dur="1" fill="hold">
-                                          <p:stCondLst>
-                                            <p:cond delay="499"/>
-                                          </p:stCondLst>
-                                        </p:cTn>
-                                        <p:tgtEl>
-                                          <p:spTgt spid="12"/>
-                                        </p:tgtEl>
-                                        <p:attrNameLst>
-                                          <p:attrName>style.visibility</p:attrName>
-                                        </p:attrNameLst>
-                                      </p:cBhvr>
-                                      <p:to>
-                                        <p:strVal val="hidden"/>
-                                      </p:to>
-                                    </p:set>
-                                  </p:childTnLst>
-                                </p:cTn>
-                              </p:par>
-                              <p:par>
-                                <p:cTn id="59" presetID="16" presetClass="exit" presetSubtype="21" fill="hold" grpId="0" nodeType="withEffect">
-                                  <p:stCondLst>
-                                    <p:cond delay="0"/>
-                                  </p:stCondLst>
-                                  <p:childTnLst>
-                                    <p:animEffect transition="out" filter="barn(inVertical)">
-                                      <p:cBhvr>
-                                        <p:cTn id="60" dur="500"/>
-                                        <p:tgtEl>
-                                          <p:spTgt spid="38"/>
-                                        </p:tgtEl>
-                                      </p:cBhvr>
-                                    </p:animEffect>
-                                    <p:set>
-                                      <p:cBhvr>
-                                        <p:cTn id="61" dur="1" fill="hold">
-                                          <p:stCondLst>
-                                            <p:cond delay="499"/>
-                                          </p:stCondLst>
-                                        </p:cTn>
-                                        <p:tgtEl>
-                                          <p:spTgt spid="38"/>
-                                        </p:tgtEl>
-                                        <p:attrNameLst>
-                                          <p:attrName>style.visibility</p:attrName>
-                                        </p:attrNameLst>
-                                      </p:cBhvr>
-                                      <p:to>
-                                        <p:strVal val="hidden"/>
-                                      </p:to>
-                                    </p:set>
-                                  </p:childTnLst>
-                                </p:cTn>
-                              </p:par>
-                              <p:par>
-                                <p:cTn id="62" presetID="16" presetClass="exit" presetSubtype="21" fill="hold" grpId="0" nodeType="withEffect">
-                                  <p:stCondLst>
-                                    <p:cond delay="0"/>
-                                  </p:stCondLst>
-                                  <p:childTnLst>
-                                    <p:animEffect transition="out" filter="barn(inVertical)">
-                                      <p:cBhvr>
-                                        <p:cTn id="63" dur="500"/>
-                                        <p:tgtEl>
-                                          <p:spTgt spid="39"/>
-                                        </p:tgtEl>
-                                      </p:cBhvr>
-                                    </p:animEffect>
-                                    <p:set>
-                                      <p:cBhvr>
-                                        <p:cTn id="64" dur="1" fill="hold">
-                                          <p:stCondLst>
-                                            <p:cond delay="499"/>
-                                          </p:stCondLst>
-                                        </p:cTn>
-                                        <p:tgtEl>
-                                          <p:spTgt spid="39"/>
-                                        </p:tgtEl>
-                                        <p:attrNameLst>
-                                          <p:attrName>style.visibility</p:attrName>
-                                        </p:attrNameLst>
-                                      </p:cBhvr>
-                                      <p:to>
-                                        <p:strVal val="hidden"/>
-                                      </p:to>
-                                    </p:set>
-                                  </p:childTnLst>
-                                </p:cTn>
-                              </p:par>
-                              <p:par>
-                                <p:cTn id="65" presetID="16" presetClass="exit" presetSubtype="21" fill="hold" grpId="0" nodeType="withEffect">
-                                  <p:stCondLst>
-                                    <p:cond delay="0"/>
-                                  </p:stCondLst>
-                                  <p:childTnLst>
-                                    <p:animEffect transition="out" filter="barn(inVertical)">
-                                      <p:cBhvr>
-                                        <p:cTn id="66" dur="500"/>
-                                        <p:tgtEl>
-                                          <p:spTgt spid="40"/>
-                                        </p:tgtEl>
-                                      </p:cBhvr>
-                                    </p:animEffect>
-                                    <p:set>
-                                      <p:cBhvr>
-                                        <p:cTn id="67" dur="1" fill="hold">
-                                          <p:stCondLst>
-                                            <p:cond delay="499"/>
-                                          </p:stCondLst>
-                                        </p:cTn>
-                                        <p:tgtEl>
-                                          <p:spTgt spid="40"/>
-                                        </p:tgtEl>
-                                        <p:attrNameLst>
-                                          <p:attrName>style.visibility</p:attrName>
-                                        </p:attrNameLst>
-                                      </p:cBhvr>
-                                      <p:to>
-                                        <p:strVal val="hidden"/>
-                                      </p:to>
-                                    </p:set>
-                                  </p:childTnLst>
-                                </p:cTn>
-                              </p:par>
-                              <p:par>
-                                <p:cTn id="68" presetID="16" presetClass="exit" presetSubtype="21" fill="hold" nodeType="withEffect">
-                                  <p:stCondLst>
-                                    <p:cond delay="0"/>
-                                  </p:stCondLst>
-                                  <p:childTnLst>
-                                    <p:animEffect transition="out" filter="barn(inVertical)">
-                                      <p:cBhvr>
-                                        <p:cTn id="69" dur="500"/>
-                                        <p:tgtEl>
-                                          <p:spTgt spid="44"/>
-                                        </p:tgtEl>
-                                      </p:cBhvr>
-                                    </p:animEffect>
-                                    <p:set>
-                                      <p:cBhvr>
-                                        <p:cTn id="70" dur="1" fill="hold">
-                                          <p:stCondLst>
-                                            <p:cond delay="499"/>
-                                          </p:stCondLst>
-                                        </p:cTn>
-                                        <p:tgtEl>
-                                          <p:spTgt spid="44"/>
-                                        </p:tgtEl>
-                                        <p:attrNameLst>
-                                          <p:attrName>style.visibility</p:attrName>
-                                        </p:attrNameLst>
-                                      </p:cBhvr>
-                                      <p:to>
-                                        <p:strVal val="hidden"/>
-                                      </p:to>
-                                    </p:set>
-                                  </p:childTnLst>
-                                </p:cTn>
-                              </p:par>
-                              <p:par>
-                                <p:cTn id="71" presetID="16" presetClass="exit" presetSubtype="21" fill="hold" nodeType="withEffect">
-                                  <p:stCondLst>
-                                    <p:cond delay="0"/>
-                                  </p:stCondLst>
-                                  <p:childTnLst>
-                                    <p:animEffect transition="out" filter="barn(inVertical)">
-                                      <p:cBhvr>
-                                        <p:cTn id="72" dur="500"/>
-                                        <p:tgtEl>
-                                          <p:spTgt spid="51"/>
-                                        </p:tgtEl>
-                                      </p:cBhvr>
-                                    </p:animEffect>
-                                    <p:set>
-                                      <p:cBhvr>
-                                        <p:cTn id="73" dur="1" fill="hold">
-                                          <p:stCondLst>
-                                            <p:cond delay="499"/>
-                                          </p:stCondLst>
-                                        </p:cTn>
-                                        <p:tgtEl>
-                                          <p:spTgt spid="51"/>
-                                        </p:tgtEl>
-                                        <p:attrNameLst>
-                                          <p:attrName>style.visibility</p:attrName>
-                                        </p:attrNameLst>
-                                      </p:cBhvr>
-                                      <p:to>
-                                        <p:strVal val="hidden"/>
-                                      </p:to>
-                                    </p:set>
-                                  </p:childTnLst>
-                                </p:cTn>
-                              </p:par>
-                              <p:par>
-                                <p:cTn id="74" presetID="16" presetClass="exit" presetSubtype="21" fill="hold" nodeType="withEffect">
-                                  <p:stCondLst>
-                                    <p:cond delay="0"/>
-                                  </p:stCondLst>
-                                  <p:childTnLst>
-                                    <p:animEffect transition="out" filter="barn(inVertical)">
-                                      <p:cBhvr>
-                                        <p:cTn id="75" dur="500"/>
-                                        <p:tgtEl>
-                                          <p:spTgt spid="53"/>
-                                        </p:tgtEl>
-                                      </p:cBhvr>
-                                    </p:animEffect>
-                                    <p:set>
-                                      <p:cBhvr>
-                                        <p:cTn id="76" dur="1" fill="hold">
-                                          <p:stCondLst>
-                                            <p:cond delay="499"/>
-                                          </p:stCondLst>
-                                        </p:cTn>
-                                        <p:tgtEl>
-                                          <p:spTgt spid="53"/>
-                                        </p:tgtEl>
-                                        <p:attrNameLst>
-                                          <p:attrName>style.visibility</p:attrName>
-                                        </p:attrNameLst>
-                                      </p:cBhvr>
-                                      <p:to>
-                                        <p:strVal val="hidden"/>
-                                      </p:to>
-                                    </p:set>
-                                  </p:childTnLst>
-                                </p:cTn>
-                              </p:par>
-                              <p:par>
-                                <p:cTn id="77" presetID="16" presetClass="exit" presetSubtype="21" fill="hold" nodeType="withEffect">
-                                  <p:stCondLst>
-                                    <p:cond delay="0"/>
-                                  </p:stCondLst>
-                                  <p:childTnLst>
-                                    <p:animEffect transition="out" filter="barn(inVertical)">
-                                      <p:cBhvr>
-                                        <p:cTn id="78" dur="500"/>
-                                        <p:tgtEl>
-                                          <p:spTgt spid="55"/>
-                                        </p:tgtEl>
-                                      </p:cBhvr>
-                                    </p:animEffect>
-                                    <p:set>
-                                      <p:cBhvr>
-                                        <p:cTn id="79" dur="1" fill="hold">
-                                          <p:stCondLst>
-                                            <p:cond delay="499"/>
-                                          </p:stCondLst>
-                                        </p:cTn>
-                                        <p:tgtEl>
-                                          <p:spTgt spid="55"/>
-                                        </p:tgtEl>
-                                        <p:attrNameLst>
-                                          <p:attrName>style.visibility</p:attrName>
-                                        </p:attrNameLst>
-                                      </p:cBhvr>
-                                      <p:to>
-                                        <p:strVal val="hidden"/>
-                                      </p:to>
-                                    </p:set>
-                                  </p:childTnLst>
-                                </p:cTn>
-                              </p:par>
-                              <p:par>
-                                <p:cTn id="80" presetID="16" presetClass="exit" presetSubtype="21" fill="hold" nodeType="withEffect">
-                                  <p:stCondLst>
-                                    <p:cond delay="0"/>
-                                  </p:stCondLst>
-                                  <p:childTnLst>
-                                    <p:animEffect transition="out" filter="barn(inVertical)">
-                                      <p:cBhvr>
-                                        <p:cTn id="81" dur="500"/>
-                                        <p:tgtEl>
-                                          <p:spTgt spid="24"/>
-                                        </p:tgtEl>
-                                      </p:cBhvr>
-                                    </p:animEffect>
-                                    <p:set>
-                                      <p:cBhvr>
-                                        <p:cTn id="82" dur="1" fill="hold">
-                                          <p:stCondLst>
-                                            <p:cond delay="499"/>
-                                          </p:stCondLst>
-                                        </p:cTn>
-                                        <p:tgtEl>
-                                          <p:spTgt spid="24"/>
-                                        </p:tgtEl>
-                                        <p:attrNameLst>
-                                          <p:attrName>style.visibility</p:attrName>
-                                        </p:attrNameLst>
-                                      </p:cBhvr>
-                                      <p:to>
-                                        <p:strVal val="hidden"/>
-                                      </p:to>
-                                    </p:set>
-                                  </p:childTnLst>
-                                </p:cTn>
-                              </p:par>
-                              <p:par>
-                                <p:cTn id="83" presetID="16" presetClass="exit" presetSubtype="21" fill="hold" nodeType="withEffect">
-                                  <p:stCondLst>
-                                    <p:cond delay="0"/>
-                                  </p:stCondLst>
-                                  <p:childTnLst>
-                                    <p:animEffect transition="out" filter="barn(inVertical)">
-                                      <p:cBhvr>
-                                        <p:cTn id="84" dur="500"/>
-                                        <p:tgtEl>
-                                          <p:spTgt spid="26"/>
-                                        </p:tgtEl>
-                                      </p:cBhvr>
-                                    </p:animEffect>
-                                    <p:set>
-                                      <p:cBhvr>
-                                        <p:cTn id="85" dur="1" fill="hold">
-                                          <p:stCondLst>
-                                            <p:cond delay="499"/>
-                                          </p:stCondLst>
-                                        </p:cTn>
-                                        <p:tgtEl>
-                                          <p:spTgt spid="26"/>
-                                        </p:tgtEl>
-                                        <p:attrNameLst>
-                                          <p:attrName>style.visibility</p:attrName>
-                                        </p:attrNameLst>
-                                      </p:cBhvr>
-                                      <p:to>
-                                        <p:strVal val="hidden"/>
-                                      </p:to>
-                                    </p:set>
-                                  </p:childTnLst>
-                                </p:cTn>
-                              </p:par>
-                              <p:par>
-                                <p:cTn id="86" presetID="16" presetClass="exit" presetSubtype="21" fill="hold" nodeType="withEffect">
-                                  <p:stCondLst>
-                                    <p:cond delay="0"/>
-                                  </p:stCondLst>
-                                  <p:childTnLst>
-                                    <p:animEffect transition="out" filter="barn(inVertical)">
-                                      <p:cBhvr>
-                                        <p:cTn id="87" dur="500"/>
-                                        <p:tgtEl>
-                                          <p:spTgt spid="28"/>
-                                        </p:tgtEl>
-                                      </p:cBhvr>
-                                    </p:animEffect>
-                                    <p:set>
-                                      <p:cBhvr>
-                                        <p:cTn id="88" dur="1" fill="hold">
-                                          <p:stCondLst>
-                                            <p:cond delay="499"/>
-                                          </p:stCondLst>
-                                        </p:cTn>
-                                        <p:tgtEl>
-                                          <p:spTgt spid="28"/>
-                                        </p:tgtEl>
-                                        <p:attrNameLst>
-                                          <p:attrName>style.visibility</p:attrName>
-                                        </p:attrNameLst>
-                                      </p:cBhvr>
-                                      <p:to>
-                                        <p:strVal val="hidden"/>
-                                      </p:to>
-                                    </p:set>
-                                  </p:childTnLst>
-                                </p:cTn>
-                              </p:par>
-                              <p:par>
-                                <p:cTn id="89" presetID="16" presetClass="exit" presetSubtype="21" fill="hold" nodeType="withEffect">
-                                  <p:stCondLst>
-                                    <p:cond delay="0"/>
-                                  </p:stCondLst>
-                                  <p:childTnLst>
-                                    <p:animEffect transition="out" filter="barn(inVertical)">
-                                      <p:cBhvr>
-                                        <p:cTn id="90" dur="500"/>
-                                        <p:tgtEl>
-                                          <p:spTgt spid="31"/>
-                                        </p:tgtEl>
-                                      </p:cBhvr>
-                                    </p:animEffect>
-                                    <p:set>
-                                      <p:cBhvr>
-                                        <p:cTn id="91" dur="1" fill="hold">
-                                          <p:stCondLst>
-                                            <p:cond delay="499"/>
-                                          </p:stCondLst>
-                                        </p:cTn>
-                                        <p:tgtEl>
-                                          <p:spTgt spid="31"/>
-                                        </p:tgtEl>
-                                        <p:attrNameLst>
-                                          <p:attrName>style.visibility</p:attrName>
-                                        </p:attrNameLst>
-                                      </p:cBhvr>
-                                      <p:to>
-                                        <p:strVal val="hidden"/>
-                                      </p:to>
-                                    </p:set>
-                                  </p:childTnLst>
-                                </p:cTn>
-                              </p:par>
-                              <p:par>
-                                <p:cTn id="92" presetID="16" presetClass="exit" presetSubtype="21" fill="hold" nodeType="withEffect">
-                                  <p:stCondLst>
-                                    <p:cond delay="0"/>
-                                  </p:stCondLst>
-                                  <p:childTnLst>
-                                    <p:animEffect transition="out" filter="barn(inVertical)">
-                                      <p:cBhvr>
-                                        <p:cTn id="93" dur="500"/>
-                                        <p:tgtEl>
-                                          <p:spTgt spid="33"/>
-                                        </p:tgtEl>
-                                      </p:cBhvr>
-                                    </p:animEffect>
-                                    <p:set>
-                                      <p:cBhvr>
-                                        <p:cTn id="94" dur="1" fill="hold">
-                                          <p:stCondLst>
-                                            <p:cond delay="499"/>
-                                          </p:stCondLst>
-                                        </p:cTn>
-                                        <p:tgtEl>
-                                          <p:spTgt spid="33"/>
-                                        </p:tgtEl>
-                                        <p:attrNameLst>
-                                          <p:attrName>style.visibility</p:attrName>
-                                        </p:attrNameLst>
-                                      </p:cBhvr>
-                                      <p:to>
-                                        <p:strVal val="hidden"/>
-                                      </p:to>
-                                    </p:set>
-                                  </p:childTnLst>
-                                </p:cTn>
-                              </p:par>
-                              <p:par>
-                                <p:cTn id="95" presetID="16" presetClass="exit" presetSubtype="21" fill="hold" nodeType="withEffect">
-                                  <p:stCondLst>
-                                    <p:cond delay="0"/>
-                                  </p:stCondLst>
-                                  <p:childTnLst>
-                                    <p:animEffect transition="out" filter="barn(inVertical)">
-                                      <p:cBhvr>
-                                        <p:cTn id="96" dur="500"/>
-                                        <p:tgtEl>
-                                          <p:spTgt spid="35"/>
-                                        </p:tgtEl>
-                                      </p:cBhvr>
-                                    </p:animEffect>
-                                    <p:set>
-                                      <p:cBhvr>
-                                        <p:cTn id="97" dur="1" fill="hold">
-                                          <p:stCondLst>
-                                            <p:cond delay="499"/>
-                                          </p:stCondLst>
-                                        </p:cTn>
-                                        <p:tgtEl>
-                                          <p:spTgt spid="35"/>
-                                        </p:tgtEl>
-                                        <p:attrNameLst>
-                                          <p:attrName>style.visibility</p:attrName>
-                                        </p:attrNameLst>
-                                      </p:cBhvr>
-                                      <p:to>
-                                        <p:strVal val="hidden"/>
-                                      </p:to>
-                                    </p:set>
-                                  </p:childTnLst>
-                                </p:cTn>
-                              </p:par>
-                            </p:childTnLst>
-                          </p:cTn>
-                        </p:par>
-                      </p:childTnLst>
-                    </p:cTn>
-                  </p:par>
-                  <p:par>
-                    <p:cTn id="98" fill="hold">
-                      <p:stCondLst>
-                        <p:cond delay="indefinite"/>
-                      </p:stCondLst>
-                      <p:childTnLst>
-                        <p:par>
-                          <p:cTn id="99" fill="hold">
-                            <p:stCondLst>
-                              <p:cond delay="0"/>
-                            </p:stCondLst>
-                            <p:childTnLst>
-                              <p:par>
-                                <p:cTn id="100" presetID="16" presetClass="entr" presetSubtype="21" fill="hold" grpId="0" nodeType="clickEffect">
-                                  <p:stCondLst>
-                                    <p:cond delay="0"/>
-                                  </p:stCondLst>
-                                  <p:childTnLst>
-                                    <p:set>
-                                      <p:cBhvr>
-                                        <p:cTn id="101" dur="1" fill="hold">
-                                          <p:stCondLst>
-                                            <p:cond delay="0"/>
-                                          </p:stCondLst>
-                                        </p:cTn>
-                                        <p:tgtEl>
-                                          <p:spTgt spid="59"/>
-                                        </p:tgtEl>
-                                        <p:attrNameLst>
-                                          <p:attrName>style.visibility</p:attrName>
-                                        </p:attrNameLst>
-                                      </p:cBhvr>
-                                      <p:to>
-                                        <p:strVal val="visible"/>
-                                      </p:to>
-                                    </p:set>
-                                    <p:animEffect transition="in" filter="barn(inVertical)">
-                                      <p:cBhvr>
-                                        <p:cTn id="102" dur="500"/>
-                                        <p:tgtEl>
-                                          <p:spTgt spid="59"/>
-                                        </p:tgtEl>
-                                      </p:cBhvr>
-                                    </p:animEffect>
-                                  </p:childTnLst>
-                                </p:cTn>
-                              </p:par>
-                              <p:par>
-                                <p:cTn id="103" presetID="16" presetClass="entr" presetSubtype="21" fill="hold" grpId="0" nodeType="withEffect">
-                                  <p:stCondLst>
-                                    <p:cond delay="0"/>
-                                  </p:stCondLst>
-                                  <p:childTnLst>
-                                    <p:set>
-                                      <p:cBhvr>
-                                        <p:cTn id="104" dur="1" fill="hold">
-                                          <p:stCondLst>
-                                            <p:cond delay="0"/>
-                                          </p:stCondLst>
-                                        </p:cTn>
-                                        <p:tgtEl>
-                                          <p:spTgt spid="60"/>
-                                        </p:tgtEl>
-                                        <p:attrNameLst>
-                                          <p:attrName>style.visibility</p:attrName>
-                                        </p:attrNameLst>
-                                      </p:cBhvr>
-                                      <p:to>
-                                        <p:strVal val="visible"/>
-                                      </p:to>
-                                    </p:set>
-                                    <p:animEffect transition="in" filter="barn(inVertical)">
-                                      <p:cBhvr>
-                                        <p:cTn id="105" dur="500"/>
-                                        <p:tgtEl>
-                                          <p:spTgt spid="60"/>
-                                        </p:tgtEl>
-                                      </p:cBhvr>
-                                    </p:animEffect>
-                                  </p:childTnLst>
-                                </p:cTn>
-                              </p:par>
-                              <p:par>
-                                <p:cTn id="106" presetID="16" presetClass="entr" presetSubtype="21" fill="hold" grpId="0" nodeType="withEffect">
-                                  <p:stCondLst>
-                                    <p:cond delay="0"/>
-                                  </p:stCondLst>
-                                  <p:childTnLst>
-                                    <p:set>
-                                      <p:cBhvr>
-                                        <p:cTn id="107" dur="1" fill="hold">
-                                          <p:stCondLst>
-                                            <p:cond delay="0"/>
-                                          </p:stCondLst>
-                                        </p:cTn>
-                                        <p:tgtEl>
-                                          <p:spTgt spid="62"/>
-                                        </p:tgtEl>
-                                        <p:attrNameLst>
-                                          <p:attrName>style.visibility</p:attrName>
-                                        </p:attrNameLst>
-                                      </p:cBhvr>
-                                      <p:to>
-                                        <p:strVal val="visible"/>
-                                      </p:to>
-                                    </p:set>
-                                    <p:animEffect transition="in" filter="barn(inVertical)">
-                                      <p:cBhvr>
-                                        <p:cTn id="108" dur="500"/>
-                                        <p:tgtEl>
-                                          <p:spTgt spid="62"/>
-                                        </p:tgtEl>
-                                      </p:cBhvr>
-                                    </p:animEffect>
-                                  </p:childTnLst>
-                                </p:cTn>
-                              </p:par>
-                              <p:par>
-                                <p:cTn id="109" presetID="16" presetClass="entr" presetSubtype="21" fill="hold" grpId="0" nodeType="withEffect">
-                                  <p:stCondLst>
-                                    <p:cond delay="0"/>
-                                  </p:stCondLst>
-                                  <p:childTnLst>
-                                    <p:set>
-                                      <p:cBhvr>
-                                        <p:cTn id="110" dur="1" fill="hold">
-                                          <p:stCondLst>
-                                            <p:cond delay="0"/>
-                                          </p:stCondLst>
-                                        </p:cTn>
-                                        <p:tgtEl>
-                                          <p:spTgt spid="63"/>
-                                        </p:tgtEl>
-                                        <p:attrNameLst>
-                                          <p:attrName>style.visibility</p:attrName>
-                                        </p:attrNameLst>
-                                      </p:cBhvr>
-                                      <p:to>
-                                        <p:strVal val="visible"/>
-                                      </p:to>
-                                    </p:set>
-                                    <p:animEffect transition="in" filter="barn(inVertical)">
-                                      <p:cBhvr>
-                                        <p:cTn id="111" dur="500"/>
-                                        <p:tgtEl>
-                                          <p:spTgt spid="63"/>
-                                        </p:tgtEl>
-                                      </p:cBhvr>
-                                    </p:animEffect>
-                                  </p:childTnLst>
-                                </p:cTn>
-                              </p:par>
-                              <p:par>
-                                <p:cTn id="112" presetID="16" presetClass="entr" presetSubtype="21" fill="hold" grpId="0" nodeType="withEffect">
-                                  <p:stCondLst>
-                                    <p:cond delay="0"/>
-                                  </p:stCondLst>
-                                  <p:childTnLst>
-                                    <p:set>
-                                      <p:cBhvr>
-                                        <p:cTn id="113" dur="1" fill="hold">
-                                          <p:stCondLst>
-                                            <p:cond delay="0"/>
-                                          </p:stCondLst>
-                                        </p:cTn>
-                                        <p:tgtEl>
-                                          <p:spTgt spid="64"/>
-                                        </p:tgtEl>
-                                        <p:attrNameLst>
-                                          <p:attrName>style.visibility</p:attrName>
-                                        </p:attrNameLst>
-                                      </p:cBhvr>
-                                      <p:to>
-                                        <p:strVal val="visible"/>
-                                      </p:to>
-                                    </p:set>
-                                    <p:animEffect transition="in" filter="barn(inVertical)">
-                                      <p:cBhvr>
-                                        <p:cTn id="114" dur="500"/>
-                                        <p:tgtEl>
-                                          <p:spTgt spid="64"/>
-                                        </p:tgtEl>
-                                      </p:cBhvr>
-                                    </p:animEffect>
-                                  </p:childTnLst>
-                                </p:cTn>
-                              </p:par>
-                              <p:par>
-                                <p:cTn id="115" presetID="16" presetClass="entr" presetSubtype="21" fill="hold" grpId="0" nodeType="withEffect">
-                                  <p:stCondLst>
-                                    <p:cond delay="0"/>
-                                  </p:stCondLst>
-                                  <p:childTnLst>
-                                    <p:set>
-                                      <p:cBhvr>
-                                        <p:cTn id="116" dur="1" fill="hold">
-                                          <p:stCondLst>
-                                            <p:cond delay="0"/>
-                                          </p:stCondLst>
-                                        </p:cTn>
-                                        <p:tgtEl>
-                                          <p:spTgt spid="65"/>
-                                        </p:tgtEl>
-                                        <p:attrNameLst>
-                                          <p:attrName>style.visibility</p:attrName>
-                                        </p:attrNameLst>
-                                      </p:cBhvr>
-                                      <p:to>
-                                        <p:strVal val="visible"/>
-                                      </p:to>
-                                    </p:set>
-                                    <p:animEffect transition="in" filter="barn(inVertical)">
-                                      <p:cBhvr>
-                                        <p:cTn id="117" dur="500"/>
-                                        <p:tgtEl>
-                                          <p:spTgt spid="65"/>
-                                        </p:tgtEl>
-                                      </p:cBhvr>
-                                    </p:animEffect>
-                                  </p:childTnLst>
-                                </p:cTn>
-                              </p:par>
-                              <p:par>
-                                <p:cTn id="118" presetID="16" presetClass="entr" presetSubtype="21" fill="hold" grpId="0" nodeType="withEffect">
-                                  <p:stCondLst>
-                                    <p:cond delay="0"/>
-                                  </p:stCondLst>
-                                  <p:childTnLst>
-                                    <p:set>
-                                      <p:cBhvr>
-                                        <p:cTn id="119" dur="1" fill="hold">
-                                          <p:stCondLst>
-                                            <p:cond delay="0"/>
-                                          </p:stCondLst>
-                                        </p:cTn>
-                                        <p:tgtEl>
-                                          <p:spTgt spid="66"/>
-                                        </p:tgtEl>
-                                        <p:attrNameLst>
-                                          <p:attrName>style.visibility</p:attrName>
-                                        </p:attrNameLst>
-                                      </p:cBhvr>
-                                      <p:to>
-                                        <p:strVal val="visible"/>
-                                      </p:to>
-                                    </p:set>
-                                    <p:animEffect transition="in" filter="barn(inVertical)">
-                                      <p:cBhvr>
-                                        <p:cTn id="120" dur="500"/>
-                                        <p:tgtEl>
-                                          <p:spTgt spid="66"/>
-                                        </p:tgtEl>
-                                      </p:cBhvr>
-                                    </p:animEffect>
-                                  </p:childTnLst>
-                                </p:cTn>
-                              </p:par>
-                              <p:par>
-                                <p:cTn id="121" presetID="16" presetClass="entr" presetSubtype="21" fill="hold" grpId="0" nodeType="withEffect">
-                                  <p:stCondLst>
-                                    <p:cond delay="0"/>
-                                  </p:stCondLst>
-                                  <p:childTnLst>
-                                    <p:set>
-                                      <p:cBhvr>
-                                        <p:cTn id="122" dur="1" fill="hold">
-                                          <p:stCondLst>
-                                            <p:cond delay="0"/>
-                                          </p:stCondLst>
-                                        </p:cTn>
-                                        <p:tgtEl>
-                                          <p:spTgt spid="67"/>
-                                        </p:tgtEl>
-                                        <p:attrNameLst>
-                                          <p:attrName>style.visibility</p:attrName>
-                                        </p:attrNameLst>
-                                      </p:cBhvr>
-                                      <p:to>
-                                        <p:strVal val="visible"/>
-                                      </p:to>
-                                    </p:set>
-                                    <p:animEffect transition="in" filter="barn(inVertical)">
-                                      <p:cBhvr>
-                                        <p:cTn id="123" dur="500"/>
-                                        <p:tgtEl>
-                                          <p:spTgt spid="67"/>
-                                        </p:tgtEl>
-                                      </p:cBhvr>
-                                    </p:animEffect>
-                                  </p:childTnLst>
-                                </p:cTn>
-                              </p:par>
-                              <p:par>
-                                <p:cTn id="124" presetID="16" presetClass="entr" presetSubtype="21" fill="hold" nodeType="withEffect">
-                                  <p:stCondLst>
-                                    <p:cond delay="0"/>
-                                  </p:stCondLst>
-                                  <p:childTnLst>
-                                    <p:set>
-                                      <p:cBhvr>
-                                        <p:cTn id="125" dur="1" fill="hold">
-                                          <p:stCondLst>
-                                            <p:cond delay="0"/>
-                                          </p:stCondLst>
-                                        </p:cTn>
-                                        <p:tgtEl>
-                                          <p:spTgt spid="71"/>
-                                        </p:tgtEl>
-                                        <p:attrNameLst>
-                                          <p:attrName>style.visibility</p:attrName>
-                                        </p:attrNameLst>
-                                      </p:cBhvr>
-                                      <p:to>
-                                        <p:strVal val="visible"/>
-                                      </p:to>
-                                    </p:set>
-                                    <p:animEffect transition="in" filter="barn(inVertical)">
-                                      <p:cBhvr>
-                                        <p:cTn id="126" dur="500"/>
-                                        <p:tgtEl>
-                                          <p:spTgt spid="71"/>
-                                        </p:tgtEl>
-                                      </p:cBhvr>
-                                    </p:animEffect>
-                                  </p:childTnLst>
-                                </p:cTn>
-                              </p:par>
-                              <p:par>
-                                <p:cTn id="127" presetID="16" presetClass="entr" presetSubtype="21" fill="hold" nodeType="withEffect">
-                                  <p:stCondLst>
-                                    <p:cond delay="0"/>
-                                  </p:stCondLst>
-                                  <p:childTnLst>
-                                    <p:set>
-                                      <p:cBhvr>
-                                        <p:cTn id="128" dur="1" fill="hold">
-                                          <p:stCondLst>
-                                            <p:cond delay="0"/>
-                                          </p:stCondLst>
-                                        </p:cTn>
-                                        <p:tgtEl>
-                                          <p:spTgt spid="73"/>
-                                        </p:tgtEl>
-                                        <p:attrNameLst>
-                                          <p:attrName>style.visibility</p:attrName>
-                                        </p:attrNameLst>
-                                      </p:cBhvr>
-                                      <p:to>
-                                        <p:strVal val="visible"/>
-                                      </p:to>
-                                    </p:set>
-                                    <p:animEffect transition="in" filter="barn(inVertical)">
-                                      <p:cBhvr>
-                                        <p:cTn id="129" dur="500"/>
-                                        <p:tgtEl>
-                                          <p:spTgt spid="73"/>
-                                        </p:tgtEl>
-                                      </p:cBhvr>
-                                    </p:animEffect>
-                                  </p:childTnLst>
-                                </p:cTn>
-                              </p:par>
-                              <p:par>
-                                <p:cTn id="130" presetID="16" presetClass="entr" presetSubtype="21" fill="hold" nodeType="withEffect">
-                                  <p:stCondLst>
-                                    <p:cond delay="0"/>
-                                  </p:stCondLst>
-                                  <p:childTnLst>
-                                    <p:set>
-                                      <p:cBhvr>
-                                        <p:cTn id="131" dur="1" fill="hold">
-                                          <p:stCondLst>
-                                            <p:cond delay="0"/>
-                                          </p:stCondLst>
-                                        </p:cTn>
-                                        <p:tgtEl>
-                                          <p:spTgt spid="75"/>
-                                        </p:tgtEl>
-                                        <p:attrNameLst>
-                                          <p:attrName>style.visibility</p:attrName>
-                                        </p:attrNameLst>
-                                      </p:cBhvr>
-                                      <p:to>
-                                        <p:strVal val="visible"/>
-                                      </p:to>
-                                    </p:set>
-                                    <p:animEffect transition="in" filter="barn(inVertical)">
-                                      <p:cBhvr>
-                                        <p:cTn id="132" dur="500"/>
-                                        <p:tgtEl>
-                                          <p:spTgt spid="75"/>
-                                        </p:tgtEl>
-                                      </p:cBhvr>
-                                    </p:animEffect>
-                                  </p:childTnLst>
-                                </p:cTn>
-                              </p:par>
-                              <p:par>
-                                <p:cTn id="133" presetID="16" presetClass="entr" presetSubtype="21" fill="hold" nodeType="withEffect">
-                                  <p:stCondLst>
-                                    <p:cond delay="0"/>
-                                  </p:stCondLst>
-                                  <p:childTnLst>
-                                    <p:set>
-                                      <p:cBhvr>
-                                        <p:cTn id="134" dur="1" fill="hold">
-                                          <p:stCondLst>
-                                            <p:cond delay="0"/>
-                                          </p:stCondLst>
-                                        </p:cTn>
-                                        <p:tgtEl>
-                                          <p:spTgt spid="77"/>
-                                        </p:tgtEl>
-                                        <p:attrNameLst>
-                                          <p:attrName>style.visibility</p:attrName>
-                                        </p:attrNameLst>
-                                      </p:cBhvr>
-                                      <p:to>
-                                        <p:strVal val="visible"/>
-                                      </p:to>
-                                    </p:set>
-                                    <p:animEffect transition="in" filter="barn(inVertical)">
-                                      <p:cBhvr>
-                                        <p:cTn id="135" dur="500"/>
-                                        <p:tgtEl>
-                                          <p:spTgt spid="77"/>
-                                        </p:tgtEl>
-                                      </p:cBhvr>
-                                    </p:animEffect>
-                                  </p:childTnLst>
-                                </p:cTn>
-                              </p:par>
-                              <p:par>
-                                <p:cTn id="136" presetID="16" presetClass="entr" presetSubtype="21" fill="hold" nodeType="withEffect">
-                                  <p:stCondLst>
-                                    <p:cond delay="0"/>
-                                  </p:stCondLst>
-                                  <p:childTnLst>
-                                    <p:set>
-                                      <p:cBhvr>
-                                        <p:cTn id="137" dur="1" fill="hold">
-                                          <p:stCondLst>
-                                            <p:cond delay="0"/>
-                                          </p:stCondLst>
-                                        </p:cTn>
-                                        <p:tgtEl>
-                                          <p:spTgt spid="79"/>
-                                        </p:tgtEl>
-                                        <p:attrNameLst>
-                                          <p:attrName>style.visibility</p:attrName>
-                                        </p:attrNameLst>
-                                      </p:cBhvr>
-                                      <p:to>
-                                        <p:strVal val="visible"/>
-                                      </p:to>
-                                    </p:set>
-                                    <p:animEffect transition="in" filter="barn(inVertical)">
-                                      <p:cBhvr>
-                                        <p:cTn id="138" dur="500"/>
-                                        <p:tgtEl>
-                                          <p:spTgt spid="79"/>
-                                        </p:tgtEl>
-                                      </p:cBhvr>
-                                    </p:animEffect>
-                                  </p:childTnLst>
-                                </p:cTn>
-                              </p:par>
-                              <p:par>
-                                <p:cTn id="139" presetID="16" presetClass="entr" presetSubtype="21" fill="hold" nodeType="withEffect">
-                                  <p:stCondLst>
-                                    <p:cond delay="0"/>
-                                  </p:stCondLst>
-                                  <p:childTnLst>
-                                    <p:set>
-                                      <p:cBhvr>
-                                        <p:cTn id="140" dur="1" fill="hold">
-                                          <p:stCondLst>
-                                            <p:cond delay="0"/>
-                                          </p:stCondLst>
-                                        </p:cTn>
-                                        <p:tgtEl>
-                                          <p:spTgt spid="81"/>
-                                        </p:tgtEl>
-                                        <p:attrNameLst>
-                                          <p:attrName>style.visibility</p:attrName>
-                                        </p:attrNameLst>
-                                      </p:cBhvr>
-                                      <p:to>
-                                        <p:strVal val="visible"/>
-                                      </p:to>
-                                    </p:set>
-                                    <p:animEffect transition="in" filter="barn(inVertical)">
-                                      <p:cBhvr>
-                                        <p:cTn id="141" dur="500"/>
-                                        <p:tgtEl>
-                                          <p:spTgt spid="81"/>
-                                        </p:tgtEl>
-                                      </p:cBhvr>
-                                    </p:animEffect>
-                                  </p:childTnLst>
-                                </p:cTn>
-                              </p:par>
-                            </p:childTnLst>
-                          </p:cTn>
-                        </p:par>
-                      </p:childTnLst>
-                    </p:cTn>
-                  </p:par>
-                  <p:par>
-                    <p:cTn id="142" fill="hold">
-                      <p:stCondLst>
-                        <p:cond delay="indefinite"/>
-                      </p:stCondLst>
-                      <p:childTnLst>
-                        <p:par>
-                          <p:cTn id="143" fill="hold">
-                            <p:stCondLst>
-                              <p:cond delay="0"/>
-                            </p:stCondLst>
-                            <p:childTnLst>
-                              <p:par>
-                                <p:cTn id="144" presetID="22" presetClass="entr" presetSubtype="4" fill="hold" grpId="0" nodeType="clickEffect">
-                                  <p:stCondLst>
-                                    <p:cond delay="0"/>
-                                  </p:stCondLst>
-                                  <p:childTnLst>
-                                    <p:set>
-                                      <p:cBhvr>
-                                        <p:cTn id="145" dur="1" fill="hold">
-                                          <p:stCondLst>
-                                            <p:cond delay="0"/>
-                                          </p:stCondLst>
-                                        </p:cTn>
-                                        <p:tgtEl>
-                                          <p:spTgt spid="95"/>
-                                        </p:tgtEl>
-                                        <p:attrNameLst>
-                                          <p:attrName>style.visibility</p:attrName>
-                                        </p:attrNameLst>
-                                      </p:cBhvr>
-                                      <p:to>
-                                        <p:strVal val="visible"/>
-                                      </p:to>
-                                    </p:set>
-                                    <p:animEffect transition="in" filter="wipe(down)">
-                                      <p:cBhvr>
-                                        <p:cTn id="146" dur="500"/>
-                                        <p:tgtEl>
-                                          <p:spTgt spid="95"/>
-                                        </p:tgtEl>
-                                      </p:cBhvr>
-                                    </p:animEffect>
-                                  </p:childTnLst>
-                                </p:cTn>
-                              </p:par>
-                            </p:childTnLst>
-                          </p:cTn>
-                        </p:par>
-                      </p:childTnLst>
-                    </p:cTn>
-                  </p:par>
-                  <p:par>
-                    <p:cTn id="147" fill="hold">
-                      <p:stCondLst>
-                        <p:cond delay="indefinite"/>
-                      </p:stCondLst>
-                      <p:childTnLst>
-                        <p:par>
-                          <p:cTn id="148" fill="hold">
-                            <p:stCondLst>
-                              <p:cond delay="0"/>
-                            </p:stCondLst>
-                            <p:childTnLst>
-                              <p:par>
-                                <p:cTn id="149" presetID="16" presetClass="exit" presetSubtype="21" fill="hold" grpId="1" nodeType="clickEffect">
-                                  <p:stCondLst>
-                                    <p:cond delay="0"/>
-                                  </p:stCondLst>
-                                  <p:childTnLst>
-                                    <p:animEffect transition="out" filter="barn(inVertical)">
-                                      <p:cBhvr>
-                                        <p:cTn id="150" dur="500"/>
-                                        <p:tgtEl>
-                                          <p:spTgt spid="95"/>
-                                        </p:tgtEl>
-                                      </p:cBhvr>
-                                    </p:animEffect>
-                                    <p:set>
-                                      <p:cBhvr>
-                                        <p:cTn id="151" dur="1" fill="hold">
-                                          <p:stCondLst>
-                                            <p:cond delay="499"/>
-                                          </p:stCondLst>
-                                        </p:cTn>
-                                        <p:tgtEl>
-                                          <p:spTgt spid="95"/>
-                                        </p:tgtEl>
-                                        <p:attrNameLst>
-                                          <p:attrName>style.visibility</p:attrName>
-                                        </p:attrNameLst>
-                                      </p:cBhvr>
-                                      <p:to>
-                                        <p:strVal val="hidden"/>
-                                      </p:to>
-                                    </p:set>
-                                  </p:childTnLst>
-                                </p:cTn>
-                              </p:par>
-                            </p:childTnLst>
-                          </p:cTn>
-                        </p:par>
-                      </p:childTnLst>
-                    </p:cTn>
-                  </p:par>
-                  <p:par>
-                    <p:cTn id="152" fill="hold">
-                      <p:stCondLst>
-                        <p:cond delay="indefinite"/>
-                      </p:stCondLst>
-                      <p:childTnLst>
-                        <p:par>
-                          <p:cTn id="153" fill="hold">
-                            <p:stCondLst>
-                              <p:cond delay="0"/>
-                            </p:stCondLst>
-                            <p:childTnLst>
-                              <p:par>
-                                <p:cTn id="154" presetID="22" presetClass="entr" presetSubtype="4" fill="hold" grpId="0" nodeType="clickEffect">
-                                  <p:stCondLst>
-                                    <p:cond delay="0"/>
-                                  </p:stCondLst>
-                                  <p:childTnLst>
-                                    <p:set>
-                                      <p:cBhvr>
-                                        <p:cTn id="155" dur="1" fill="hold">
-                                          <p:stCondLst>
-                                            <p:cond delay="0"/>
-                                          </p:stCondLst>
-                                        </p:cTn>
-                                        <p:tgtEl>
-                                          <p:spTgt spid="96"/>
-                                        </p:tgtEl>
-                                        <p:attrNameLst>
-                                          <p:attrName>style.visibility</p:attrName>
-                                        </p:attrNameLst>
-                                      </p:cBhvr>
-                                      <p:to>
-                                        <p:strVal val="visible"/>
-                                      </p:to>
-                                    </p:set>
-                                    <p:animEffect transition="in" filter="wipe(down)">
-                                      <p:cBhvr>
-                                        <p:cTn id="156" dur="500"/>
-                                        <p:tgtEl>
-                                          <p:spTgt spid="96"/>
-                                        </p:tgtEl>
-                                      </p:cBhvr>
-                                    </p:animEffect>
-                                  </p:childTnLst>
-                                </p:cTn>
-                              </p:par>
-                            </p:childTnLst>
-                          </p:cTn>
-                        </p:par>
-                      </p:childTnLst>
-                    </p:cTn>
-                  </p:par>
-                  <p:par>
-                    <p:cTn id="157" fill="hold">
-                      <p:stCondLst>
-                        <p:cond delay="indefinite"/>
-                      </p:stCondLst>
-                      <p:childTnLst>
-                        <p:par>
-                          <p:cTn id="158" fill="hold">
-                            <p:stCondLst>
-                              <p:cond delay="0"/>
-                            </p:stCondLst>
-                            <p:childTnLst>
-                              <p:par>
-                                <p:cTn id="159" presetID="16" presetClass="exit" presetSubtype="21" fill="hold" grpId="1" nodeType="clickEffect">
-                                  <p:stCondLst>
-                                    <p:cond delay="0"/>
-                                  </p:stCondLst>
-                                  <p:childTnLst>
-                                    <p:animEffect transition="out" filter="barn(inVertical)">
-                                      <p:cBhvr>
-                                        <p:cTn id="160" dur="500"/>
-                                        <p:tgtEl>
-                                          <p:spTgt spid="96"/>
-                                        </p:tgtEl>
-                                      </p:cBhvr>
-                                    </p:animEffect>
-                                    <p:set>
-                                      <p:cBhvr>
-                                        <p:cTn id="161" dur="1" fill="hold">
-                                          <p:stCondLst>
-                                            <p:cond delay="499"/>
-                                          </p:stCondLst>
-                                        </p:cTn>
-                                        <p:tgtEl>
-                                          <p:spTgt spid="96"/>
-                                        </p:tgtEl>
-                                        <p:attrNameLst>
-                                          <p:attrName>style.visibility</p:attrName>
-                                        </p:attrNameLst>
-                                      </p:cBhvr>
-                                      <p:to>
-                                        <p:strVal val="hidden"/>
-                                      </p:to>
-                                    </p:set>
-                                  </p:childTnLst>
-                                </p:cTn>
-                              </p:par>
-                            </p:childTnLst>
-                          </p:cTn>
-                        </p:par>
-                      </p:childTnLst>
-                    </p:cTn>
-                  </p:par>
-                </p:childTnLst>
-              </p:cTn>
-              <p:prevCondLst>
-                <p:cond evt="onPrev" delay="0">
-                  <p:tgtEl>
-                    <p:sldTgt/>
-                  </p:tgtEl>
-                </p:cond>
-              </p:prevCondLst>
-              <p:nextCondLst>
-                <p:cond evt="onNext" delay="0">
-                  <p:tgtEl>
-                    <p:sldTgt/>
-                  </p:tgtEl>
-                </p:cond>
-              </p:nextCondLst>
-            </p:seq>
-          </p:childTnLst>
-        </p:cTn>
+        <p:cTn id="1" dur="indefinite" restart="never" nodeType="tmRoot"/>
       </p:par>
     </p:tnLst>
-    <p:bldLst>
-      <p:bldP spid="11" grpId="0" animBg="1"/>
-      <p:bldP spid="5" grpId="0" animBg="1"/>
-      <p:bldP spid="6" grpId="0" animBg="1"/>
-      <p:bldP spid="7" grpId="0" animBg="1"/>
-      <p:bldP spid="8" grpId="0" animBg="1"/>
-      <p:bldP spid="9" grpId="0" animBg="1"/>
-      <p:bldP spid="10" grpId="0" animBg="1"/>
-      <p:bldP spid="12" grpId="0"/>
-      <p:bldP spid="38" grpId="0" animBg="1"/>
-      <p:bldP spid="39" grpId="0"/>
-      <p:bldP spid="40" grpId="0" animBg="1"/>
-      <p:bldP spid="49" grpId="0" animBg="1"/>
-      <p:bldP spid="49" grpId="1" animBg="1"/>
-      <p:bldP spid="58" grpId="0" animBg="1"/>
-      <p:bldP spid="58" grpId="1" animBg="1"/>
-      <p:bldP spid="59" grpId="0" animBg="1"/>
-      <p:bldP spid="60" grpId="0"/>
-      <p:bldP spid="62" grpId="0" animBg="1"/>
-      <p:bldP spid="63" grpId="0" animBg="1"/>
-      <p:bldP spid="64" grpId="0" animBg="1"/>
-      <p:bldP spid="65" grpId="0" animBg="1"/>
-      <p:bldP spid="66" grpId="0" animBg="1"/>
-      <p:bldP spid="67" grpId="0" animBg="1"/>
-      <p:bldP spid="95" grpId="0" animBg="1"/>
-      <p:bldP spid="95" grpId="1" animBg="1"/>
-      <p:bldP spid="96" grpId="0" animBg="1"/>
-      <p:bldP spid="96" grpId="1" animBg="1"/>
-      <p:bldP spid="54" grpId="0" animBg="1"/>
-      <p:bldP spid="54" grpId="1" animBg="1"/>
-    </p:bldLst>
   </p:timing>
 </p:sld>
 </file>
@@ -34200,89 +30133,6 @@
             <p:ph type="title"/>
           </p:nvPr>
         </p:nvSpPr>
-        <p:spPr/>
-        <p:txBody>
-          <a:bodyPr/>
-          <a:lstStyle/>
-          <a:p>
-            <a:r>
-              <a:rPr lang="zh-CN" altLang="en-US" dirty="0" smtClean="0"/>
-              <a:t>相关资源</a:t>
-            </a:r>
-            <a:endParaRPr lang="zh-CN" altLang="en-US" dirty="0"/>
-          </a:p>
-        </p:txBody>
-      </p:sp>
-      <p:sp>
-        <p:nvSpPr>
-          <p:cNvPr id="3" name="内容占位符 2"/>
-          <p:cNvSpPr>
-            <a:spLocks noGrp="1"/>
-          </p:cNvSpPr>
-          <p:nvPr>
-            <p:ph idx="1"/>
-          </p:nvPr>
-        </p:nvSpPr>
-        <p:spPr/>
-        <p:txBody>
-          <a:bodyPr/>
-          <a:lstStyle/>
-          <a:p>
-            <a:r>
-              <a:rPr lang="en-US" altLang="zh-CN" dirty="0"/>
-              <a:t>https://github.com/muyannian/higo/wiki</a:t>
-            </a:r>
-            <a:endParaRPr lang="zh-CN" altLang="en-US" dirty="0"/>
-          </a:p>
-        </p:txBody>
-      </p:sp>
-    </p:spTree>
-    <p:extLst>
-      <p:ext uri="{BB962C8B-B14F-4D97-AF65-F5344CB8AC3E}">
-        <p14:creationId xmlns:p14="http://schemas.microsoft.com/office/powerpoint/2010/main" val="1393238710"/>
-      </p:ext>
-    </p:extLst>
-  </p:cSld>
-  <p:clrMapOvr>
-    <a:masterClrMapping/>
-  </p:clrMapOvr>
-  <p:timing>
-    <p:tnLst>
-      <p:par>
-        <p:cTn id="1" dur="indefinite" restart="never" nodeType="tmRoot"/>
-      </p:par>
-    </p:tnLst>
-  </p:timing>
-</p:sld>
-</file>
-
-<file path=ppt/slides/slide21.xml><?xml version="1.0" encoding="utf-8"?>
-<p:sld xmlns:a="http://schemas.openxmlformats.org/drawingml/2006/main" xmlns:r="http://schemas.openxmlformats.org/officeDocument/2006/relationships" xmlns:p="http://schemas.openxmlformats.org/presentationml/2006/main">
-  <p:cSld>
-    <p:spTree>
-      <p:nvGrpSpPr>
-        <p:cNvPr id="1" name=""/>
-        <p:cNvGrpSpPr/>
-        <p:nvPr/>
-      </p:nvGrpSpPr>
-      <p:grpSpPr>
-        <a:xfrm>
-          <a:off x="0" y="0"/>
-          <a:ext cx="0" cy="0"/>
-          <a:chOff x="0" y="0"/>
-          <a:chExt cx="0" cy="0"/>
-        </a:xfrm>
-      </p:grpSpPr>
-      <p:sp>
-        <p:nvSpPr>
-          <p:cNvPr id="2" name="标题 1"/>
-          <p:cNvSpPr>
-            <a:spLocks noGrp="1"/>
-          </p:cNvSpPr>
-          <p:nvPr>
-            <p:ph type="title"/>
-          </p:nvPr>
-        </p:nvSpPr>
         <p:spPr>
           <a:xfrm>
             <a:off x="323528" y="2636912"/>
@@ -34321,7 +30171,7 @@
 </p:sld>
 </file>
 
-<file path=ppt/slides/slide22.xml><?xml version="1.0" encoding="utf-8"?>
+<file path=ppt/slides/slide21.xml><?xml version="1.0" encoding="utf-8"?>
 <p:sld xmlns:a="http://schemas.openxmlformats.org/drawingml/2006/main" xmlns:r="http://schemas.openxmlformats.org/officeDocument/2006/relationships" xmlns:p="http://schemas.openxmlformats.org/presentationml/2006/main">
   <p:cSld>
     <p:spTree>
